--- a/docs/presentations/Graph-Systems-Thinking-Half-Day-Workshop.pptx
+++ b/docs/presentations/Graph-Systems-Thinking-Half-Day-Workshop.pptx
@@ -17079,7 +17079,7 @@
         </p:nvCxnSpPr>
         <p:spPr>
           <a:xfrm flipV="1">
-            <a:off x="5541806" y="711373"/>
+            <a:off x="5100371" y="608509"/>
             <a:ext cx="1484636" cy="251153"/>
           </a:xfrm>
           <a:prstGeom prst="line">
@@ -17139,7 +17139,7 @@
         </p:nvSpPr>
         <p:spPr>
           <a:xfrm rot="20997008">
-            <a:off x="5603627" y="182686"/>
+            <a:off x="5162192" y="79822"/>
             <a:ext cx="984745" cy="795112"/>
           </a:xfrm>
           <a:prstGeom prst="rect">
@@ -47045,8 +47045,8 @@
         </p:nvSpPr>
         <p:spPr>
           <a:xfrm>
-            <a:off x="6474571" y="2743967"/>
-            <a:ext cx="4336092" cy="369332"/>
+            <a:off x="6474570" y="2743967"/>
+            <a:ext cx="4971195" cy="400110"/>
           </a:xfrm>
           <a:prstGeom prst="rect">
             <a:avLst/>
@@ -47060,7 +47060,7 @@
           <a:lstStyle/>
           <a:p>
             <a:r>
-              <a:rPr lang="en-US" dirty="0"/>
+              <a:rPr lang="en-US" sz="2000" dirty="0"/>
               <a:t>https://www.linkedin.com/in/danmccreary</a:t>
             </a:r>
           </a:p>
@@ -47197,8 +47197,8 @@
         </p:blipFill>
         <p:spPr>
           <a:xfrm>
-            <a:off x="5986961" y="4110761"/>
-            <a:ext cx="406137" cy="448888"/>
+            <a:off x="5843753" y="4110761"/>
+            <a:ext cx="549346" cy="607172"/>
           </a:xfrm>
           <a:prstGeom prst="rect">
             <a:avLst/>
@@ -47219,8 +47219,8 @@
         </p:nvSpPr>
         <p:spPr>
           <a:xfrm>
-            <a:off x="6393097" y="4110760"/>
-            <a:ext cx="1000915" cy="281167"/>
+            <a:off x="6474570" y="4117209"/>
+            <a:ext cx="1780296" cy="461665"/>
           </a:xfrm>
           <a:prstGeom prst="rect">
             <a:avLst/>
@@ -47234,7 +47234,7 @@
           <a:lstStyle/>
           <a:p>
             <a:r>
-              <a:rPr lang="en-US" sz="1227" dirty="0"/>
+              <a:rPr lang="en-US" sz="2400" dirty="0"/>
               <a:t>@dmccreary</a:t>
             </a:r>
           </a:p>

--- a/docs/presentations/Graph-Systems-Thinking-Half-Day-Workshop.pptx
+++ b/docs/presentations/Graph-Systems-Thinking-Half-Day-Workshop.pptx
@@ -5,7 +5,7 @@
     <p:sldMasterId id="2147483648" r:id="rId1"/>
   </p:sldMasterIdLst>
   <p:notesMasterIdLst>
-    <p:notesMasterId r:id="rId52"/>
+    <p:notesMasterId r:id="rId53"/>
   </p:notesMasterIdLst>
   <p:sldIdLst>
     <p:sldId id="256" r:id="rId2"/>
@@ -46,18 +46,19 @@
     <p:sldId id="261" r:id="rId37"/>
     <p:sldId id="262" r:id="rId38"/>
     <p:sldId id="263" r:id="rId39"/>
-    <p:sldId id="268" r:id="rId40"/>
-    <p:sldId id="267" r:id="rId41"/>
-    <p:sldId id="264" r:id="rId42"/>
-    <p:sldId id="265" r:id="rId43"/>
-    <p:sldId id="278" r:id="rId44"/>
-    <p:sldId id="412" r:id="rId45"/>
-    <p:sldId id="395" r:id="rId46"/>
-    <p:sldId id="411" r:id="rId47"/>
-    <p:sldId id="415" r:id="rId48"/>
-    <p:sldId id="284" r:id="rId49"/>
-    <p:sldId id="462" r:id="rId50"/>
-    <p:sldId id="458" r:id="rId51"/>
+    <p:sldId id="518" r:id="rId40"/>
+    <p:sldId id="268" r:id="rId41"/>
+    <p:sldId id="267" r:id="rId42"/>
+    <p:sldId id="264" r:id="rId43"/>
+    <p:sldId id="265" r:id="rId44"/>
+    <p:sldId id="278" r:id="rId45"/>
+    <p:sldId id="412" r:id="rId46"/>
+    <p:sldId id="395" r:id="rId47"/>
+    <p:sldId id="411" r:id="rId48"/>
+    <p:sldId id="415" r:id="rId49"/>
+    <p:sldId id="284" r:id="rId50"/>
+    <p:sldId id="462" r:id="rId51"/>
+    <p:sldId id="458" r:id="rId52"/>
   </p:sldIdLst>
   <p:sldSz cx="12192000" cy="6858000"/>
   <p:notesSz cx="6858000" cy="9144000"/>
@@ -249,7 +250,7 @@
           <a:p>
             <a:fld id="{DDDB8551-9BFC-4E4A-85BF-A8B6B4F46AB6}" type="datetimeFigureOut">
               <a:rPr lang="en-US" smtClean="0"/>
-              <a:t>5/4/21</a:t>
+              <a:t>5/8/21</a:t>
             </a:fld>
             <a:endParaRPr lang="en-US"/>
           </a:p>
@@ -1179,7 +1180,7 @@
           <a:p>
             <a:fld id="{71B1AA27-3892-4360-B986-D6B124C223BF}" type="slidenum">
               <a:rPr lang="en-US" smtClean="0"/>
-              <a:t>45</a:t>
+              <a:t>46</a:t>
             </a:fld>
             <a:endParaRPr lang="en-US"/>
           </a:p>
@@ -1345,7 +1346,7 @@
           <a:p>
             <a:fld id="{2B0D6BFE-46D4-C24E-9204-69FED389B6E2}" type="datetime1">
               <a:rPr lang="en-US" smtClean="0"/>
-              <a:t>5/4/21</a:t>
+              <a:t>5/8/21</a:t>
             </a:fld>
             <a:endParaRPr lang="en-US"/>
           </a:p>
@@ -1518,7 +1519,7 @@
           <a:p>
             <a:fld id="{18764C49-332E-A645-8B82-75B33FFBE427}" type="datetime1">
               <a:rPr lang="en-US" smtClean="0"/>
-              <a:t>5/4/21</a:t>
+              <a:t>5/8/21</a:t>
             </a:fld>
             <a:endParaRPr lang="en-US"/>
           </a:p>
@@ -1722,7 +1723,7 @@
           <a:p>
             <a:fld id="{59B9B12D-92C4-3B43-B1D8-9965D43BF638}" type="datetime1">
               <a:rPr lang="en-US" smtClean="0"/>
-              <a:t>5/4/21</a:t>
+              <a:t>5/8/21</a:t>
             </a:fld>
             <a:endParaRPr lang="en-US"/>
           </a:p>
@@ -1945,7 +1946,7 @@
           <a:p>
             <a:fld id="{59B9B12D-92C4-3B43-B1D8-9965D43BF638}" type="datetime1">
               <a:rPr lang="en-US" smtClean="0"/>
-              <a:t>5/4/21</a:t>
+              <a:t>5/8/21</a:t>
             </a:fld>
             <a:endParaRPr lang="en-US"/>
           </a:p>
@@ -2170,7 +2171,7 @@
           <a:p>
             <a:fld id="{0B9FFA7D-85FB-FB44-A9D1-D4C83F2CF2CB}" type="datetime1">
               <a:rPr lang="en-US" smtClean="0"/>
-              <a:t>5/4/21</a:t>
+              <a:t>5/8/21</a:t>
             </a:fld>
             <a:endParaRPr lang="en-US"/>
           </a:p>
@@ -2420,7 +2421,7 @@
           <a:p>
             <a:fld id="{196151F9-2A32-764C-8EF3-7CD7D0B450D8}" type="datetime1">
               <a:rPr lang="en-US" smtClean="0"/>
-              <a:t>5/4/21</a:t>
+              <a:t>5/8/21</a:t>
             </a:fld>
             <a:endParaRPr lang="en-US"/>
           </a:p>
@@ -2693,7 +2694,7 @@
           <a:p>
             <a:fld id="{C9887BBF-38FB-E849-95CA-F8920E0C69E9}" type="datetime1">
               <a:rPr lang="en-US" smtClean="0"/>
-              <a:t>5/4/21</a:t>
+              <a:t>5/8/21</a:t>
             </a:fld>
             <a:endParaRPr lang="en-US"/>
           </a:p>
@@ -3080,7 +3081,7 @@
           <a:p>
             <a:fld id="{32376774-6612-3340-AA76-66022F1C0349}" type="datetime1">
               <a:rPr lang="en-US" smtClean="0"/>
-              <a:t>5/4/21</a:t>
+              <a:t>5/8/21</a:t>
             </a:fld>
             <a:endParaRPr lang="en-US"/>
           </a:p>
@@ -3196,7 +3197,7 @@
           <a:p>
             <a:fld id="{DDD7C8AF-8254-0544-8413-AB14A8499619}" type="datetime1">
               <a:rPr lang="en-US" smtClean="0"/>
-              <a:t>5/4/21</a:t>
+              <a:t>5/8/21</a:t>
             </a:fld>
             <a:endParaRPr lang="en-US"/>
           </a:p>
@@ -3317,7 +3318,7 @@
           <a:p>
             <a:fld id="{B6177D00-4A33-8545-A014-1E74782871C7}" type="datetime1">
               <a:rPr lang="en-US" smtClean="0"/>
-              <a:t>5/4/21</a:t>
+              <a:t>5/8/21</a:t>
             </a:fld>
             <a:endParaRPr lang="en-US"/>
           </a:p>
@@ -3603,7 +3604,7 @@
           <a:p>
             <a:fld id="{6B8C1DA2-7456-6545-A251-AB128B1B3740}" type="datetime1">
               <a:rPr lang="en-US" smtClean="0"/>
-              <a:t>5/4/21</a:t>
+              <a:t>5/8/21</a:t>
             </a:fld>
             <a:endParaRPr lang="en-US"/>
           </a:p>
@@ -3866,7 +3867,7 @@
           <a:p>
             <a:fld id="{24BC7086-71CA-AB4E-83F1-7D5E225BD43E}" type="datetime1">
               <a:rPr lang="en-US" smtClean="0"/>
-              <a:t>5/4/21</a:t>
+              <a:t>5/8/21</a:t>
             </a:fld>
             <a:endParaRPr lang="en-US"/>
           </a:p>
@@ -4082,7 +4083,7 @@
           <a:p>
             <a:fld id="{EE750306-8690-5443-BFD2-27996FC1F00C}" type="datetime1">
               <a:rPr lang="en-US" smtClean="0"/>
-              <a:t>5/4/21</a:t>
+              <a:t>5/8/21</a:t>
             </a:fld>
             <a:endParaRPr lang="en-US"/>
           </a:p>
@@ -33513,7 +33514,7 @@
           <p:cNvPr id="2" name="Title 1">
             <a:extLst>
               <a:ext uri="{FF2B5EF4-FFF2-40B4-BE49-F238E27FC236}">
-                <a16:creationId xmlns:a16="http://schemas.microsoft.com/office/drawing/2014/main" id="{77C109AE-3632-CE4F-8F32-6A6C5B8655B6}"/>
+                <a16:creationId xmlns:a16="http://schemas.microsoft.com/office/drawing/2014/main" id="{BB041E5D-68EC-8F49-9976-FC9BC64D26BE}"/>
               </a:ext>
             </a:extLst>
           </p:cNvPr>
@@ -33533,15 +33534,7 @@
           <a:p>
             <a:r>
               <a:rPr lang="en-US" dirty="0"/>
-              <a:t>Network Effects (</a:t>
-            </a:r>
-            <a:r>
-              <a:rPr lang="en-US" dirty="0" err="1"/>
-              <a:t>Metcalfs’s</a:t>
-            </a:r>
-            <a:r>
-              <a:rPr lang="en-US" dirty="0"/>
-              <a:t> Law)</a:t>
+              <a:t>Tragedy of the Commons</a:t>
             </a:r>
           </a:p>
         </p:txBody>
@@ -33551,7 +33544,7 @@
           <p:cNvPr id="3" name="Content Placeholder 2">
             <a:extLst>
               <a:ext uri="{FF2B5EF4-FFF2-40B4-BE49-F238E27FC236}">
-                <a16:creationId xmlns:a16="http://schemas.microsoft.com/office/drawing/2014/main" id="{4811EAA8-31A9-E542-8808-21006EF9AF61}"/>
+                <a16:creationId xmlns:a16="http://schemas.microsoft.com/office/drawing/2014/main" id="{F5E42963-4C65-7043-8DE0-8795980622C9}"/>
               </a:ext>
             </a:extLst>
           </p:cNvPr>
@@ -33564,65 +33557,24 @@
         </p:nvSpPr>
         <p:spPr>
           <a:xfrm>
-            <a:off x="838200" y="5579964"/>
-            <a:ext cx="10515600" cy="657543"/>
+            <a:off x="725557" y="5565268"/>
+            <a:ext cx="10628243" cy="611695"/>
           </a:xfrm>
         </p:spPr>
         <p:txBody>
-          <a:bodyPr>
-            <a:normAutofit/>
-          </a:bodyPr>
+          <a:bodyPr/>
           <a:lstStyle/>
           <a:p>
-            <a:pPr marL="0" indent="0">
-              <a:buNone/>
-            </a:pPr>
-            <a:r>
-              <a:rPr lang="en-US" sz="2000" dirty="0"/>
-              <a:t>The value of any device on a network standard grows exponentially as the number of connections increase </a:t>
-            </a:r>
+            <a:endParaRPr lang="en-US" dirty="0"/>
           </a:p>
         </p:txBody>
       </p:sp>
       <p:sp>
         <p:nvSpPr>
-          <p:cNvPr id="4" name="Footer Placeholder 3">
-            <a:extLst>
-              <a:ext uri="{FF2B5EF4-FFF2-40B4-BE49-F238E27FC236}">
-                <a16:creationId xmlns:a16="http://schemas.microsoft.com/office/drawing/2014/main" id="{8F1F4C1B-78F3-8D46-BF08-421813B074FD}"/>
-              </a:ext>
-            </a:extLst>
-          </p:cNvPr>
-          <p:cNvSpPr>
-            <a:spLocks noGrp="1"/>
-          </p:cNvSpPr>
-          <p:nvPr>
-            <p:ph type="ftr" sz="quarter" idx="4294967295"/>
-          </p:nvPr>
-        </p:nvSpPr>
-        <p:spPr>
-          <a:xfrm>
-            <a:off x="4038600" y="6356350"/>
-            <a:ext cx="4114800" cy="365125"/>
-          </a:xfrm>
-          <a:prstGeom prst="rect">
-            <a:avLst/>
-          </a:prstGeom>
-        </p:spPr>
-        <p:txBody>
-          <a:bodyPr/>
-          <a:lstStyle/>
-          <a:p>
-            <a:endParaRPr lang="en-US"/>
-          </a:p>
-        </p:txBody>
-      </p:sp>
-      <p:sp>
-        <p:nvSpPr>
-          <p:cNvPr id="5" name="Slide Number Placeholder 4">
-            <a:extLst>
-              <a:ext uri="{FF2B5EF4-FFF2-40B4-BE49-F238E27FC236}">
-                <a16:creationId xmlns:a16="http://schemas.microsoft.com/office/drawing/2014/main" id="{7934B38D-AB36-1C45-B7EF-B96A3A3EFDED}"/>
+          <p:cNvPr id="4" name="Slide Number Placeholder 3">
+            <a:extLst>
+              <a:ext uri="{FF2B5EF4-FFF2-40B4-BE49-F238E27FC236}">
+                <a16:creationId xmlns:a16="http://schemas.microsoft.com/office/drawing/2014/main" id="{BB08EAB0-C4EA-9541-BF8F-611BC96A531F}"/>
               </a:ext>
             </a:extLst>
           </p:cNvPr>
@@ -33648,10 +33600,10 @@
       </p:sp>
       <p:sp>
         <p:nvSpPr>
-          <p:cNvPr id="19" name="Oval 18">
-            <a:extLst>
-              <a:ext uri="{FF2B5EF4-FFF2-40B4-BE49-F238E27FC236}">
-                <a16:creationId xmlns:a16="http://schemas.microsoft.com/office/drawing/2014/main" id="{1C392F9E-CD64-B94B-9B00-B635865FCE53}"/>
+          <p:cNvPr id="5" name="Oval 4">
+            <a:extLst>
+              <a:ext uri="{FF2B5EF4-FFF2-40B4-BE49-F238E27FC236}">
+                <a16:creationId xmlns:a16="http://schemas.microsoft.com/office/drawing/2014/main" id="{4E3565F4-5BF4-354A-B8EE-010FDE454B0C}"/>
               </a:ext>
             </a:extLst>
           </p:cNvPr>
@@ -33660,8 +33612,8 @@
         </p:nvSpPr>
         <p:spPr>
           <a:xfrm>
-            <a:off x="4384697" y="3067287"/>
-            <a:ext cx="1997242" cy="685800"/>
+            <a:off x="4261199" y="3120434"/>
+            <a:ext cx="1675438" cy="685800"/>
           </a:xfrm>
           <a:prstGeom prst="ellipse">
             <a:avLst/>
@@ -33695,24 +33647,81 @@
             <a:pPr algn="ctr"/>
             <a:r>
               <a:rPr lang="en-US" dirty="0"/>
-              <a:t>Networking</a:t>
+              <a:t>Grass in</a:t>
             </a:r>
           </a:p>
           <a:p>
             <a:pPr algn="ctr"/>
             <a:r>
               <a:rPr lang="en-US" dirty="0"/>
-              <a:t>Standard</a:t>
+              <a:t>Commons</a:t>
             </a:r>
           </a:p>
         </p:txBody>
       </p:sp>
       <p:sp>
         <p:nvSpPr>
-          <p:cNvPr id="20" name="TextBox 19">
-            <a:extLst>
-              <a:ext uri="{FF2B5EF4-FFF2-40B4-BE49-F238E27FC236}">
-                <a16:creationId xmlns:a16="http://schemas.microsoft.com/office/drawing/2014/main" id="{50D2C6FF-CDA1-E84A-B2F7-DCDE97C77F88}"/>
+          <p:cNvPr id="6" name="Oval 5">
+            <a:extLst>
+              <a:ext uri="{FF2B5EF4-FFF2-40B4-BE49-F238E27FC236}">
+                <a16:creationId xmlns:a16="http://schemas.microsoft.com/office/drawing/2014/main" id="{580711F3-D344-654B-A49F-07632DC62931}"/>
+              </a:ext>
+            </a:extLst>
+          </p:cNvPr>
+          <p:cNvSpPr/>
+          <p:nvPr/>
+        </p:nvSpPr>
+        <p:spPr>
+          <a:xfrm>
+            <a:off x="4594058" y="1623868"/>
+            <a:ext cx="1675438" cy="771717"/>
+          </a:xfrm>
+          <a:prstGeom prst="ellipse">
+            <a:avLst/>
+          </a:prstGeom>
+          <a:solidFill>
+            <a:srgbClr val="00B050"/>
+          </a:solidFill>
+          <a:ln w="38100">
+            <a:solidFill>
+              <a:schemeClr val="tx1"/>
+            </a:solidFill>
+          </a:ln>
+        </p:spPr>
+        <p:style>
+          <a:lnRef idx="2">
+            <a:schemeClr val="accent1">
+              <a:shade val="50000"/>
+            </a:schemeClr>
+          </a:lnRef>
+          <a:fillRef idx="1">
+            <a:schemeClr val="accent1"/>
+          </a:fillRef>
+          <a:effectRef idx="0">
+            <a:schemeClr val="accent1"/>
+          </a:effectRef>
+          <a:fontRef idx="minor">
+            <a:schemeClr val="lt1"/>
+          </a:fontRef>
+        </p:style>
+        <p:txBody>
+          <a:bodyPr rtlCol="0" anchor="ctr"/>
+          <a:lstStyle/>
+          <a:p>
+            <a:pPr algn="ctr"/>
+            <a:r>
+              <a:rPr lang="en-US" dirty="0"/>
+              <a:t>Fast Right Answers</a:t>
+            </a:r>
+          </a:p>
+        </p:txBody>
+      </p:sp>
+      <p:sp>
+        <p:nvSpPr>
+          <p:cNvPr id="7" name="TextBox 6">
+            <a:extLst>
+              <a:ext uri="{FF2B5EF4-FFF2-40B4-BE49-F238E27FC236}">
+                <a16:creationId xmlns:a16="http://schemas.microsoft.com/office/drawing/2014/main" id="{7ED850DB-8DC7-FC4F-BAB7-FA444E9DE251}"/>
               </a:ext>
             </a:extLst>
           </p:cNvPr>
@@ -33721,8 +33730,8 @@
         </p:nvSpPr>
         <p:spPr>
           <a:xfrm>
-            <a:off x="1891003" y="1474846"/>
-            <a:ext cx="1465658" cy="369332"/>
+            <a:off x="3141240" y="2405269"/>
+            <a:ext cx="1060098" cy="369332"/>
           </a:xfrm>
           <a:prstGeom prst="rect">
             <a:avLst/>
@@ -33737,17 +33746,17 @@
           <a:p>
             <a:r>
               <a:rPr lang="en-US" dirty="0"/>
-              <a:t>Increases Use</a:t>
+              <a:t>Increases</a:t>
             </a:r>
           </a:p>
         </p:txBody>
       </p:sp>
       <p:sp>
         <p:nvSpPr>
-          <p:cNvPr id="21" name="Oval 20">
-            <a:extLst>
-              <a:ext uri="{FF2B5EF4-FFF2-40B4-BE49-F238E27FC236}">
-                <a16:creationId xmlns:a16="http://schemas.microsoft.com/office/drawing/2014/main" id="{FE943415-187E-7C4E-AF86-380454F48CD6}"/>
+          <p:cNvPr id="8" name="Oval 7">
+            <a:extLst>
+              <a:ext uri="{FF2B5EF4-FFF2-40B4-BE49-F238E27FC236}">
+                <a16:creationId xmlns:a16="http://schemas.microsoft.com/office/drawing/2014/main" id="{41AACE8C-7AED-8A40-8743-B8DE6BE3DC05}"/>
               </a:ext>
             </a:extLst>
           </p:cNvPr>
@@ -33756,8 +33765,8 @@
         </p:nvSpPr>
         <p:spPr>
           <a:xfrm>
-            <a:off x="4161447" y="4649935"/>
-            <a:ext cx="2428061" cy="836103"/>
+            <a:off x="4594060" y="4567295"/>
+            <a:ext cx="1894469" cy="856243"/>
           </a:xfrm>
           <a:prstGeom prst="ellipse">
             <a:avLst/>
@@ -33794,31 +33803,36 @@
             <a:pPr algn="ctr"/>
             <a:r>
               <a:rPr lang="en-US" dirty="0"/>
-              <a:t>High Cost Per Device</a:t>
-            </a:r>
+              <a:t>Over </a:t>
+            </a:r>
+            <a:r>
+              <a:rPr lang="en-US" dirty="0" err="1"/>
+              <a:t>Grazong</a:t>
+            </a:r>
+            <a:endParaRPr lang="en-US" dirty="0"/>
           </a:p>
         </p:txBody>
       </p:sp>
       <p:cxnSp>
         <p:nvCxnSpPr>
-          <p:cNvPr id="22" name="Curved Connector 21">
-            <a:extLst>
-              <a:ext uri="{FF2B5EF4-FFF2-40B4-BE49-F238E27FC236}">
-                <a16:creationId xmlns:a16="http://schemas.microsoft.com/office/drawing/2014/main" id="{7A7A7D1F-5CE5-C54C-BE6E-A5615C5260C8}"/>
+          <p:cNvPr id="9" name="Curved Connector 8">
+            <a:extLst>
+              <a:ext uri="{FF2B5EF4-FFF2-40B4-BE49-F238E27FC236}">
+                <a16:creationId xmlns:a16="http://schemas.microsoft.com/office/drawing/2014/main" id="{CB7322CA-C761-FF48-8C2F-82B77D6347BD}"/>
               </a:ext>
             </a:extLst>
           </p:cNvPr>
           <p:cNvCxnSpPr>
             <a:cxnSpLocks/>
-            <a:stCxn id="25" idx="2"/>
-            <a:endCxn id="35" idx="0"/>
+            <a:stCxn id="8" idx="2"/>
+            <a:endCxn id="5" idx="3"/>
           </p:cNvCxnSpPr>
           <p:nvPr/>
         </p:nvCxnSpPr>
         <p:spPr>
-          <a:xfrm rot="10800000" flipV="1">
-            <a:off x="2812107" y="1704115"/>
-            <a:ext cx="1349340" cy="448006"/>
+          <a:xfrm rot="10800000">
+            <a:off x="4506562" y="3705801"/>
+            <a:ext cx="87499" cy="1289616"/>
           </a:xfrm>
           <a:prstGeom prst="curvedConnector2">
             <a:avLst/>
@@ -33847,10 +33861,45 @@
       </p:cxnSp>
       <p:sp>
         <p:nvSpPr>
-          <p:cNvPr id="23" name="Cross 22">
-            <a:extLst>
-              <a:ext uri="{FF2B5EF4-FFF2-40B4-BE49-F238E27FC236}">
-                <a16:creationId xmlns:a16="http://schemas.microsoft.com/office/drawing/2014/main" id="{C254A265-4B6B-EE41-AE69-D1AB10A75B71}"/>
+          <p:cNvPr id="10" name="TextBox 9">
+            <a:extLst>
+              <a:ext uri="{FF2B5EF4-FFF2-40B4-BE49-F238E27FC236}">
+                <a16:creationId xmlns:a16="http://schemas.microsoft.com/office/drawing/2014/main" id="{3F84E8B8-B497-2644-B4E8-77D538710A8C}"/>
+              </a:ext>
+            </a:extLst>
+          </p:cNvPr>
+          <p:cNvSpPr txBox="1"/>
+          <p:nvPr/>
+        </p:nvSpPr>
+        <p:spPr>
+          <a:xfrm>
+            <a:off x="3038842" y="4164233"/>
+            <a:ext cx="1138645" cy="369332"/>
+          </a:xfrm>
+          <a:prstGeom prst="rect">
+            <a:avLst/>
+          </a:prstGeom>
+          <a:noFill/>
+        </p:spPr>
+        <p:txBody>
+          <a:bodyPr wrap="none" rtlCol="0">
+            <a:spAutoFit/>
+          </a:bodyPr>
+          <a:lstStyle/>
+          <a:p>
+            <a:r>
+              <a:rPr lang="en-US" dirty="0"/>
+              <a:t>Decreases</a:t>
+            </a:r>
+          </a:p>
+        </p:txBody>
+      </p:sp>
+      <p:sp>
+        <p:nvSpPr>
+          <p:cNvPr id="11" name="Oval 10">
+            <a:extLst>
+              <a:ext uri="{FF2B5EF4-FFF2-40B4-BE49-F238E27FC236}">
+                <a16:creationId xmlns:a16="http://schemas.microsoft.com/office/drawing/2014/main" id="{F9076D61-CC83-F34E-8FFC-E9272BFEF06B}"/>
               </a:ext>
             </a:extLst>
           </p:cNvPr>
@@ -33859,7 +33908,420 @@
         </p:nvSpPr>
         <p:spPr>
           <a:xfrm>
-            <a:off x="5260018" y="2376187"/>
+            <a:off x="7250411" y="2352201"/>
+            <a:ext cx="2604835" cy="967792"/>
+          </a:xfrm>
+          <a:prstGeom prst="ellipse">
+            <a:avLst/>
+          </a:prstGeom>
+          <a:ln w="38100">
+            <a:solidFill>
+              <a:schemeClr val="tx1"/>
+            </a:solidFill>
+          </a:ln>
+        </p:spPr>
+        <p:style>
+          <a:lnRef idx="2">
+            <a:schemeClr val="accent1">
+              <a:shade val="50000"/>
+            </a:schemeClr>
+          </a:lnRef>
+          <a:fillRef idx="1">
+            <a:schemeClr val="accent1"/>
+          </a:fillRef>
+          <a:effectRef idx="0">
+            <a:schemeClr val="accent1"/>
+          </a:effectRef>
+          <a:fontRef idx="minor">
+            <a:schemeClr val="lt1"/>
+          </a:fontRef>
+        </p:style>
+        <p:txBody>
+          <a:bodyPr rtlCol="0" anchor="ctr"/>
+          <a:lstStyle/>
+          <a:p>
+            <a:pPr algn="ctr"/>
+            <a:r>
+              <a:rPr lang="en-US" dirty="0"/>
+              <a:t>More Funding to Calculate Bus Routes</a:t>
+            </a:r>
+          </a:p>
+        </p:txBody>
+      </p:sp>
+      <p:cxnSp>
+        <p:nvCxnSpPr>
+          <p:cNvPr id="12" name="Curved Connector 11">
+            <a:extLst>
+              <a:ext uri="{FF2B5EF4-FFF2-40B4-BE49-F238E27FC236}">
+                <a16:creationId xmlns:a16="http://schemas.microsoft.com/office/drawing/2014/main" id="{B94D443D-C114-C54B-AFD5-1384C59846EA}"/>
+              </a:ext>
+            </a:extLst>
+          </p:cNvPr>
+          <p:cNvCxnSpPr>
+            <a:cxnSpLocks/>
+            <a:stCxn id="5" idx="6"/>
+            <a:endCxn id="11" idx="2"/>
+          </p:cNvCxnSpPr>
+          <p:nvPr/>
+        </p:nvCxnSpPr>
+        <p:spPr>
+          <a:xfrm flipV="1">
+            <a:off x="5936637" y="2836097"/>
+            <a:ext cx="1313774" cy="627237"/>
+          </a:xfrm>
+          <a:prstGeom prst="curvedConnector3">
+            <a:avLst>
+              <a:gd name="adj1" fmla="val 50000"/>
+            </a:avLst>
+          </a:prstGeom>
+          <a:ln w="57150">
+            <a:solidFill>
+              <a:schemeClr val="tx1"/>
+            </a:solidFill>
+            <a:tailEnd type="triangle"/>
+          </a:ln>
+        </p:spPr>
+        <p:style>
+          <a:lnRef idx="1">
+            <a:schemeClr val="accent1"/>
+          </a:lnRef>
+          <a:fillRef idx="0">
+            <a:schemeClr val="accent1"/>
+          </a:fillRef>
+          <a:effectRef idx="0">
+            <a:schemeClr val="accent1"/>
+          </a:effectRef>
+          <a:fontRef idx="minor">
+            <a:schemeClr val="tx1"/>
+          </a:fontRef>
+        </p:style>
+      </p:cxnSp>
+      <p:cxnSp>
+        <p:nvCxnSpPr>
+          <p:cNvPr id="13" name="Curved Connector 12">
+            <a:extLst>
+              <a:ext uri="{FF2B5EF4-FFF2-40B4-BE49-F238E27FC236}">
+                <a16:creationId xmlns:a16="http://schemas.microsoft.com/office/drawing/2014/main" id="{DB0CA105-1A62-734A-9479-321877063C12}"/>
+              </a:ext>
+            </a:extLst>
+          </p:cNvPr>
+          <p:cNvCxnSpPr>
+            <a:cxnSpLocks/>
+            <a:stCxn id="11" idx="1"/>
+            <a:endCxn id="6" idx="6"/>
+          </p:cNvCxnSpPr>
+          <p:nvPr/>
+        </p:nvCxnSpPr>
+        <p:spPr>
+          <a:xfrm rot="16200000" flipV="1">
+            <a:off x="6708586" y="1570637"/>
+            <a:ext cx="484204" cy="1362384"/>
+          </a:xfrm>
+          <a:prstGeom prst="curvedConnector2">
+            <a:avLst/>
+          </a:prstGeom>
+          <a:ln w="57150">
+            <a:solidFill>
+              <a:schemeClr val="tx1"/>
+            </a:solidFill>
+            <a:tailEnd type="triangle"/>
+          </a:ln>
+        </p:spPr>
+        <p:style>
+          <a:lnRef idx="1">
+            <a:schemeClr val="accent1"/>
+          </a:lnRef>
+          <a:fillRef idx="0">
+            <a:schemeClr val="accent1"/>
+          </a:fillRef>
+          <a:effectRef idx="0">
+            <a:schemeClr val="accent1"/>
+          </a:effectRef>
+          <a:fontRef idx="minor">
+            <a:schemeClr val="tx1"/>
+          </a:fontRef>
+        </p:style>
+      </p:cxnSp>
+      <p:sp>
+        <p:nvSpPr>
+          <p:cNvPr id="14" name="TextBox 13">
+            <a:extLst>
+              <a:ext uri="{FF2B5EF4-FFF2-40B4-BE49-F238E27FC236}">
+                <a16:creationId xmlns:a16="http://schemas.microsoft.com/office/drawing/2014/main" id="{41AF83A7-E7FA-9748-AD0B-19653F5849AB}"/>
+              </a:ext>
+            </a:extLst>
+          </p:cNvPr>
+          <p:cNvSpPr txBox="1"/>
+          <p:nvPr/>
+        </p:nvSpPr>
+        <p:spPr>
+          <a:xfrm>
+            <a:off x="6029233" y="2529676"/>
+            <a:ext cx="1060098" cy="369332"/>
+          </a:xfrm>
+          <a:prstGeom prst="rect">
+            <a:avLst/>
+          </a:prstGeom>
+          <a:noFill/>
+        </p:spPr>
+        <p:txBody>
+          <a:bodyPr wrap="none" rtlCol="0">
+            <a:spAutoFit/>
+          </a:bodyPr>
+          <a:lstStyle/>
+          <a:p>
+            <a:r>
+              <a:rPr lang="en-US" dirty="0"/>
+              <a:t>Increases</a:t>
+            </a:r>
+          </a:p>
+        </p:txBody>
+      </p:sp>
+      <p:sp>
+        <p:nvSpPr>
+          <p:cNvPr id="15" name="Oval 14">
+            <a:extLst>
+              <a:ext uri="{FF2B5EF4-FFF2-40B4-BE49-F238E27FC236}">
+                <a16:creationId xmlns:a16="http://schemas.microsoft.com/office/drawing/2014/main" id="{ED1E8560-A3DE-3144-BF0E-AE107600433F}"/>
+              </a:ext>
+            </a:extLst>
+          </p:cNvPr>
+          <p:cNvSpPr/>
+          <p:nvPr/>
+        </p:nvSpPr>
+        <p:spPr>
+          <a:xfrm>
+            <a:off x="7189846" y="3599503"/>
+            <a:ext cx="2604835" cy="967792"/>
+          </a:xfrm>
+          <a:prstGeom prst="ellipse">
+            <a:avLst/>
+          </a:prstGeom>
+          <a:ln w="38100">
+            <a:solidFill>
+              <a:schemeClr val="tx1"/>
+            </a:solidFill>
+          </a:ln>
+        </p:spPr>
+        <p:style>
+          <a:lnRef idx="2">
+            <a:schemeClr val="accent1">
+              <a:shade val="50000"/>
+            </a:schemeClr>
+          </a:lnRef>
+          <a:fillRef idx="1">
+            <a:schemeClr val="accent1"/>
+          </a:fillRef>
+          <a:effectRef idx="0">
+            <a:schemeClr val="accent1"/>
+          </a:effectRef>
+          <a:fontRef idx="minor">
+            <a:schemeClr val="lt1"/>
+          </a:fontRef>
+        </p:style>
+        <p:txBody>
+          <a:bodyPr rtlCol="0" anchor="ctr"/>
+          <a:lstStyle/>
+          <a:p>
+            <a:pPr algn="ctr"/>
+            <a:r>
+              <a:rPr lang="en-US" dirty="0" err="1"/>
+              <a:t>Overgra</a:t>
+            </a:r>
+            <a:endParaRPr lang="en-US" dirty="0"/>
+          </a:p>
+        </p:txBody>
+      </p:sp>
+      <p:cxnSp>
+        <p:nvCxnSpPr>
+          <p:cNvPr id="16" name="Curved Connector 15">
+            <a:extLst>
+              <a:ext uri="{FF2B5EF4-FFF2-40B4-BE49-F238E27FC236}">
+                <a16:creationId xmlns:a16="http://schemas.microsoft.com/office/drawing/2014/main" id="{DC6ABC2E-F0FD-B447-8E2B-D64A3EE7524F}"/>
+              </a:ext>
+            </a:extLst>
+          </p:cNvPr>
+          <p:cNvCxnSpPr>
+            <a:cxnSpLocks/>
+            <a:stCxn id="5" idx="6"/>
+            <a:endCxn id="15" idx="2"/>
+          </p:cNvCxnSpPr>
+          <p:nvPr/>
+        </p:nvCxnSpPr>
+        <p:spPr>
+          <a:xfrm>
+            <a:off x="5936637" y="3463334"/>
+            <a:ext cx="1253209" cy="620065"/>
+          </a:xfrm>
+          <a:prstGeom prst="curvedConnector3">
+            <a:avLst>
+              <a:gd name="adj1" fmla="val 50000"/>
+            </a:avLst>
+          </a:prstGeom>
+          <a:ln w="57150">
+            <a:solidFill>
+              <a:schemeClr val="tx1"/>
+            </a:solidFill>
+            <a:tailEnd type="triangle"/>
+          </a:ln>
+        </p:spPr>
+        <p:style>
+          <a:lnRef idx="1">
+            <a:schemeClr val="accent1"/>
+          </a:lnRef>
+          <a:fillRef idx="0">
+            <a:schemeClr val="accent1"/>
+          </a:fillRef>
+          <a:effectRef idx="0">
+            <a:schemeClr val="accent1"/>
+          </a:effectRef>
+          <a:fontRef idx="minor">
+            <a:schemeClr val="tx1"/>
+          </a:fontRef>
+        </p:style>
+      </p:cxnSp>
+      <p:sp>
+        <p:nvSpPr>
+          <p:cNvPr id="17" name="TextBox 16">
+            <a:extLst>
+              <a:ext uri="{FF2B5EF4-FFF2-40B4-BE49-F238E27FC236}">
+                <a16:creationId xmlns:a16="http://schemas.microsoft.com/office/drawing/2014/main" id="{689A752A-6F25-6D48-8F60-97026D272FEA}"/>
+              </a:ext>
+            </a:extLst>
+          </p:cNvPr>
+          <p:cNvSpPr txBox="1"/>
+          <p:nvPr/>
+        </p:nvSpPr>
+        <p:spPr>
+          <a:xfrm>
+            <a:off x="5883955" y="3984216"/>
+            <a:ext cx="1138645" cy="369332"/>
+          </a:xfrm>
+          <a:prstGeom prst="rect">
+            <a:avLst/>
+          </a:prstGeom>
+          <a:noFill/>
+        </p:spPr>
+        <p:txBody>
+          <a:bodyPr wrap="none" rtlCol="0">
+            <a:spAutoFit/>
+          </a:bodyPr>
+          <a:lstStyle/>
+          <a:p>
+            <a:r>
+              <a:rPr lang="en-US" dirty="0"/>
+              <a:t>Decreases</a:t>
+            </a:r>
+          </a:p>
+        </p:txBody>
+      </p:sp>
+      <p:cxnSp>
+        <p:nvCxnSpPr>
+          <p:cNvPr id="18" name="Curved Connector 17">
+            <a:extLst>
+              <a:ext uri="{FF2B5EF4-FFF2-40B4-BE49-F238E27FC236}">
+                <a16:creationId xmlns:a16="http://schemas.microsoft.com/office/drawing/2014/main" id="{DA4475D3-DFD4-4445-BC5E-FC760785F4A9}"/>
+              </a:ext>
+            </a:extLst>
+          </p:cNvPr>
+          <p:cNvCxnSpPr>
+            <a:cxnSpLocks/>
+            <a:stCxn id="15" idx="3"/>
+            <a:endCxn id="8" idx="6"/>
+          </p:cNvCxnSpPr>
+          <p:nvPr/>
+        </p:nvCxnSpPr>
+        <p:spPr>
+          <a:xfrm rot="5400000">
+            <a:off x="6744996" y="4169098"/>
+            <a:ext cx="569852" cy="1082786"/>
+          </a:xfrm>
+          <a:prstGeom prst="curvedConnector2">
+            <a:avLst/>
+          </a:prstGeom>
+          <a:ln w="57150">
+            <a:solidFill>
+              <a:schemeClr val="tx1"/>
+            </a:solidFill>
+            <a:tailEnd type="triangle"/>
+          </a:ln>
+        </p:spPr>
+        <p:style>
+          <a:lnRef idx="1">
+            <a:schemeClr val="accent1"/>
+          </a:lnRef>
+          <a:fillRef idx="0">
+            <a:schemeClr val="accent1"/>
+          </a:fillRef>
+          <a:effectRef idx="0">
+            <a:schemeClr val="accent1"/>
+          </a:effectRef>
+          <a:fontRef idx="minor">
+            <a:schemeClr val="tx1"/>
+          </a:fontRef>
+        </p:style>
+      </p:cxnSp>
+      <p:cxnSp>
+        <p:nvCxnSpPr>
+          <p:cNvPr id="19" name="Curved Connector 18">
+            <a:extLst>
+              <a:ext uri="{FF2B5EF4-FFF2-40B4-BE49-F238E27FC236}">
+                <a16:creationId xmlns:a16="http://schemas.microsoft.com/office/drawing/2014/main" id="{121D6E45-6263-C54D-A975-A993DFCA2226}"/>
+              </a:ext>
+            </a:extLst>
+          </p:cNvPr>
+          <p:cNvCxnSpPr>
+            <a:cxnSpLocks/>
+            <a:stCxn id="6" idx="2"/>
+            <a:endCxn id="5" idx="1"/>
+          </p:cNvCxnSpPr>
+          <p:nvPr/>
+        </p:nvCxnSpPr>
+        <p:spPr>
+          <a:xfrm rot="10800000" flipV="1">
+            <a:off x="4506562" y="2009727"/>
+            <a:ext cx="87497" cy="1211140"/>
+          </a:xfrm>
+          <a:prstGeom prst="curvedConnector2">
+            <a:avLst/>
+          </a:prstGeom>
+          <a:ln w="57150">
+            <a:solidFill>
+              <a:schemeClr val="tx1"/>
+            </a:solidFill>
+            <a:tailEnd type="triangle"/>
+          </a:ln>
+        </p:spPr>
+        <p:style>
+          <a:lnRef idx="1">
+            <a:schemeClr val="accent1"/>
+          </a:lnRef>
+          <a:fillRef idx="0">
+            <a:schemeClr val="accent1"/>
+          </a:fillRef>
+          <a:effectRef idx="0">
+            <a:schemeClr val="accent1"/>
+          </a:effectRef>
+          <a:fontRef idx="minor">
+            <a:schemeClr val="tx1"/>
+          </a:fontRef>
+        </p:style>
+      </p:cxnSp>
+      <p:sp>
+        <p:nvSpPr>
+          <p:cNvPr id="20" name="Cross 19">
+            <a:extLst>
+              <a:ext uri="{FF2B5EF4-FFF2-40B4-BE49-F238E27FC236}">
+                <a16:creationId xmlns:a16="http://schemas.microsoft.com/office/drawing/2014/main" id="{4731A113-FAB3-D74A-B691-363D08B8AAE8}"/>
+              </a:ext>
+            </a:extLst>
+          </p:cNvPr>
+          <p:cNvSpPr/>
+          <p:nvPr/>
+        </p:nvSpPr>
+        <p:spPr>
+          <a:xfrm>
+            <a:off x="5330353" y="2555095"/>
             <a:ext cx="386356" cy="369332"/>
           </a:xfrm>
           <a:prstGeom prst="plus">
@@ -33898,10 +34360,10 @@
       </p:sp>
       <p:sp>
         <p:nvSpPr>
-          <p:cNvPr id="24" name="Oval 23">
-            <a:extLst>
-              <a:ext uri="{FF2B5EF4-FFF2-40B4-BE49-F238E27FC236}">
-                <a16:creationId xmlns:a16="http://schemas.microsoft.com/office/drawing/2014/main" id="{EBF3F669-41B4-A947-8774-16B57E9456A6}"/>
+          <p:cNvPr id="21" name="Rectangle 20">
+            <a:extLst>
+              <a:ext uri="{FF2B5EF4-FFF2-40B4-BE49-F238E27FC236}">
+                <a16:creationId xmlns:a16="http://schemas.microsoft.com/office/drawing/2014/main" id="{A0B16BA8-2C7D-3A4C-92C0-0063AEA856D5}"/>
               </a:ext>
             </a:extLst>
           </p:cNvPr>
@@ -33910,376 +34372,7 @@
         </p:nvSpPr>
         <p:spPr>
           <a:xfrm>
-            <a:off x="7266611" y="1563580"/>
-            <a:ext cx="2785026" cy="912736"/>
-          </a:xfrm>
-          <a:prstGeom prst="ellipse">
-            <a:avLst/>
-          </a:prstGeom>
-          <a:solidFill>
-            <a:srgbClr val="00B050"/>
-          </a:solidFill>
-          <a:ln w="38100">
-            <a:solidFill>
-              <a:schemeClr val="tx1"/>
-            </a:solidFill>
-          </a:ln>
-        </p:spPr>
-        <p:style>
-          <a:lnRef idx="2">
-            <a:schemeClr val="accent1">
-              <a:shade val="50000"/>
-            </a:schemeClr>
-          </a:lnRef>
-          <a:fillRef idx="1">
-            <a:schemeClr val="accent1"/>
-          </a:fillRef>
-          <a:effectRef idx="0">
-            <a:schemeClr val="accent1"/>
-          </a:effectRef>
-          <a:fontRef idx="minor">
-            <a:schemeClr val="lt1"/>
-          </a:fontRef>
-        </p:style>
-        <p:txBody>
-          <a:bodyPr rtlCol="0" anchor="ctr"/>
-          <a:lstStyle/>
-          <a:p>
-            <a:pPr algn="ctr"/>
-            <a:r>
-              <a:rPr lang="en-US" dirty="0"/>
-              <a:t>More Devices</a:t>
-            </a:r>
-          </a:p>
-          <a:p>
-            <a:pPr algn="ctr"/>
-            <a:r>
-              <a:rPr lang="en-US" dirty="0"/>
-              <a:t>Manufactured </a:t>
-            </a:r>
-          </a:p>
-        </p:txBody>
-      </p:sp>
-      <p:sp>
-        <p:nvSpPr>
-          <p:cNvPr id="25" name="Oval 24">
-            <a:extLst>
-              <a:ext uri="{FF2B5EF4-FFF2-40B4-BE49-F238E27FC236}">
-                <a16:creationId xmlns:a16="http://schemas.microsoft.com/office/drawing/2014/main" id="{AE93EC0E-CE40-814F-B3D4-309138178EBD}"/>
-              </a:ext>
-            </a:extLst>
-          </p:cNvPr>
-          <p:cNvSpPr/>
-          <p:nvPr/>
-        </p:nvSpPr>
-        <p:spPr>
-          <a:xfrm>
-            <a:off x="4161447" y="1361215"/>
-            <a:ext cx="2428061" cy="685800"/>
-          </a:xfrm>
-          <a:prstGeom prst="ellipse">
-            <a:avLst/>
-          </a:prstGeom>
-          <a:solidFill>
-            <a:srgbClr val="00B050"/>
-          </a:solidFill>
-          <a:ln w="38100">
-            <a:solidFill>
-              <a:schemeClr val="tx1"/>
-            </a:solidFill>
-          </a:ln>
-        </p:spPr>
-        <p:style>
-          <a:lnRef idx="2">
-            <a:schemeClr val="accent1">
-              <a:shade val="50000"/>
-            </a:schemeClr>
-          </a:lnRef>
-          <a:fillRef idx="1">
-            <a:schemeClr val="accent1"/>
-          </a:fillRef>
-          <a:effectRef idx="0">
-            <a:schemeClr val="accent1"/>
-          </a:effectRef>
-          <a:fontRef idx="minor">
-            <a:schemeClr val="lt1"/>
-          </a:fontRef>
-        </p:style>
-        <p:txBody>
-          <a:bodyPr rtlCol="0" anchor="ctr"/>
-          <a:lstStyle/>
-          <a:p>
-            <a:pPr algn="ctr"/>
-            <a:r>
-              <a:rPr lang="en-US" dirty="0"/>
-              <a:t>Lower Cost Per</a:t>
-            </a:r>
-          </a:p>
-          <a:p>
-            <a:pPr algn="ctr"/>
-            <a:r>
-              <a:rPr lang="en-US" dirty="0"/>
-              <a:t>Device</a:t>
-            </a:r>
-          </a:p>
-        </p:txBody>
-      </p:sp>
-      <p:cxnSp>
-        <p:nvCxnSpPr>
-          <p:cNvPr id="26" name="Curved Connector 25">
-            <a:extLst>
-              <a:ext uri="{FF2B5EF4-FFF2-40B4-BE49-F238E27FC236}">
-                <a16:creationId xmlns:a16="http://schemas.microsoft.com/office/drawing/2014/main" id="{C5632D1F-26C3-E24F-98CC-DAE88B67D569}"/>
-              </a:ext>
-            </a:extLst>
-          </p:cNvPr>
-          <p:cNvCxnSpPr>
-            <a:cxnSpLocks/>
-            <a:stCxn id="19" idx="6"/>
-            <a:endCxn id="24" idx="4"/>
-          </p:cNvCxnSpPr>
-          <p:nvPr/>
-        </p:nvCxnSpPr>
-        <p:spPr>
-          <a:xfrm flipV="1">
-            <a:off x="6381939" y="2476316"/>
-            <a:ext cx="2277185" cy="933871"/>
-          </a:xfrm>
-          <a:prstGeom prst="curvedConnector2">
-            <a:avLst/>
-          </a:prstGeom>
-          <a:ln w="57150">
-            <a:solidFill>
-              <a:schemeClr val="tx1"/>
-            </a:solidFill>
-            <a:tailEnd type="triangle"/>
-          </a:ln>
-        </p:spPr>
-        <p:style>
-          <a:lnRef idx="1">
-            <a:schemeClr val="accent1"/>
-          </a:lnRef>
-          <a:fillRef idx="0">
-            <a:schemeClr val="accent1"/>
-          </a:fillRef>
-          <a:effectRef idx="0">
-            <a:schemeClr val="accent1"/>
-          </a:effectRef>
-          <a:fontRef idx="minor">
-            <a:schemeClr val="tx1"/>
-          </a:fontRef>
-        </p:style>
-      </p:cxnSp>
-      <p:cxnSp>
-        <p:nvCxnSpPr>
-          <p:cNvPr id="27" name="Curved Connector 26">
-            <a:extLst>
-              <a:ext uri="{FF2B5EF4-FFF2-40B4-BE49-F238E27FC236}">
-                <a16:creationId xmlns:a16="http://schemas.microsoft.com/office/drawing/2014/main" id="{CF36C58C-0F68-7A43-95F1-E352446F9DC4}"/>
-              </a:ext>
-            </a:extLst>
-          </p:cNvPr>
-          <p:cNvCxnSpPr>
-            <a:cxnSpLocks/>
-            <a:stCxn id="19" idx="6"/>
-            <a:endCxn id="29" idx="1"/>
-          </p:cNvCxnSpPr>
-          <p:nvPr/>
-        </p:nvCxnSpPr>
-        <p:spPr>
-          <a:xfrm>
-            <a:off x="6381939" y="3410187"/>
-            <a:ext cx="1486852" cy="700942"/>
-          </a:xfrm>
-          <a:prstGeom prst="curvedConnector2">
-            <a:avLst/>
-          </a:prstGeom>
-          <a:ln w="57150">
-            <a:solidFill>
-              <a:schemeClr val="tx1"/>
-            </a:solidFill>
-            <a:tailEnd type="triangle"/>
-          </a:ln>
-        </p:spPr>
-        <p:style>
-          <a:lnRef idx="1">
-            <a:schemeClr val="accent1"/>
-          </a:lnRef>
-          <a:fillRef idx="0">
-            <a:schemeClr val="accent1"/>
-          </a:fillRef>
-          <a:effectRef idx="0">
-            <a:schemeClr val="accent1"/>
-          </a:effectRef>
-          <a:fontRef idx="minor">
-            <a:schemeClr val="tx1"/>
-          </a:fontRef>
-        </p:style>
-      </p:cxnSp>
-      <p:cxnSp>
-        <p:nvCxnSpPr>
-          <p:cNvPr id="28" name="Curved Connector 27">
-            <a:extLst>
-              <a:ext uri="{FF2B5EF4-FFF2-40B4-BE49-F238E27FC236}">
-                <a16:creationId xmlns:a16="http://schemas.microsoft.com/office/drawing/2014/main" id="{0212A5A6-BB24-B041-99EC-02E049008E90}"/>
-              </a:ext>
-            </a:extLst>
-          </p:cNvPr>
-          <p:cNvCxnSpPr>
-            <a:cxnSpLocks/>
-            <a:stCxn id="21" idx="2"/>
-            <a:endCxn id="37" idx="4"/>
-          </p:cNvCxnSpPr>
-          <p:nvPr/>
-        </p:nvCxnSpPr>
-        <p:spPr>
-          <a:xfrm rot="10800000">
-            <a:off x="2812109" y="4709653"/>
-            <a:ext cx="1349339" cy="358335"/>
-          </a:xfrm>
-          <a:prstGeom prst="curvedConnector2">
-            <a:avLst/>
-          </a:prstGeom>
-          <a:ln w="57150">
-            <a:solidFill>
-              <a:schemeClr val="tx1"/>
-            </a:solidFill>
-            <a:tailEnd type="triangle"/>
-          </a:ln>
-        </p:spPr>
-        <p:style>
-          <a:lnRef idx="1">
-            <a:schemeClr val="accent1"/>
-          </a:lnRef>
-          <a:fillRef idx="0">
-            <a:schemeClr val="accent1"/>
-          </a:fillRef>
-          <a:effectRef idx="0">
-            <a:schemeClr val="accent1"/>
-          </a:effectRef>
-          <a:fontRef idx="minor">
-            <a:schemeClr val="tx1"/>
-          </a:fontRef>
-        </p:style>
-      </p:cxnSp>
-      <p:sp>
-        <p:nvSpPr>
-          <p:cNvPr id="29" name="Oval 28">
-            <a:extLst>
-              <a:ext uri="{FF2B5EF4-FFF2-40B4-BE49-F238E27FC236}">
-                <a16:creationId xmlns:a16="http://schemas.microsoft.com/office/drawing/2014/main" id="{1A0A13D3-1A60-E74A-93A2-CB8CD78E0203}"/>
-              </a:ext>
-            </a:extLst>
-          </p:cNvPr>
-          <p:cNvSpPr/>
-          <p:nvPr/>
-        </p:nvSpPr>
-        <p:spPr>
-          <a:xfrm>
-            <a:off x="7513210" y="4010696"/>
-            <a:ext cx="2428061" cy="685800"/>
-          </a:xfrm>
-          <a:prstGeom prst="ellipse">
-            <a:avLst/>
-          </a:prstGeom>
-          <a:solidFill>
-            <a:srgbClr val="C00000"/>
-          </a:solidFill>
-          <a:ln w="38100">
-            <a:solidFill>
-              <a:schemeClr val="tx1"/>
-            </a:solidFill>
-          </a:ln>
-        </p:spPr>
-        <p:style>
-          <a:lnRef idx="2">
-            <a:schemeClr val="accent1">
-              <a:shade val="50000"/>
-            </a:schemeClr>
-          </a:lnRef>
-          <a:fillRef idx="1">
-            <a:schemeClr val="accent1"/>
-          </a:fillRef>
-          <a:effectRef idx="0">
-            <a:schemeClr val="accent1"/>
-          </a:effectRef>
-          <a:fontRef idx="minor">
-            <a:schemeClr val="lt1"/>
-          </a:fontRef>
-        </p:style>
-        <p:txBody>
-          <a:bodyPr rtlCol="0" anchor="ctr"/>
-          <a:lstStyle/>
-          <a:p>
-            <a:pPr algn="ctr"/>
-            <a:r>
-              <a:rPr lang="en-US" dirty="0"/>
-              <a:t>Users Can’t Communicate</a:t>
-            </a:r>
-          </a:p>
-        </p:txBody>
-      </p:sp>
-      <p:cxnSp>
-        <p:nvCxnSpPr>
-          <p:cNvPr id="30" name="Curved Connector 29">
-            <a:extLst>
-              <a:ext uri="{FF2B5EF4-FFF2-40B4-BE49-F238E27FC236}">
-                <a16:creationId xmlns:a16="http://schemas.microsoft.com/office/drawing/2014/main" id="{19DB0BF0-3ABB-B743-A81C-98BF17D2C530}"/>
-              </a:ext>
-            </a:extLst>
-          </p:cNvPr>
-          <p:cNvCxnSpPr>
-            <a:cxnSpLocks/>
-            <a:stCxn id="29" idx="3"/>
-            <a:endCxn id="21" idx="6"/>
-          </p:cNvCxnSpPr>
-          <p:nvPr/>
-        </p:nvCxnSpPr>
-        <p:spPr>
-          <a:xfrm rot="5400000">
-            <a:off x="6993188" y="4192384"/>
-            <a:ext cx="471924" cy="1279283"/>
-          </a:xfrm>
-          <a:prstGeom prst="curvedConnector2">
-            <a:avLst/>
-          </a:prstGeom>
-          <a:ln w="57150">
-            <a:solidFill>
-              <a:schemeClr val="tx1"/>
-            </a:solidFill>
-            <a:tailEnd type="triangle"/>
-          </a:ln>
-        </p:spPr>
-        <p:style>
-          <a:lnRef idx="1">
-            <a:schemeClr val="accent1"/>
-          </a:lnRef>
-          <a:fillRef idx="0">
-            <a:schemeClr val="accent1"/>
-          </a:fillRef>
-          <a:effectRef idx="0">
-            <a:schemeClr val="accent1"/>
-          </a:effectRef>
-          <a:fontRef idx="minor">
-            <a:schemeClr val="tx1"/>
-          </a:fontRef>
-        </p:style>
-      </p:cxnSp>
-      <p:sp>
-        <p:nvSpPr>
-          <p:cNvPr id="31" name="Rectangle 30">
-            <a:extLst>
-              <a:ext uri="{FF2B5EF4-FFF2-40B4-BE49-F238E27FC236}">
-                <a16:creationId xmlns:a16="http://schemas.microsoft.com/office/drawing/2014/main" id="{EFA6D403-336C-1F4E-BF35-2425C347EE91}"/>
-              </a:ext>
-            </a:extLst>
-          </p:cNvPr>
-          <p:cNvSpPr/>
-          <p:nvPr/>
-        </p:nvSpPr>
-        <p:spPr>
-          <a:xfrm>
-            <a:off x="5383318" y="4113015"/>
+            <a:off x="5330353" y="4138337"/>
             <a:ext cx="386356" cy="118044"/>
           </a:xfrm>
           <a:prstGeom prst="rect">
@@ -34314,371 +34407,10 @@
           </a:p>
         </p:txBody>
       </p:sp>
-      <p:cxnSp>
-        <p:nvCxnSpPr>
-          <p:cNvPr id="32" name="Curved Connector 31">
-            <a:extLst>
-              <a:ext uri="{FF2B5EF4-FFF2-40B4-BE49-F238E27FC236}">
-                <a16:creationId xmlns:a16="http://schemas.microsoft.com/office/drawing/2014/main" id="{11C9A158-FBCA-D342-B4A3-6B42137253BE}"/>
-              </a:ext>
-            </a:extLst>
-          </p:cNvPr>
-          <p:cNvCxnSpPr>
-            <a:cxnSpLocks/>
-            <a:stCxn id="24" idx="2"/>
-            <a:endCxn id="25" idx="6"/>
-          </p:cNvCxnSpPr>
-          <p:nvPr/>
-        </p:nvCxnSpPr>
-        <p:spPr>
-          <a:xfrm rot="10800000">
-            <a:off x="6589509" y="1704116"/>
-            <a:ext cx="677103" cy="315833"/>
-          </a:xfrm>
-          <a:prstGeom prst="curvedConnector3">
-            <a:avLst>
-              <a:gd name="adj1" fmla="val 50000"/>
-            </a:avLst>
-          </a:prstGeom>
-          <a:ln w="57150">
-            <a:solidFill>
-              <a:schemeClr val="tx1"/>
-            </a:solidFill>
-            <a:tailEnd type="triangle"/>
-          </a:ln>
-        </p:spPr>
-        <p:style>
-          <a:lnRef idx="1">
-            <a:schemeClr val="accent1"/>
-          </a:lnRef>
-          <a:fillRef idx="0">
-            <a:schemeClr val="accent1"/>
-          </a:fillRef>
-          <a:effectRef idx="0">
-            <a:schemeClr val="accent1"/>
-          </a:effectRef>
-          <a:fontRef idx="minor">
-            <a:schemeClr val="tx1"/>
-          </a:fontRef>
-        </p:style>
-      </p:cxnSp>
-      <p:sp>
-        <p:nvSpPr>
-          <p:cNvPr id="33" name="TextBox 32">
-            <a:extLst>
-              <a:ext uri="{FF2B5EF4-FFF2-40B4-BE49-F238E27FC236}">
-                <a16:creationId xmlns:a16="http://schemas.microsoft.com/office/drawing/2014/main" id="{2BF67190-CFC5-F748-9C6C-3EB16E1745B2}"/>
-              </a:ext>
-            </a:extLst>
-          </p:cNvPr>
-          <p:cNvSpPr txBox="1"/>
-          <p:nvPr/>
-        </p:nvSpPr>
-        <p:spPr>
-          <a:xfrm>
-            <a:off x="7949790" y="3551670"/>
-            <a:ext cx="1685911" cy="369332"/>
-          </a:xfrm>
-          <a:prstGeom prst="rect">
-            <a:avLst/>
-          </a:prstGeom>
-          <a:noFill/>
-        </p:spPr>
-        <p:txBody>
-          <a:bodyPr wrap="none" rtlCol="0">
-            <a:spAutoFit/>
-          </a:bodyPr>
-          <a:lstStyle/>
-          <a:p>
-            <a:r>
-              <a:rPr lang="en-US" dirty="0"/>
-              <a:t>Lower Adoption</a:t>
-            </a:r>
-          </a:p>
-        </p:txBody>
-      </p:sp>
-      <p:sp>
-        <p:nvSpPr>
-          <p:cNvPr id="34" name="TextBox 33">
-            <a:extLst>
-              <a:ext uri="{FF2B5EF4-FFF2-40B4-BE49-F238E27FC236}">
-                <a16:creationId xmlns:a16="http://schemas.microsoft.com/office/drawing/2014/main" id="{833037B5-96A0-1048-A39B-EBB52562BECC}"/>
-              </a:ext>
-            </a:extLst>
-          </p:cNvPr>
-          <p:cNvSpPr txBox="1"/>
-          <p:nvPr/>
-        </p:nvSpPr>
-        <p:spPr>
-          <a:xfrm>
-            <a:off x="6589508" y="2651945"/>
-            <a:ext cx="1732141" cy="369332"/>
-          </a:xfrm>
-          <a:prstGeom prst="rect">
-            <a:avLst/>
-          </a:prstGeom>
-          <a:noFill/>
-        </p:spPr>
-        <p:txBody>
-          <a:bodyPr wrap="none" rtlCol="0">
-            <a:spAutoFit/>
-          </a:bodyPr>
-          <a:lstStyle/>
-          <a:p>
-            <a:r>
-              <a:rPr lang="en-US" dirty="0"/>
-              <a:t>Higher Adoption</a:t>
-            </a:r>
-          </a:p>
-        </p:txBody>
-      </p:sp>
-      <p:sp>
-        <p:nvSpPr>
-          <p:cNvPr id="35" name="Oval 34">
-            <a:extLst>
-              <a:ext uri="{FF2B5EF4-FFF2-40B4-BE49-F238E27FC236}">
-                <a16:creationId xmlns:a16="http://schemas.microsoft.com/office/drawing/2014/main" id="{97C22BDC-CB69-AA46-B313-BA35C2F1B3D8}"/>
-              </a:ext>
-            </a:extLst>
-          </p:cNvPr>
-          <p:cNvSpPr/>
-          <p:nvPr/>
-        </p:nvSpPr>
-        <p:spPr>
-          <a:xfrm>
-            <a:off x="1598076" y="2152121"/>
-            <a:ext cx="2428061" cy="685800"/>
-          </a:xfrm>
-          <a:prstGeom prst="ellipse">
-            <a:avLst/>
-          </a:prstGeom>
-          <a:solidFill>
-            <a:srgbClr val="00B050"/>
-          </a:solidFill>
-          <a:ln w="38100">
-            <a:solidFill>
-              <a:schemeClr val="tx1"/>
-            </a:solidFill>
-          </a:ln>
-        </p:spPr>
-        <p:style>
-          <a:lnRef idx="2">
-            <a:schemeClr val="accent1">
-              <a:shade val="50000"/>
-            </a:schemeClr>
-          </a:lnRef>
-          <a:fillRef idx="1">
-            <a:schemeClr val="accent1"/>
-          </a:fillRef>
-          <a:effectRef idx="0">
-            <a:schemeClr val="accent1"/>
-          </a:effectRef>
-          <a:fontRef idx="minor">
-            <a:schemeClr val="lt1"/>
-          </a:fontRef>
-        </p:style>
-        <p:txBody>
-          <a:bodyPr rtlCol="0" anchor="ctr"/>
-          <a:lstStyle/>
-          <a:p>
-            <a:pPr algn="ctr"/>
-            <a:r>
-              <a:rPr lang="en-US" dirty="0"/>
-              <a:t>Higher Adoption</a:t>
-            </a:r>
-          </a:p>
-        </p:txBody>
-      </p:sp>
-      <p:cxnSp>
-        <p:nvCxnSpPr>
-          <p:cNvPr id="36" name="Curved Connector 35">
-            <a:extLst>
-              <a:ext uri="{FF2B5EF4-FFF2-40B4-BE49-F238E27FC236}">
-                <a16:creationId xmlns:a16="http://schemas.microsoft.com/office/drawing/2014/main" id="{10A9BD5B-8763-0A4A-94FA-2E4CE8A6B50F}"/>
-              </a:ext>
-            </a:extLst>
-          </p:cNvPr>
-          <p:cNvCxnSpPr>
-            <a:cxnSpLocks/>
-            <a:stCxn id="35" idx="4"/>
-            <a:endCxn id="19" idx="2"/>
-          </p:cNvCxnSpPr>
-          <p:nvPr/>
-        </p:nvCxnSpPr>
-        <p:spPr>
-          <a:xfrm rot="16200000" flipH="1">
-            <a:off x="3312269" y="2337759"/>
-            <a:ext cx="572266" cy="1572590"/>
-          </a:xfrm>
-          <a:prstGeom prst="curvedConnector2">
-            <a:avLst/>
-          </a:prstGeom>
-          <a:ln w="57150">
-            <a:solidFill>
-              <a:schemeClr val="tx1"/>
-            </a:solidFill>
-            <a:tailEnd type="triangle"/>
-          </a:ln>
-        </p:spPr>
-        <p:style>
-          <a:lnRef idx="1">
-            <a:schemeClr val="accent1"/>
-          </a:lnRef>
-          <a:fillRef idx="0">
-            <a:schemeClr val="accent1"/>
-          </a:fillRef>
-          <a:effectRef idx="0">
-            <a:schemeClr val="accent1"/>
-          </a:effectRef>
-          <a:fontRef idx="minor">
-            <a:schemeClr val="tx1"/>
-          </a:fontRef>
-        </p:style>
-      </p:cxnSp>
-      <p:sp>
-        <p:nvSpPr>
-          <p:cNvPr id="37" name="Oval 36">
-            <a:extLst>
-              <a:ext uri="{FF2B5EF4-FFF2-40B4-BE49-F238E27FC236}">
-                <a16:creationId xmlns:a16="http://schemas.microsoft.com/office/drawing/2014/main" id="{D048E030-EA68-D54E-882F-B938D6CFDD4A}"/>
-              </a:ext>
-            </a:extLst>
-          </p:cNvPr>
-          <p:cNvSpPr/>
-          <p:nvPr/>
-        </p:nvSpPr>
-        <p:spPr>
-          <a:xfrm>
-            <a:off x="1598077" y="4017157"/>
-            <a:ext cx="2428061" cy="692495"/>
-          </a:xfrm>
-          <a:prstGeom prst="ellipse">
-            <a:avLst/>
-          </a:prstGeom>
-          <a:solidFill>
-            <a:srgbClr val="C00000"/>
-          </a:solidFill>
-          <a:ln w="38100">
-            <a:solidFill>
-              <a:schemeClr val="tx1"/>
-            </a:solidFill>
-          </a:ln>
-        </p:spPr>
-        <p:style>
-          <a:lnRef idx="2">
-            <a:schemeClr val="accent1">
-              <a:shade val="50000"/>
-            </a:schemeClr>
-          </a:lnRef>
-          <a:fillRef idx="1">
-            <a:schemeClr val="accent1"/>
-          </a:fillRef>
-          <a:effectRef idx="0">
-            <a:schemeClr val="accent1"/>
-          </a:effectRef>
-          <a:fontRef idx="minor">
-            <a:schemeClr val="lt1"/>
-          </a:fontRef>
-        </p:style>
-        <p:txBody>
-          <a:bodyPr rtlCol="0" anchor="ctr"/>
-          <a:lstStyle/>
-          <a:p>
-            <a:pPr algn="ctr"/>
-            <a:r>
-              <a:rPr lang="en-US" dirty="0"/>
-              <a:t>Use Alternate Standards</a:t>
-            </a:r>
-          </a:p>
-        </p:txBody>
-      </p:sp>
-      <p:cxnSp>
-        <p:nvCxnSpPr>
-          <p:cNvPr id="38" name="Curved Connector 37">
-            <a:extLst>
-              <a:ext uri="{FF2B5EF4-FFF2-40B4-BE49-F238E27FC236}">
-                <a16:creationId xmlns:a16="http://schemas.microsoft.com/office/drawing/2014/main" id="{2498426B-6BD2-4745-95FC-1DD5BC5B624C}"/>
-              </a:ext>
-            </a:extLst>
-          </p:cNvPr>
-          <p:cNvCxnSpPr>
-            <a:cxnSpLocks/>
-            <a:stCxn id="37" idx="0"/>
-            <a:endCxn id="19" idx="3"/>
-          </p:cNvCxnSpPr>
-          <p:nvPr/>
-        </p:nvCxnSpPr>
-        <p:spPr>
-          <a:xfrm rot="5400000" flipH="1" flipV="1">
-            <a:off x="3562396" y="2902367"/>
-            <a:ext cx="364503" cy="1865078"/>
-          </a:xfrm>
-          <a:prstGeom prst="curvedConnector3">
-            <a:avLst>
-              <a:gd name="adj1" fmla="val 50000"/>
-            </a:avLst>
-          </a:prstGeom>
-          <a:ln w="57150">
-            <a:solidFill>
-              <a:schemeClr val="tx1"/>
-            </a:solidFill>
-            <a:tailEnd type="triangle"/>
-          </a:ln>
-        </p:spPr>
-        <p:style>
-          <a:lnRef idx="1">
-            <a:schemeClr val="accent1"/>
-          </a:lnRef>
-          <a:fillRef idx="0">
-            <a:schemeClr val="accent1"/>
-          </a:fillRef>
-          <a:effectRef idx="0">
-            <a:schemeClr val="accent1"/>
-          </a:effectRef>
-          <a:fontRef idx="minor">
-            <a:schemeClr val="tx1"/>
-          </a:fontRef>
-        </p:style>
-      </p:cxnSp>
-      <p:sp>
-        <p:nvSpPr>
-          <p:cNvPr id="39" name="TextBox 38">
-            <a:extLst>
-              <a:ext uri="{FF2B5EF4-FFF2-40B4-BE49-F238E27FC236}">
-                <a16:creationId xmlns:a16="http://schemas.microsoft.com/office/drawing/2014/main" id="{AA59E320-A0E8-EF4C-A556-8B3E701B6C89}"/>
-              </a:ext>
-            </a:extLst>
-          </p:cNvPr>
-          <p:cNvSpPr txBox="1"/>
-          <p:nvPr/>
-        </p:nvSpPr>
-        <p:spPr>
-          <a:xfrm>
-            <a:off x="1772704" y="3503021"/>
-            <a:ext cx="1576265" cy="369332"/>
-          </a:xfrm>
-          <a:prstGeom prst="rect">
-            <a:avLst/>
-          </a:prstGeom>
-          <a:noFill/>
-        </p:spPr>
-        <p:txBody>
-          <a:bodyPr wrap="none" rtlCol="0">
-            <a:spAutoFit/>
-          </a:bodyPr>
-          <a:lstStyle/>
-          <a:p>
-            <a:r>
-              <a:rPr lang="en-US" dirty="0"/>
-              <a:t>Decreased Use</a:t>
-            </a:r>
-          </a:p>
-        </p:txBody>
-      </p:sp>
     </p:spTree>
     <p:extLst>
       <p:ext uri="{BB962C8B-B14F-4D97-AF65-F5344CB8AC3E}">
-        <p14:creationId xmlns:p14="http://schemas.microsoft.com/office/powerpoint/2010/main" val="3430286215"/>
+        <p14:creationId xmlns:p14="http://schemas.microsoft.com/office/powerpoint/2010/main" val="408519257"/>
       </p:ext>
     </p:extLst>
   </p:cSld>
@@ -40113,7 +39845,7 @@
           <p:cNvPr id="2" name="Title 1">
             <a:extLst>
               <a:ext uri="{FF2B5EF4-FFF2-40B4-BE49-F238E27FC236}">
-                <a16:creationId xmlns:a16="http://schemas.microsoft.com/office/drawing/2014/main" id="{ED586A3E-9709-E947-9EF0-DBC0EB9E7060}"/>
+                <a16:creationId xmlns:a16="http://schemas.microsoft.com/office/drawing/2014/main" id="{77C109AE-3632-CE4F-8F32-6A6C5B8655B6}"/>
               </a:ext>
             </a:extLst>
           </p:cNvPr>
@@ -40133,7 +39865,15 @@
           <a:p>
             <a:r>
               <a:rPr lang="en-US" dirty="0"/>
-              <a:t>Customer Support Chatbot</a:t>
+              <a:t>Network Effects (</a:t>
+            </a:r>
+            <a:r>
+              <a:rPr lang="en-US" dirty="0" err="1"/>
+              <a:t>Metcalfs’s</a:t>
+            </a:r>
+            <a:r>
+              <a:rPr lang="en-US" dirty="0"/>
+              <a:t> Law)</a:t>
             </a:r>
           </a:p>
         </p:txBody>
@@ -40143,7 +39883,7 @@
           <p:cNvPr id="3" name="Content Placeholder 2">
             <a:extLst>
               <a:ext uri="{FF2B5EF4-FFF2-40B4-BE49-F238E27FC236}">
-                <a16:creationId xmlns:a16="http://schemas.microsoft.com/office/drawing/2014/main" id="{CBF2A1C2-1E74-934B-81B3-2EE1251D0A86}"/>
+                <a16:creationId xmlns:a16="http://schemas.microsoft.com/office/drawing/2014/main" id="{4811EAA8-31A9-E542-8808-21006EF9AF61}"/>
               </a:ext>
             </a:extLst>
           </p:cNvPr>
@@ -40156,18 +39896,56 @@
         </p:nvSpPr>
         <p:spPr>
           <a:xfrm>
-            <a:off x="838200" y="5281863"/>
-            <a:ext cx="10515600" cy="895100"/>
+            <a:off x="838200" y="5579964"/>
+            <a:ext cx="10515600" cy="657543"/>
           </a:xfrm>
+        </p:spPr>
+        <p:txBody>
+          <a:bodyPr>
+            <a:normAutofit/>
+          </a:bodyPr>
+          <a:lstStyle/>
+          <a:p>
+            <a:pPr marL="0" indent="0">
+              <a:buNone/>
+            </a:pPr>
+            <a:r>
+              <a:rPr lang="en-US" sz="2000" dirty="0"/>
+              <a:t>The value of any device on a network standard grows exponentially as the number of connections increase </a:t>
+            </a:r>
+          </a:p>
+        </p:txBody>
+      </p:sp>
+      <p:sp>
+        <p:nvSpPr>
+          <p:cNvPr id="4" name="Footer Placeholder 3">
+            <a:extLst>
+              <a:ext uri="{FF2B5EF4-FFF2-40B4-BE49-F238E27FC236}">
+                <a16:creationId xmlns:a16="http://schemas.microsoft.com/office/drawing/2014/main" id="{8F1F4C1B-78F3-8D46-BF08-421813B074FD}"/>
+              </a:ext>
+            </a:extLst>
+          </p:cNvPr>
+          <p:cNvSpPr>
+            <a:spLocks noGrp="1"/>
+          </p:cNvSpPr>
+          <p:nvPr>
+            <p:ph type="ftr" sz="quarter" idx="4294967295"/>
+          </p:nvPr>
+        </p:nvSpPr>
+        <p:spPr>
+          <a:xfrm>
+            <a:off x="4038600" y="6356350"/>
+            <a:ext cx="4114800" cy="365125"/>
+          </a:xfrm>
+          <a:prstGeom prst="rect">
+            <a:avLst/>
+          </a:prstGeom>
         </p:spPr>
         <p:txBody>
           <a:bodyPr/>
           <a:lstStyle/>
           <a:p>
-            <a:r>
-              <a:rPr lang="en-US" dirty="0"/>
-              <a:t>More feedback is used to build better intent detection models</a:t>
-            </a:r>
+            <a:endParaRPr lang="en-US"/>
           </a:p>
         </p:txBody>
       </p:sp>
@@ -40176,7 +39954,7 @@
           <p:cNvPr id="5" name="Slide Number Placeholder 4">
             <a:extLst>
               <a:ext uri="{FF2B5EF4-FFF2-40B4-BE49-F238E27FC236}">
-                <a16:creationId xmlns:a16="http://schemas.microsoft.com/office/drawing/2014/main" id="{B88ADCFC-D406-7B4B-B823-88389AB81A99}"/>
+                <a16:creationId xmlns:a16="http://schemas.microsoft.com/office/drawing/2014/main" id="{7934B38D-AB36-1C45-B7EF-B96A3A3EFDED}"/>
               </a:ext>
             </a:extLst>
           </p:cNvPr>
@@ -40202,10 +39980,10 @@
       </p:sp>
       <p:sp>
         <p:nvSpPr>
-          <p:cNvPr id="6" name="Oval 5">
-            <a:extLst>
-              <a:ext uri="{FF2B5EF4-FFF2-40B4-BE49-F238E27FC236}">
-                <a16:creationId xmlns:a16="http://schemas.microsoft.com/office/drawing/2014/main" id="{8C309696-D940-5A4D-A8FF-BA873ED66D2E}"/>
+          <p:cNvPr id="19" name="Oval 18">
+            <a:extLst>
+              <a:ext uri="{FF2B5EF4-FFF2-40B4-BE49-F238E27FC236}">
+                <a16:creationId xmlns:a16="http://schemas.microsoft.com/office/drawing/2014/main" id="{1C392F9E-CD64-B94B-9B00-B635865FCE53}"/>
               </a:ext>
             </a:extLst>
           </p:cNvPr>
@@ -40214,7 +39992,7 @@
         </p:nvSpPr>
         <p:spPr>
           <a:xfrm>
-            <a:off x="4378177" y="1739871"/>
+            <a:off x="4384697" y="3067287"/>
             <a:ext cx="1997242" cy="685800"/>
           </a:xfrm>
           <a:prstGeom prst="ellipse">
@@ -40249,17 +40027,59 @@
             <a:pPr algn="ctr"/>
             <a:r>
               <a:rPr lang="en-US" dirty="0"/>
-              <a:t>Chat Log</a:t>
+              <a:t>Networking</a:t>
+            </a:r>
+          </a:p>
+          <a:p>
+            <a:pPr algn="ctr"/>
+            <a:r>
+              <a:rPr lang="en-US" dirty="0"/>
+              <a:t>Standard</a:t>
             </a:r>
           </a:p>
         </p:txBody>
       </p:sp>
       <p:sp>
         <p:nvSpPr>
-          <p:cNvPr id="7" name="Oval 6">
-            <a:extLst>
-              <a:ext uri="{FF2B5EF4-FFF2-40B4-BE49-F238E27FC236}">
-                <a16:creationId xmlns:a16="http://schemas.microsoft.com/office/drawing/2014/main" id="{89BB5B02-AF1B-D649-B786-7A82DA19E2FA}"/>
+          <p:cNvPr id="20" name="TextBox 19">
+            <a:extLst>
+              <a:ext uri="{FF2B5EF4-FFF2-40B4-BE49-F238E27FC236}">
+                <a16:creationId xmlns:a16="http://schemas.microsoft.com/office/drawing/2014/main" id="{50D2C6FF-CDA1-E84A-B2F7-DCDE97C77F88}"/>
+              </a:ext>
+            </a:extLst>
+          </p:cNvPr>
+          <p:cNvSpPr txBox="1"/>
+          <p:nvPr/>
+        </p:nvSpPr>
+        <p:spPr>
+          <a:xfrm>
+            <a:off x="1891003" y="1474846"/>
+            <a:ext cx="1465658" cy="369332"/>
+          </a:xfrm>
+          <a:prstGeom prst="rect">
+            <a:avLst/>
+          </a:prstGeom>
+          <a:noFill/>
+        </p:spPr>
+        <p:txBody>
+          <a:bodyPr wrap="none" rtlCol="0">
+            <a:spAutoFit/>
+          </a:bodyPr>
+          <a:lstStyle/>
+          <a:p>
+            <a:r>
+              <a:rPr lang="en-US" dirty="0"/>
+              <a:t>Increases Use</a:t>
+            </a:r>
+          </a:p>
+        </p:txBody>
+      </p:sp>
+      <p:sp>
+        <p:nvSpPr>
+          <p:cNvPr id="21" name="Oval 20">
+            <a:extLst>
+              <a:ext uri="{FF2B5EF4-FFF2-40B4-BE49-F238E27FC236}">
+                <a16:creationId xmlns:a16="http://schemas.microsoft.com/office/drawing/2014/main" id="{FE943415-187E-7C4E-AF86-380454F48CD6}"/>
               </a:ext>
             </a:extLst>
           </p:cNvPr>
@@ -40268,12 +40088,15 @@
         </p:nvSpPr>
         <p:spPr>
           <a:xfrm>
-            <a:off x="4304669" y="3793723"/>
-            <a:ext cx="2144258" cy="692495"/>
+            <a:off x="4161447" y="4649935"/>
+            <a:ext cx="2428061" cy="836103"/>
           </a:xfrm>
           <a:prstGeom prst="ellipse">
             <a:avLst/>
           </a:prstGeom>
+          <a:solidFill>
+            <a:srgbClr val="C00000"/>
+          </a:solidFill>
           <a:ln w="38100">
             <a:solidFill>
               <a:schemeClr val="tx1"/>
@@ -40303,38 +40126,31 @@
             <a:pPr algn="ctr"/>
             <a:r>
               <a:rPr lang="en-US" dirty="0"/>
-              <a:t>Chatbot</a:t>
-            </a:r>
-          </a:p>
-          <a:p>
-            <a:pPr algn="ctr"/>
-            <a:r>
-              <a:rPr lang="en-US" dirty="0"/>
-              <a:t>Answer</a:t>
+              <a:t>High Cost Per Device</a:t>
             </a:r>
           </a:p>
         </p:txBody>
       </p:sp>
       <p:cxnSp>
         <p:nvCxnSpPr>
-          <p:cNvPr id="8" name="Curved Connector 7">
-            <a:extLst>
-              <a:ext uri="{FF2B5EF4-FFF2-40B4-BE49-F238E27FC236}">
-                <a16:creationId xmlns:a16="http://schemas.microsoft.com/office/drawing/2014/main" id="{38E8AD81-D85C-DE45-9B0B-E894CFA7122E}"/>
+          <p:cNvPr id="22" name="Curved Connector 21">
+            <a:extLst>
+              <a:ext uri="{FF2B5EF4-FFF2-40B4-BE49-F238E27FC236}">
+                <a16:creationId xmlns:a16="http://schemas.microsoft.com/office/drawing/2014/main" id="{7A7A7D1F-5CE5-C54C-BE6E-A5615C5260C8}"/>
               </a:ext>
             </a:extLst>
           </p:cNvPr>
           <p:cNvCxnSpPr>
             <a:cxnSpLocks/>
-            <a:stCxn id="6" idx="6"/>
-            <a:endCxn id="9" idx="1"/>
+            <a:stCxn id="25" idx="2"/>
+            <a:endCxn id="35" idx="0"/>
           </p:cNvCxnSpPr>
           <p:nvPr/>
         </p:nvCxnSpPr>
         <p:spPr>
-          <a:xfrm>
-            <a:off x="6375419" y="2082771"/>
-            <a:ext cx="1462112" cy="848697"/>
+          <a:xfrm rot="10800000" flipV="1">
+            <a:off x="2812107" y="1704115"/>
+            <a:ext cx="1349340" cy="448006"/>
           </a:xfrm>
           <a:prstGeom prst="curvedConnector2">
             <a:avLst/>
@@ -40363,10 +40179,10 @@
       </p:cxnSp>
       <p:sp>
         <p:nvSpPr>
-          <p:cNvPr id="9" name="Oval 8">
-            <a:extLst>
-              <a:ext uri="{FF2B5EF4-FFF2-40B4-BE49-F238E27FC236}">
-                <a16:creationId xmlns:a16="http://schemas.microsoft.com/office/drawing/2014/main" id="{65EE52AE-6F4E-1E4C-84E1-8CE83CBCB787}"/>
+          <p:cNvPr id="23" name="Cross 22">
+            <a:extLst>
+              <a:ext uri="{FF2B5EF4-FFF2-40B4-BE49-F238E27FC236}">
+                <a16:creationId xmlns:a16="http://schemas.microsoft.com/office/drawing/2014/main" id="{C254A265-4B6B-EE41-AE69-D1AB10A75B71}"/>
               </a:ext>
             </a:extLst>
           </p:cNvPr>
@@ -40375,399 +40191,7 @@
         </p:nvSpPr>
         <p:spPr>
           <a:xfrm>
-            <a:off x="7481950" y="2831035"/>
-            <a:ext cx="2428061" cy="685800"/>
-          </a:xfrm>
-          <a:prstGeom prst="ellipse">
-            <a:avLst/>
-          </a:prstGeom>
-          <a:ln w="38100">
-            <a:solidFill>
-              <a:schemeClr val="tx1"/>
-            </a:solidFill>
-          </a:ln>
-        </p:spPr>
-        <p:style>
-          <a:lnRef idx="2">
-            <a:schemeClr val="accent1">
-              <a:shade val="50000"/>
-            </a:schemeClr>
-          </a:lnRef>
-          <a:fillRef idx="1">
-            <a:schemeClr val="accent1"/>
-          </a:fillRef>
-          <a:effectRef idx="0">
-            <a:schemeClr val="accent1"/>
-          </a:effectRef>
-          <a:fontRef idx="minor">
-            <a:schemeClr val="lt1"/>
-          </a:fontRef>
-        </p:style>
-        <p:txBody>
-          <a:bodyPr rtlCol="0" anchor="ctr"/>
-          <a:lstStyle/>
-          <a:p>
-            <a:pPr algn="ctr"/>
-            <a:r>
-              <a:rPr lang="en-US" dirty="0"/>
-              <a:t>Machine Learning Model</a:t>
-            </a:r>
-          </a:p>
-        </p:txBody>
-      </p:sp>
-      <p:sp>
-        <p:nvSpPr>
-          <p:cNvPr id="10" name="Oval 9">
-            <a:extLst>
-              <a:ext uri="{FF2B5EF4-FFF2-40B4-BE49-F238E27FC236}">
-                <a16:creationId xmlns:a16="http://schemas.microsoft.com/office/drawing/2014/main" id="{8B0A0FCC-EC41-2046-9DAA-0EED03760FDE}"/>
-              </a:ext>
-            </a:extLst>
-          </p:cNvPr>
-          <p:cNvSpPr/>
-          <p:nvPr/>
-        </p:nvSpPr>
-        <p:spPr>
-          <a:xfrm>
-            <a:off x="1473631" y="2799536"/>
-            <a:ext cx="2428061" cy="692495"/>
-          </a:xfrm>
-          <a:prstGeom prst="ellipse">
-            <a:avLst/>
-          </a:prstGeom>
-          <a:ln w="38100">
-            <a:solidFill>
-              <a:schemeClr val="tx1"/>
-            </a:solidFill>
-          </a:ln>
-        </p:spPr>
-        <p:style>
-          <a:lnRef idx="2">
-            <a:schemeClr val="accent1">
-              <a:shade val="50000"/>
-            </a:schemeClr>
-          </a:lnRef>
-          <a:fillRef idx="1">
-            <a:schemeClr val="accent1"/>
-          </a:fillRef>
-          <a:effectRef idx="0">
-            <a:schemeClr val="accent1"/>
-          </a:effectRef>
-          <a:fontRef idx="minor">
-            <a:schemeClr val="lt1"/>
-          </a:fontRef>
-        </p:style>
-        <p:txBody>
-          <a:bodyPr rtlCol="0" anchor="ctr"/>
-          <a:lstStyle/>
-          <a:p>
-            <a:pPr algn="ctr"/>
-            <a:r>
-              <a:rPr lang="en-US" dirty="0"/>
-              <a:t>Feedback</a:t>
-            </a:r>
-          </a:p>
-        </p:txBody>
-      </p:sp>
-      <p:sp>
-        <p:nvSpPr>
-          <p:cNvPr id="11" name="TextBox 10">
-            <a:extLst>
-              <a:ext uri="{FF2B5EF4-FFF2-40B4-BE49-F238E27FC236}">
-                <a16:creationId xmlns:a16="http://schemas.microsoft.com/office/drawing/2014/main" id="{A979D8C8-64AF-CA4C-ABB5-885632734082}"/>
-              </a:ext>
-            </a:extLst>
-          </p:cNvPr>
-          <p:cNvSpPr txBox="1"/>
-          <p:nvPr/>
-        </p:nvSpPr>
-        <p:spPr>
-          <a:xfrm>
-            <a:off x="7106475" y="1805884"/>
-            <a:ext cx="3522246" cy="369332"/>
-          </a:xfrm>
-          <a:prstGeom prst="rect">
-            <a:avLst/>
-          </a:prstGeom>
-          <a:noFill/>
-        </p:spPr>
-        <p:txBody>
-          <a:bodyPr wrap="none" rtlCol="0">
-            <a:spAutoFit/>
-          </a:bodyPr>
-          <a:lstStyle/>
-          <a:p>
-            <a:r>
-              <a:rPr lang="en-US" dirty="0"/>
-              <a:t>Use to build intent detection model</a:t>
-            </a:r>
-          </a:p>
-        </p:txBody>
-      </p:sp>
-      <p:cxnSp>
-        <p:nvCxnSpPr>
-          <p:cNvPr id="12" name="Curved Connector 11">
-            <a:extLst>
-              <a:ext uri="{FF2B5EF4-FFF2-40B4-BE49-F238E27FC236}">
-                <a16:creationId xmlns:a16="http://schemas.microsoft.com/office/drawing/2014/main" id="{3BE639E0-B758-444D-8DF9-8387DA2AF153}"/>
-              </a:ext>
-            </a:extLst>
-          </p:cNvPr>
-          <p:cNvCxnSpPr>
-            <a:cxnSpLocks/>
-            <a:stCxn id="9" idx="3"/>
-            <a:endCxn id="7" idx="6"/>
-          </p:cNvCxnSpPr>
-          <p:nvPr/>
-        </p:nvCxnSpPr>
-        <p:spPr>
-          <a:xfrm rot="5400000">
-            <a:off x="6781445" y="3083884"/>
-            <a:ext cx="723569" cy="1388604"/>
-          </a:xfrm>
-          <a:prstGeom prst="curvedConnector2">
-            <a:avLst/>
-          </a:prstGeom>
-          <a:ln w="57150">
-            <a:solidFill>
-              <a:schemeClr val="tx1"/>
-            </a:solidFill>
-            <a:tailEnd type="triangle"/>
-          </a:ln>
-        </p:spPr>
-        <p:style>
-          <a:lnRef idx="1">
-            <a:schemeClr val="accent1"/>
-          </a:lnRef>
-          <a:fillRef idx="0">
-            <a:schemeClr val="accent1"/>
-          </a:fillRef>
-          <a:effectRef idx="0">
-            <a:schemeClr val="accent1"/>
-          </a:effectRef>
-          <a:fontRef idx="minor">
-            <a:schemeClr val="tx1"/>
-          </a:fontRef>
-        </p:style>
-      </p:cxnSp>
-      <p:sp>
-        <p:nvSpPr>
-          <p:cNvPr id="15" name="TextBox 14">
-            <a:extLst>
-              <a:ext uri="{FF2B5EF4-FFF2-40B4-BE49-F238E27FC236}">
-                <a16:creationId xmlns:a16="http://schemas.microsoft.com/office/drawing/2014/main" id="{E36E394E-0671-D848-9369-44119113F3B5}"/>
-              </a:ext>
-            </a:extLst>
-          </p:cNvPr>
-          <p:cNvSpPr txBox="1"/>
-          <p:nvPr/>
-        </p:nvSpPr>
-        <p:spPr>
-          <a:xfrm>
-            <a:off x="7257056" y="3959198"/>
-            <a:ext cx="2812180" cy="369332"/>
-          </a:xfrm>
-          <a:prstGeom prst="rect">
-            <a:avLst/>
-          </a:prstGeom>
-          <a:noFill/>
-        </p:spPr>
-        <p:txBody>
-          <a:bodyPr wrap="none" rtlCol="0">
-            <a:spAutoFit/>
-          </a:bodyPr>
-          <a:lstStyle/>
-          <a:p>
-            <a:r>
-              <a:rPr lang="en-US" dirty="0"/>
-              <a:t>Attempt to answer question</a:t>
-            </a:r>
-          </a:p>
-        </p:txBody>
-      </p:sp>
-      <p:cxnSp>
-        <p:nvCxnSpPr>
-          <p:cNvPr id="17" name="Curved Connector 16">
-            <a:extLst>
-              <a:ext uri="{FF2B5EF4-FFF2-40B4-BE49-F238E27FC236}">
-                <a16:creationId xmlns:a16="http://schemas.microsoft.com/office/drawing/2014/main" id="{4833B034-2943-914C-A660-F53B909B7371}"/>
-              </a:ext>
-            </a:extLst>
-          </p:cNvPr>
-          <p:cNvCxnSpPr>
-            <a:cxnSpLocks/>
-            <a:stCxn id="7" idx="2"/>
-            <a:endCxn id="10" idx="4"/>
-          </p:cNvCxnSpPr>
-          <p:nvPr/>
-        </p:nvCxnSpPr>
-        <p:spPr>
-          <a:xfrm rot="10800000">
-            <a:off x="2687663" y="3492031"/>
-            <a:ext cx="1617007" cy="647940"/>
-          </a:xfrm>
-          <a:prstGeom prst="curvedConnector2">
-            <a:avLst/>
-          </a:prstGeom>
-          <a:ln w="57150">
-            <a:solidFill>
-              <a:schemeClr val="tx1"/>
-            </a:solidFill>
-            <a:tailEnd type="triangle"/>
-          </a:ln>
-        </p:spPr>
-        <p:style>
-          <a:lnRef idx="1">
-            <a:schemeClr val="accent1"/>
-          </a:lnRef>
-          <a:fillRef idx="0">
-            <a:schemeClr val="accent1"/>
-          </a:fillRef>
-          <a:effectRef idx="0">
-            <a:schemeClr val="accent1"/>
-          </a:effectRef>
-          <a:fontRef idx="minor">
-            <a:schemeClr val="tx1"/>
-          </a:fontRef>
-        </p:style>
-      </p:cxnSp>
-      <p:sp>
-        <p:nvSpPr>
-          <p:cNvPr id="20" name="TextBox 19">
-            <a:extLst>
-              <a:ext uri="{FF2B5EF4-FFF2-40B4-BE49-F238E27FC236}">
-                <a16:creationId xmlns:a16="http://schemas.microsoft.com/office/drawing/2014/main" id="{7BA3D306-6365-FA43-A6D2-D7E2B4D4B37F}"/>
-              </a:ext>
-            </a:extLst>
-          </p:cNvPr>
-          <p:cNvSpPr txBox="1"/>
-          <p:nvPr/>
-        </p:nvSpPr>
-        <p:spPr>
-          <a:xfrm>
-            <a:off x="2366860" y="4158865"/>
-            <a:ext cx="1671740" cy="646331"/>
-          </a:xfrm>
-          <a:prstGeom prst="rect">
-            <a:avLst/>
-          </a:prstGeom>
-          <a:noFill/>
-        </p:spPr>
-        <p:txBody>
-          <a:bodyPr wrap="none" rtlCol="0">
-            <a:spAutoFit/>
-          </a:bodyPr>
-          <a:lstStyle/>
-          <a:p>
-            <a:r>
-              <a:rPr lang="en-US" dirty="0"/>
-              <a:t>Did that answer</a:t>
-            </a:r>
-          </a:p>
-          <a:p>
-            <a:r>
-              <a:rPr lang="en-US" dirty="0"/>
-              <a:t>your question?</a:t>
-            </a:r>
-          </a:p>
-        </p:txBody>
-      </p:sp>
-      <p:cxnSp>
-        <p:nvCxnSpPr>
-          <p:cNvPr id="22" name="Curved Connector 21">
-            <a:extLst>
-              <a:ext uri="{FF2B5EF4-FFF2-40B4-BE49-F238E27FC236}">
-                <a16:creationId xmlns:a16="http://schemas.microsoft.com/office/drawing/2014/main" id="{DD6E8E48-00B0-324E-B225-D77BEE27A1FE}"/>
-              </a:ext>
-            </a:extLst>
-          </p:cNvPr>
-          <p:cNvCxnSpPr>
-            <a:cxnSpLocks/>
-            <a:stCxn id="10" idx="0"/>
-            <a:endCxn id="6" idx="2"/>
-          </p:cNvCxnSpPr>
-          <p:nvPr/>
-        </p:nvCxnSpPr>
-        <p:spPr>
-          <a:xfrm rot="5400000" flipH="1" flipV="1">
-            <a:off x="3174537" y="1595897"/>
-            <a:ext cx="716765" cy="1690515"/>
-          </a:xfrm>
-          <a:prstGeom prst="curvedConnector2">
-            <a:avLst/>
-          </a:prstGeom>
-          <a:ln w="57150">
-            <a:solidFill>
-              <a:schemeClr val="tx1"/>
-            </a:solidFill>
-            <a:tailEnd type="triangle"/>
-          </a:ln>
-        </p:spPr>
-        <p:style>
-          <a:lnRef idx="1">
-            <a:schemeClr val="accent1"/>
-          </a:lnRef>
-          <a:fillRef idx="0">
-            <a:schemeClr val="accent1"/>
-          </a:fillRef>
-          <a:effectRef idx="0">
-            <a:schemeClr val="accent1"/>
-          </a:effectRef>
-          <a:fontRef idx="minor">
-            <a:schemeClr val="tx1"/>
-          </a:fontRef>
-        </p:style>
-      </p:cxnSp>
-      <p:sp>
-        <p:nvSpPr>
-          <p:cNvPr id="25" name="TextBox 24">
-            <a:extLst>
-              <a:ext uri="{FF2B5EF4-FFF2-40B4-BE49-F238E27FC236}">
-                <a16:creationId xmlns:a16="http://schemas.microsoft.com/office/drawing/2014/main" id="{3F99BB17-3EFB-6443-9A53-7E481A956CB2}"/>
-              </a:ext>
-            </a:extLst>
-          </p:cNvPr>
-          <p:cNvSpPr txBox="1"/>
-          <p:nvPr/>
-        </p:nvSpPr>
-        <p:spPr>
-          <a:xfrm>
-            <a:off x="2490787" y="1917628"/>
-            <a:ext cx="888769" cy="369332"/>
-          </a:xfrm>
-          <a:prstGeom prst="rect">
-            <a:avLst/>
-          </a:prstGeom>
-          <a:noFill/>
-        </p:spPr>
-        <p:txBody>
-          <a:bodyPr wrap="none" rtlCol="0">
-            <a:spAutoFit/>
-          </a:bodyPr>
-          <a:lstStyle/>
-          <a:p>
-            <a:r>
-              <a:rPr lang="en-US" dirty="0"/>
-              <a:t>Creates</a:t>
-            </a:r>
-          </a:p>
-        </p:txBody>
-      </p:sp>
-      <p:sp>
-        <p:nvSpPr>
-          <p:cNvPr id="35" name="Cross 34">
-            <a:extLst>
-              <a:ext uri="{FF2B5EF4-FFF2-40B4-BE49-F238E27FC236}">
-                <a16:creationId xmlns:a16="http://schemas.microsoft.com/office/drawing/2014/main" id="{C4ABCE87-186E-8E4D-ABA6-381376E14330}"/>
-              </a:ext>
-            </a:extLst>
-          </p:cNvPr>
-          <p:cNvSpPr/>
-          <p:nvPr/>
-        </p:nvSpPr>
-        <p:spPr>
-          <a:xfrm>
-            <a:off x="5154227" y="2879611"/>
+            <a:off x="5260018" y="2376187"/>
             <a:ext cx="386356" cy="369332"/>
           </a:xfrm>
           <a:prstGeom prst="plus">
@@ -40804,10 +40228,789 @@
           </a:p>
         </p:txBody>
       </p:sp>
+      <p:sp>
+        <p:nvSpPr>
+          <p:cNvPr id="24" name="Oval 23">
+            <a:extLst>
+              <a:ext uri="{FF2B5EF4-FFF2-40B4-BE49-F238E27FC236}">
+                <a16:creationId xmlns:a16="http://schemas.microsoft.com/office/drawing/2014/main" id="{EBF3F669-41B4-A947-8774-16B57E9456A6}"/>
+              </a:ext>
+            </a:extLst>
+          </p:cNvPr>
+          <p:cNvSpPr/>
+          <p:nvPr/>
+        </p:nvSpPr>
+        <p:spPr>
+          <a:xfrm>
+            <a:off x="7266611" y="1563580"/>
+            <a:ext cx="2785026" cy="912736"/>
+          </a:xfrm>
+          <a:prstGeom prst="ellipse">
+            <a:avLst/>
+          </a:prstGeom>
+          <a:solidFill>
+            <a:srgbClr val="00B050"/>
+          </a:solidFill>
+          <a:ln w="38100">
+            <a:solidFill>
+              <a:schemeClr val="tx1"/>
+            </a:solidFill>
+          </a:ln>
+        </p:spPr>
+        <p:style>
+          <a:lnRef idx="2">
+            <a:schemeClr val="accent1">
+              <a:shade val="50000"/>
+            </a:schemeClr>
+          </a:lnRef>
+          <a:fillRef idx="1">
+            <a:schemeClr val="accent1"/>
+          </a:fillRef>
+          <a:effectRef idx="0">
+            <a:schemeClr val="accent1"/>
+          </a:effectRef>
+          <a:fontRef idx="minor">
+            <a:schemeClr val="lt1"/>
+          </a:fontRef>
+        </p:style>
+        <p:txBody>
+          <a:bodyPr rtlCol="0" anchor="ctr"/>
+          <a:lstStyle/>
+          <a:p>
+            <a:pPr algn="ctr"/>
+            <a:r>
+              <a:rPr lang="en-US" dirty="0"/>
+              <a:t>More Devices</a:t>
+            </a:r>
+          </a:p>
+          <a:p>
+            <a:pPr algn="ctr"/>
+            <a:r>
+              <a:rPr lang="en-US" dirty="0"/>
+              <a:t>Manufactured </a:t>
+            </a:r>
+          </a:p>
+        </p:txBody>
+      </p:sp>
+      <p:sp>
+        <p:nvSpPr>
+          <p:cNvPr id="25" name="Oval 24">
+            <a:extLst>
+              <a:ext uri="{FF2B5EF4-FFF2-40B4-BE49-F238E27FC236}">
+                <a16:creationId xmlns:a16="http://schemas.microsoft.com/office/drawing/2014/main" id="{AE93EC0E-CE40-814F-B3D4-309138178EBD}"/>
+              </a:ext>
+            </a:extLst>
+          </p:cNvPr>
+          <p:cNvSpPr/>
+          <p:nvPr/>
+        </p:nvSpPr>
+        <p:spPr>
+          <a:xfrm>
+            <a:off x="4161447" y="1361215"/>
+            <a:ext cx="2428061" cy="685800"/>
+          </a:xfrm>
+          <a:prstGeom prst="ellipse">
+            <a:avLst/>
+          </a:prstGeom>
+          <a:solidFill>
+            <a:srgbClr val="00B050"/>
+          </a:solidFill>
+          <a:ln w="38100">
+            <a:solidFill>
+              <a:schemeClr val="tx1"/>
+            </a:solidFill>
+          </a:ln>
+        </p:spPr>
+        <p:style>
+          <a:lnRef idx="2">
+            <a:schemeClr val="accent1">
+              <a:shade val="50000"/>
+            </a:schemeClr>
+          </a:lnRef>
+          <a:fillRef idx="1">
+            <a:schemeClr val="accent1"/>
+          </a:fillRef>
+          <a:effectRef idx="0">
+            <a:schemeClr val="accent1"/>
+          </a:effectRef>
+          <a:fontRef idx="minor">
+            <a:schemeClr val="lt1"/>
+          </a:fontRef>
+        </p:style>
+        <p:txBody>
+          <a:bodyPr rtlCol="0" anchor="ctr"/>
+          <a:lstStyle/>
+          <a:p>
+            <a:pPr algn="ctr"/>
+            <a:r>
+              <a:rPr lang="en-US" dirty="0"/>
+              <a:t>Lower Cost Per</a:t>
+            </a:r>
+          </a:p>
+          <a:p>
+            <a:pPr algn="ctr"/>
+            <a:r>
+              <a:rPr lang="en-US" dirty="0"/>
+              <a:t>Device</a:t>
+            </a:r>
+          </a:p>
+        </p:txBody>
+      </p:sp>
+      <p:cxnSp>
+        <p:nvCxnSpPr>
+          <p:cNvPr id="26" name="Curved Connector 25">
+            <a:extLst>
+              <a:ext uri="{FF2B5EF4-FFF2-40B4-BE49-F238E27FC236}">
+                <a16:creationId xmlns:a16="http://schemas.microsoft.com/office/drawing/2014/main" id="{C5632D1F-26C3-E24F-98CC-DAE88B67D569}"/>
+              </a:ext>
+            </a:extLst>
+          </p:cNvPr>
+          <p:cNvCxnSpPr>
+            <a:cxnSpLocks/>
+            <a:stCxn id="19" idx="6"/>
+            <a:endCxn id="24" idx="4"/>
+          </p:cNvCxnSpPr>
+          <p:nvPr/>
+        </p:nvCxnSpPr>
+        <p:spPr>
+          <a:xfrm flipV="1">
+            <a:off x="6381939" y="2476316"/>
+            <a:ext cx="2277185" cy="933871"/>
+          </a:xfrm>
+          <a:prstGeom prst="curvedConnector2">
+            <a:avLst/>
+          </a:prstGeom>
+          <a:ln w="57150">
+            <a:solidFill>
+              <a:schemeClr val="tx1"/>
+            </a:solidFill>
+            <a:tailEnd type="triangle"/>
+          </a:ln>
+        </p:spPr>
+        <p:style>
+          <a:lnRef idx="1">
+            <a:schemeClr val="accent1"/>
+          </a:lnRef>
+          <a:fillRef idx="0">
+            <a:schemeClr val="accent1"/>
+          </a:fillRef>
+          <a:effectRef idx="0">
+            <a:schemeClr val="accent1"/>
+          </a:effectRef>
+          <a:fontRef idx="minor">
+            <a:schemeClr val="tx1"/>
+          </a:fontRef>
+        </p:style>
+      </p:cxnSp>
+      <p:cxnSp>
+        <p:nvCxnSpPr>
+          <p:cNvPr id="27" name="Curved Connector 26">
+            <a:extLst>
+              <a:ext uri="{FF2B5EF4-FFF2-40B4-BE49-F238E27FC236}">
+                <a16:creationId xmlns:a16="http://schemas.microsoft.com/office/drawing/2014/main" id="{CF36C58C-0F68-7A43-95F1-E352446F9DC4}"/>
+              </a:ext>
+            </a:extLst>
+          </p:cNvPr>
+          <p:cNvCxnSpPr>
+            <a:cxnSpLocks/>
+            <a:stCxn id="19" idx="6"/>
+            <a:endCxn id="29" idx="1"/>
+          </p:cNvCxnSpPr>
+          <p:nvPr/>
+        </p:nvCxnSpPr>
+        <p:spPr>
+          <a:xfrm>
+            <a:off x="6381939" y="3410187"/>
+            <a:ext cx="1486852" cy="700942"/>
+          </a:xfrm>
+          <a:prstGeom prst="curvedConnector2">
+            <a:avLst/>
+          </a:prstGeom>
+          <a:ln w="57150">
+            <a:solidFill>
+              <a:schemeClr val="tx1"/>
+            </a:solidFill>
+            <a:tailEnd type="triangle"/>
+          </a:ln>
+        </p:spPr>
+        <p:style>
+          <a:lnRef idx="1">
+            <a:schemeClr val="accent1"/>
+          </a:lnRef>
+          <a:fillRef idx="0">
+            <a:schemeClr val="accent1"/>
+          </a:fillRef>
+          <a:effectRef idx="0">
+            <a:schemeClr val="accent1"/>
+          </a:effectRef>
+          <a:fontRef idx="minor">
+            <a:schemeClr val="tx1"/>
+          </a:fontRef>
+        </p:style>
+      </p:cxnSp>
+      <p:cxnSp>
+        <p:nvCxnSpPr>
+          <p:cNvPr id="28" name="Curved Connector 27">
+            <a:extLst>
+              <a:ext uri="{FF2B5EF4-FFF2-40B4-BE49-F238E27FC236}">
+                <a16:creationId xmlns:a16="http://schemas.microsoft.com/office/drawing/2014/main" id="{0212A5A6-BB24-B041-99EC-02E049008E90}"/>
+              </a:ext>
+            </a:extLst>
+          </p:cNvPr>
+          <p:cNvCxnSpPr>
+            <a:cxnSpLocks/>
+            <a:stCxn id="21" idx="2"/>
+            <a:endCxn id="37" idx="4"/>
+          </p:cNvCxnSpPr>
+          <p:nvPr/>
+        </p:nvCxnSpPr>
+        <p:spPr>
+          <a:xfrm rot="10800000">
+            <a:off x="2812109" y="4709653"/>
+            <a:ext cx="1349339" cy="358335"/>
+          </a:xfrm>
+          <a:prstGeom prst="curvedConnector2">
+            <a:avLst/>
+          </a:prstGeom>
+          <a:ln w="57150">
+            <a:solidFill>
+              <a:schemeClr val="tx1"/>
+            </a:solidFill>
+            <a:tailEnd type="triangle"/>
+          </a:ln>
+        </p:spPr>
+        <p:style>
+          <a:lnRef idx="1">
+            <a:schemeClr val="accent1"/>
+          </a:lnRef>
+          <a:fillRef idx="0">
+            <a:schemeClr val="accent1"/>
+          </a:fillRef>
+          <a:effectRef idx="0">
+            <a:schemeClr val="accent1"/>
+          </a:effectRef>
+          <a:fontRef idx="minor">
+            <a:schemeClr val="tx1"/>
+          </a:fontRef>
+        </p:style>
+      </p:cxnSp>
+      <p:sp>
+        <p:nvSpPr>
+          <p:cNvPr id="29" name="Oval 28">
+            <a:extLst>
+              <a:ext uri="{FF2B5EF4-FFF2-40B4-BE49-F238E27FC236}">
+                <a16:creationId xmlns:a16="http://schemas.microsoft.com/office/drawing/2014/main" id="{1A0A13D3-1A60-E74A-93A2-CB8CD78E0203}"/>
+              </a:ext>
+            </a:extLst>
+          </p:cNvPr>
+          <p:cNvSpPr/>
+          <p:nvPr/>
+        </p:nvSpPr>
+        <p:spPr>
+          <a:xfrm>
+            <a:off x="7513210" y="4010696"/>
+            <a:ext cx="2428061" cy="685800"/>
+          </a:xfrm>
+          <a:prstGeom prst="ellipse">
+            <a:avLst/>
+          </a:prstGeom>
+          <a:solidFill>
+            <a:srgbClr val="C00000"/>
+          </a:solidFill>
+          <a:ln w="38100">
+            <a:solidFill>
+              <a:schemeClr val="tx1"/>
+            </a:solidFill>
+          </a:ln>
+        </p:spPr>
+        <p:style>
+          <a:lnRef idx="2">
+            <a:schemeClr val="accent1">
+              <a:shade val="50000"/>
+            </a:schemeClr>
+          </a:lnRef>
+          <a:fillRef idx="1">
+            <a:schemeClr val="accent1"/>
+          </a:fillRef>
+          <a:effectRef idx="0">
+            <a:schemeClr val="accent1"/>
+          </a:effectRef>
+          <a:fontRef idx="minor">
+            <a:schemeClr val="lt1"/>
+          </a:fontRef>
+        </p:style>
+        <p:txBody>
+          <a:bodyPr rtlCol="0" anchor="ctr"/>
+          <a:lstStyle/>
+          <a:p>
+            <a:pPr algn="ctr"/>
+            <a:r>
+              <a:rPr lang="en-US" dirty="0"/>
+              <a:t>Users Can’t Communicate</a:t>
+            </a:r>
+          </a:p>
+        </p:txBody>
+      </p:sp>
+      <p:cxnSp>
+        <p:nvCxnSpPr>
+          <p:cNvPr id="30" name="Curved Connector 29">
+            <a:extLst>
+              <a:ext uri="{FF2B5EF4-FFF2-40B4-BE49-F238E27FC236}">
+                <a16:creationId xmlns:a16="http://schemas.microsoft.com/office/drawing/2014/main" id="{19DB0BF0-3ABB-B743-A81C-98BF17D2C530}"/>
+              </a:ext>
+            </a:extLst>
+          </p:cNvPr>
+          <p:cNvCxnSpPr>
+            <a:cxnSpLocks/>
+            <a:stCxn id="29" idx="3"/>
+            <a:endCxn id="21" idx="6"/>
+          </p:cNvCxnSpPr>
+          <p:nvPr/>
+        </p:nvCxnSpPr>
+        <p:spPr>
+          <a:xfrm rot="5400000">
+            <a:off x="6993188" y="4192384"/>
+            <a:ext cx="471924" cy="1279283"/>
+          </a:xfrm>
+          <a:prstGeom prst="curvedConnector2">
+            <a:avLst/>
+          </a:prstGeom>
+          <a:ln w="57150">
+            <a:solidFill>
+              <a:schemeClr val="tx1"/>
+            </a:solidFill>
+            <a:tailEnd type="triangle"/>
+          </a:ln>
+        </p:spPr>
+        <p:style>
+          <a:lnRef idx="1">
+            <a:schemeClr val="accent1"/>
+          </a:lnRef>
+          <a:fillRef idx="0">
+            <a:schemeClr val="accent1"/>
+          </a:fillRef>
+          <a:effectRef idx="0">
+            <a:schemeClr val="accent1"/>
+          </a:effectRef>
+          <a:fontRef idx="minor">
+            <a:schemeClr val="tx1"/>
+          </a:fontRef>
+        </p:style>
+      </p:cxnSp>
+      <p:sp>
+        <p:nvSpPr>
+          <p:cNvPr id="31" name="Rectangle 30">
+            <a:extLst>
+              <a:ext uri="{FF2B5EF4-FFF2-40B4-BE49-F238E27FC236}">
+                <a16:creationId xmlns:a16="http://schemas.microsoft.com/office/drawing/2014/main" id="{EFA6D403-336C-1F4E-BF35-2425C347EE91}"/>
+              </a:ext>
+            </a:extLst>
+          </p:cNvPr>
+          <p:cNvSpPr/>
+          <p:nvPr/>
+        </p:nvSpPr>
+        <p:spPr>
+          <a:xfrm>
+            <a:off x="5383318" y="4113015"/>
+            <a:ext cx="386356" cy="118044"/>
+          </a:xfrm>
+          <a:prstGeom prst="rect">
+            <a:avLst/>
+          </a:prstGeom>
+          <a:solidFill>
+            <a:srgbClr val="C00000"/>
+          </a:solidFill>
+        </p:spPr>
+        <p:style>
+          <a:lnRef idx="2">
+            <a:schemeClr val="accent1">
+              <a:shade val="50000"/>
+            </a:schemeClr>
+          </a:lnRef>
+          <a:fillRef idx="1">
+            <a:schemeClr val="accent1"/>
+          </a:fillRef>
+          <a:effectRef idx="0">
+            <a:schemeClr val="accent1"/>
+          </a:effectRef>
+          <a:fontRef idx="minor">
+            <a:schemeClr val="lt1"/>
+          </a:fontRef>
+        </p:style>
+        <p:txBody>
+          <a:bodyPr rtlCol="0" anchor="ctr"/>
+          <a:lstStyle/>
+          <a:p>
+            <a:pPr algn="ctr"/>
+            <a:endParaRPr lang="en-US"/>
+          </a:p>
+        </p:txBody>
+      </p:sp>
+      <p:cxnSp>
+        <p:nvCxnSpPr>
+          <p:cNvPr id="32" name="Curved Connector 31">
+            <a:extLst>
+              <a:ext uri="{FF2B5EF4-FFF2-40B4-BE49-F238E27FC236}">
+                <a16:creationId xmlns:a16="http://schemas.microsoft.com/office/drawing/2014/main" id="{11C9A158-FBCA-D342-B4A3-6B42137253BE}"/>
+              </a:ext>
+            </a:extLst>
+          </p:cNvPr>
+          <p:cNvCxnSpPr>
+            <a:cxnSpLocks/>
+            <a:stCxn id="24" idx="2"/>
+            <a:endCxn id="25" idx="6"/>
+          </p:cNvCxnSpPr>
+          <p:nvPr/>
+        </p:nvCxnSpPr>
+        <p:spPr>
+          <a:xfrm rot="10800000">
+            <a:off x="6589509" y="1704116"/>
+            <a:ext cx="677103" cy="315833"/>
+          </a:xfrm>
+          <a:prstGeom prst="curvedConnector3">
+            <a:avLst>
+              <a:gd name="adj1" fmla="val 50000"/>
+            </a:avLst>
+          </a:prstGeom>
+          <a:ln w="57150">
+            <a:solidFill>
+              <a:schemeClr val="tx1"/>
+            </a:solidFill>
+            <a:tailEnd type="triangle"/>
+          </a:ln>
+        </p:spPr>
+        <p:style>
+          <a:lnRef idx="1">
+            <a:schemeClr val="accent1"/>
+          </a:lnRef>
+          <a:fillRef idx="0">
+            <a:schemeClr val="accent1"/>
+          </a:fillRef>
+          <a:effectRef idx="0">
+            <a:schemeClr val="accent1"/>
+          </a:effectRef>
+          <a:fontRef idx="minor">
+            <a:schemeClr val="tx1"/>
+          </a:fontRef>
+        </p:style>
+      </p:cxnSp>
+      <p:sp>
+        <p:nvSpPr>
+          <p:cNvPr id="33" name="TextBox 32">
+            <a:extLst>
+              <a:ext uri="{FF2B5EF4-FFF2-40B4-BE49-F238E27FC236}">
+                <a16:creationId xmlns:a16="http://schemas.microsoft.com/office/drawing/2014/main" id="{2BF67190-CFC5-F748-9C6C-3EB16E1745B2}"/>
+              </a:ext>
+            </a:extLst>
+          </p:cNvPr>
+          <p:cNvSpPr txBox="1"/>
+          <p:nvPr/>
+        </p:nvSpPr>
+        <p:spPr>
+          <a:xfrm>
+            <a:off x="7949790" y="3551670"/>
+            <a:ext cx="1685911" cy="369332"/>
+          </a:xfrm>
+          <a:prstGeom prst="rect">
+            <a:avLst/>
+          </a:prstGeom>
+          <a:noFill/>
+        </p:spPr>
+        <p:txBody>
+          <a:bodyPr wrap="none" rtlCol="0">
+            <a:spAutoFit/>
+          </a:bodyPr>
+          <a:lstStyle/>
+          <a:p>
+            <a:r>
+              <a:rPr lang="en-US" dirty="0"/>
+              <a:t>Lower Adoption</a:t>
+            </a:r>
+          </a:p>
+        </p:txBody>
+      </p:sp>
+      <p:sp>
+        <p:nvSpPr>
+          <p:cNvPr id="34" name="TextBox 33">
+            <a:extLst>
+              <a:ext uri="{FF2B5EF4-FFF2-40B4-BE49-F238E27FC236}">
+                <a16:creationId xmlns:a16="http://schemas.microsoft.com/office/drawing/2014/main" id="{833037B5-96A0-1048-A39B-EBB52562BECC}"/>
+              </a:ext>
+            </a:extLst>
+          </p:cNvPr>
+          <p:cNvSpPr txBox="1"/>
+          <p:nvPr/>
+        </p:nvSpPr>
+        <p:spPr>
+          <a:xfrm>
+            <a:off x="6589508" y="2651945"/>
+            <a:ext cx="1732141" cy="369332"/>
+          </a:xfrm>
+          <a:prstGeom prst="rect">
+            <a:avLst/>
+          </a:prstGeom>
+          <a:noFill/>
+        </p:spPr>
+        <p:txBody>
+          <a:bodyPr wrap="none" rtlCol="0">
+            <a:spAutoFit/>
+          </a:bodyPr>
+          <a:lstStyle/>
+          <a:p>
+            <a:r>
+              <a:rPr lang="en-US" dirty="0"/>
+              <a:t>Higher Adoption</a:t>
+            </a:r>
+          </a:p>
+        </p:txBody>
+      </p:sp>
+      <p:sp>
+        <p:nvSpPr>
+          <p:cNvPr id="35" name="Oval 34">
+            <a:extLst>
+              <a:ext uri="{FF2B5EF4-FFF2-40B4-BE49-F238E27FC236}">
+                <a16:creationId xmlns:a16="http://schemas.microsoft.com/office/drawing/2014/main" id="{97C22BDC-CB69-AA46-B313-BA35C2F1B3D8}"/>
+              </a:ext>
+            </a:extLst>
+          </p:cNvPr>
+          <p:cNvSpPr/>
+          <p:nvPr/>
+        </p:nvSpPr>
+        <p:spPr>
+          <a:xfrm>
+            <a:off x="1598076" y="2152121"/>
+            <a:ext cx="2428061" cy="685800"/>
+          </a:xfrm>
+          <a:prstGeom prst="ellipse">
+            <a:avLst/>
+          </a:prstGeom>
+          <a:solidFill>
+            <a:srgbClr val="00B050"/>
+          </a:solidFill>
+          <a:ln w="38100">
+            <a:solidFill>
+              <a:schemeClr val="tx1"/>
+            </a:solidFill>
+          </a:ln>
+        </p:spPr>
+        <p:style>
+          <a:lnRef idx="2">
+            <a:schemeClr val="accent1">
+              <a:shade val="50000"/>
+            </a:schemeClr>
+          </a:lnRef>
+          <a:fillRef idx="1">
+            <a:schemeClr val="accent1"/>
+          </a:fillRef>
+          <a:effectRef idx="0">
+            <a:schemeClr val="accent1"/>
+          </a:effectRef>
+          <a:fontRef idx="minor">
+            <a:schemeClr val="lt1"/>
+          </a:fontRef>
+        </p:style>
+        <p:txBody>
+          <a:bodyPr rtlCol="0" anchor="ctr"/>
+          <a:lstStyle/>
+          <a:p>
+            <a:pPr algn="ctr"/>
+            <a:r>
+              <a:rPr lang="en-US" dirty="0"/>
+              <a:t>Higher Adoption</a:t>
+            </a:r>
+          </a:p>
+        </p:txBody>
+      </p:sp>
+      <p:cxnSp>
+        <p:nvCxnSpPr>
+          <p:cNvPr id="36" name="Curved Connector 35">
+            <a:extLst>
+              <a:ext uri="{FF2B5EF4-FFF2-40B4-BE49-F238E27FC236}">
+                <a16:creationId xmlns:a16="http://schemas.microsoft.com/office/drawing/2014/main" id="{10A9BD5B-8763-0A4A-94FA-2E4CE8A6B50F}"/>
+              </a:ext>
+            </a:extLst>
+          </p:cNvPr>
+          <p:cNvCxnSpPr>
+            <a:cxnSpLocks/>
+            <a:stCxn id="35" idx="4"/>
+            <a:endCxn id="19" idx="2"/>
+          </p:cNvCxnSpPr>
+          <p:nvPr/>
+        </p:nvCxnSpPr>
+        <p:spPr>
+          <a:xfrm rot="16200000" flipH="1">
+            <a:off x="3312269" y="2337759"/>
+            <a:ext cx="572266" cy="1572590"/>
+          </a:xfrm>
+          <a:prstGeom prst="curvedConnector2">
+            <a:avLst/>
+          </a:prstGeom>
+          <a:ln w="57150">
+            <a:solidFill>
+              <a:schemeClr val="tx1"/>
+            </a:solidFill>
+            <a:tailEnd type="triangle"/>
+          </a:ln>
+        </p:spPr>
+        <p:style>
+          <a:lnRef idx="1">
+            <a:schemeClr val="accent1"/>
+          </a:lnRef>
+          <a:fillRef idx="0">
+            <a:schemeClr val="accent1"/>
+          </a:fillRef>
+          <a:effectRef idx="0">
+            <a:schemeClr val="accent1"/>
+          </a:effectRef>
+          <a:fontRef idx="minor">
+            <a:schemeClr val="tx1"/>
+          </a:fontRef>
+        </p:style>
+      </p:cxnSp>
+      <p:sp>
+        <p:nvSpPr>
+          <p:cNvPr id="37" name="Oval 36">
+            <a:extLst>
+              <a:ext uri="{FF2B5EF4-FFF2-40B4-BE49-F238E27FC236}">
+                <a16:creationId xmlns:a16="http://schemas.microsoft.com/office/drawing/2014/main" id="{D048E030-EA68-D54E-882F-B938D6CFDD4A}"/>
+              </a:ext>
+            </a:extLst>
+          </p:cNvPr>
+          <p:cNvSpPr/>
+          <p:nvPr/>
+        </p:nvSpPr>
+        <p:spPr>
+          <a:xfrm>
+            <a:off x="1598077" y="4017157"/>
+            <a:ext cx="2428061" cy="692495"/>
+          </a:xfrm>
+          <a:prstGeom prst="ellipse">
+            <a:avLst/>
+          </a:prstGeom>
+          <a:solidFill>
+            <a:srgbClr val="C00000"/>
+          </a:solidFill>
+          <a:ln w="38100">
+            <a:solidFill>
+              <a:schemeClr val="tx1"/>
+            </a:solidFill>
+          </a:ln>
+        </p:spPr>
+        <p:style>
+          <a:lnRef idx="2">
+            <a:schemeClr val="accent1">
+              <a:shade val="50000"/>
+            </a:schemeClr>
+          </a:lnRef>
+          <a:fillRef idx="1">
+            <a:schemeClr val="accent1"/>
+          </a:fillRef>
+          <a:effectRef idx="0">
+            <a:schemeClr val="accent1"/>
+          </a:effectRef>
+          <a:fontRef idx="minor">
+            <a:schemeClr val="lt1"/>
+          </a:fontRef>
+        </p:style>
+        <p:txBody>
+          <a:bodyPr rtlCol="0" anchor="ctr"/>
+          <a:lstStyle/>
+          <a:p>
+            <a:pPr algn="ctr"/>
+            <a:r>
+              <a:rPr lang="en-US" dirty="0"/>
+              <a:t>Use Alternate Standards</a:t>
+            </a:r>
+          </a:p>
+        </p:txBody>
+      </p:sp>
+      <p:cxnSp>
+        <p:nvCxnSpPr>
+          <p:cNvPr id="38" name="Curved Connector 37">
+            <a:extLst>
+              <a:ext uri="{FF2B5EF4-FFF2-40B4-BE49-F238E27FC236}">
+                <a16:creationId xmlns:a16="http://schemas.microsoft.com/office/drawing/2014/main" id="{2498426B-6BD2-4745-95FC-1DD5BC5B624C}"/>
+              </a:ext>
+            </a:extLst>
+          </p:cNvPr>
+          <p:cNvCxnSpPr>
+            <a:cxnSpLocks/>
+            <a:stCxn id="37" idx="0"/>
+            <a:endCxn id="19" idx="3"/>
+          </p:cNvCxnSpPr>
+          <p:nvPr/>
+        </p:nvCxnSpPr>
+        <p:spPr>
+          <a:xfrm rot="5400000" flipH="1" flipV="1">
+            <a:off x="3562396" y="2902367"/>
+            <a:ext cx="364503" cy="1865078"/>
+          </a:xfrm>
+          <a:prstGeom prst="curvedConnector3">
+            <a:avLst>
+              <a:gd name="adj1" fmla="val 50000"/>
+            </a:avLst>
+          </a:prstGeom>
+          <a:ln w="57150">
+            <a:solidFill>
+              <a:schemeClr val="tx1"/>
+            </a:solidFill>
+            <a:tailEnd type="triangle"/>
+          </a:ln>
+        </p:spPr>
+        <p:style>
+          <a:lnRef idx="1">
+            <a:schemeClr val="accent1"/>
+          </a:lnRef>
+          <a:fillRef idx="0">
+            <a:schemeClr val="accent1"/>
+          </a:fillRef>
+          <a:effectRef idx="0">
+            <a:schemeClr val="accent1"/>
+          </a:effectRef>
+          <a:fontRef idx="minor">
+            <a:schemeClr val="tx1"/>
+          </a:fontRef>
+        </p:style>
+      </p:cxnSp>
+      <p:sp>
+        <p:nvSpPr>
+          <p:cNvPr id="39" name="TextBox 38">
+            <a:extLst>
+              <a:ext uri="{FF2B5EF4-FFF2-40B4-BE49-F238E27FC236}">
+                <a16:creationId xmlns:a16="http://schemas.microsoft.com/office/drawing/2014/main" id="{AA59E320-A0E8-EF4C-A556-8B3E701B6C89}"/>
+              </a:ext>
+            </a:extLst>
+          </p:cNvPr>
+          <p:cNvSpPr txBox="1"/>
+          <p:nvPr/>
+        </p:nvSpPr>
+        <p:spPr>
+          <a:xfrm>
+            <a:off x="1772704" y="3503021"/>
+            <a:ext cx="1576265" cy="369332"/>
+          </a:xfrm>
+          <a:prstGeom prst="rect">
+            <a:avLst/>
+          </a:prstGeom>
+          <a:noFill/>
+        </p:spPr>
+        <p:txBody>
+          <a:bodyPr wrap="none" rtlCol="0">
+            <a:spAutoFit/>
+          </a:bodyPr>
+          <a:lstStyle/>
+          <a:p>
+            <a:r>
+              <a:rPr lang="en-US" dirty="0"/>
+              <a:t>Decreased Use</a:t>
+            </a:r>
+          </a:p>
+        </p:txBody>
+      </p:sp>
     </p:spTree>
     <p:extLst>
       <p:ext uri="{BB962C8B-B14F-4D97-AF65-F5344CB8AC3E}">
-        <p14:creationId xmlns:p14="http://schemas.microsoft.com/office/powerpoint/2010/main" val="4247215942"/>
+        <p14:creationId xmlns:p14="http://schemas.microsoft.com/office/powerpoint/2010/main" val="3430286215"/>
       </p:ext>
     </p:extLst>
   </p:cSld>
@@ -40859,7 +41062,7 @@
           <a:p>
             <a:r>
               <a:rPr lang="en-US" dirty="0"/>
-              <a:t>Data Model Precision and Cost Sharing</a:t>
+              <a:t>Customer Support Chatbot</a:t>
             </a:r>
           </a:p>
         </p:txBody>
@@ -40882,7 +41085,7 @@
         </p:nvSpPr>
         <p:spPr>
           <a:xfrm>
-            <a:off x="531383" y="5617255"/>
+            <a:off x="838200" y="5281863"/>
             <a:ext cx="10515600" cy="895100"/>
           </a:xfrm>
         </p:spPr>
@@ -40892,41 +41095,8 @@
           <a:p>
             <a:r>
               <a:rPr lang="en-US" dirty="0"/>
-              <a:t>Precise data models allow multiple business units to share EKG infrastructure costs</a:t>
-            </a:r>
-          </a:p>
-        </p:txBody>
-      </p:sp>
-      <p:sp>
-        <p:nvSpPr>
-          <p:cNvPr id="4" name="Footer Placeholder 3">
-            <a:extLst>
-              <a:ext uri="{FF2B5EF4-FFF2-40B4-BE49-F238E27FC236}">
-                <a16:creationId xmlns:a16="http://schemas.microsoft.com/office/drawing/2014/main" id="{17BDAD18-178B-FA42-B621-8EEBD37C837C}"/>
-              </a:ext>
-            </a:extLst>
-          </p:cNvPr>
-          <p:cNvSpPr>
-            <a:spLocks noGrp="1"/>
-          </p:cNvSpPr>
-          <p:nvPr>
-            <p:ph type="ftr" sz="quarter" idx="4294967295"/>
-          </p:nvPr>
-        </p:nvSpPr>
-        <p:spPr>
-          <a:xfrm>
-            <a:off x="4038600" y="6356350"/>
-            <a:ext cx="4114800" cy="365125"/>
-          </a:xfrm>
-          <a:prstGeom prst="rect">
-            <a:avLst/>
-          </a:prstGeom>
-        </p:spPr>
-        <p:txBody>
-          <a:bodyPr/>
-          <a:lstStyle/>
-          <a:p>
-            <a:endParaRPr lang="en-US"/>
+              <a:t>More feedback is used to build better intent detection models</a:t>
+            </a:r>
           </a:p>
         </p:txBody>
       </p:sp>
@@ -40961,10 +41131,10 @@
       </p:sp>
       <p:sp>
         <p:nvSpPr>
-          <p:cNvPr id="19" name="Oval 18">
-            <a:extLst>
-              <a:ext uri="{FF2B5EF4-FFF2-40B4-BE49-F238E27FC236}">
-                <a16:creationId xmlns:a16="http://schemas.microsoft.com/office/drawing/2014/main" id="{552A5DD3-0904-6247-8C74-280B20860B10}"/>
+          <p:cNvPr id="6" name="Oval 5">
+            <a:extLst>
+              <a:ext uri="{FF2B5EF4-FFF2-40B4-BE49-F238E27FC236}">
+                <a16:creationId xmlns:a16="http://schemas.microsoft.com/office/drawing/2014/main" id="{8C309696-D940-5A4D-A8FF-BA873ED66D2E}"/>
               </a:ext>
             </a:extLst>
           </p:cNvPr>
@@ -40973,7 +41143,7 @@
         </p:nvSpPr>
         <p:spPr>
           <a:xfrm>
-            <a:off x="4376857" y="2994034"/>
+            <a:off x="4378177" y="1739871"/>
             <a:ext cx="1997242" cy="685800"/>
           </a:xfrm>
           <a:prstGeom prst="ellipse">
@@ -41008,59 +41178,17 @@
             <a:pPr algn="ctr"/>
             <a:r>
               <a:rPr lang="en-US" dirty="0"/>
-              <a:t>Data Model</a:t>
-            </a:r>
-          </a:p>
-          <a:p>
-            <a:pPr algn="ctr"/>
-            <a:r>
-              <a:rPr lang="en-US" dirty="0"/>
-              <a:t>Precision</a:t>
+              <a:t>Chat Log</a:t>
             </a:r>
           </a:p>
         </p:txBody>
       </p:sp>
       <p:sp>
         <p:nvSpPr>
-          <p:cNvPr id="21" name="TextBox 20">
-            <a:extLst>
-              <a:ext uri="{FF2B5EF4-FFF2-40B4-BE49-F238E27FC236}">
-                <a16:creationId xmlns:a16="http://schemas.microsoft.com/office/drawing/2014/main" id="{02AA1A63-A241-5841-BDD2-4C24412DD737}"/>
-              </a:ext>
-            </a:extLst>
-          </p:cNvPr>
-          <p:cNvSpPr txBox="1"/>
-          <p:nvPr/>
-        </p:nvSpPr>
-        <p:spPr>
-          <a:xfrm>
-            <a:off x="1891003" y="1474846"/>
-            <a:ext cx="1465658" cy="369332"/>
-          </a:xfrm>
-          <a:prstGeom prst="rect">
-            <a:avLst/>
-          </a:prstGeom>
-          <a:noFill/>
-        </p:spPr>
-        <p:txBody>
-          <a:bodyPr wrap="none" rtlCol="0">
-            <a:spAutoFit/>
-          </a:bodyPr>
-          <a:lstStyle/>
-          <a:p>
-            <a:r>
-              <a:rPr lang="en-US" dirty="0"/>
-              <a:t>Increases Use</a:t>
-            </a:r>
-          </a:p>
-        </p:txBody>
-      </p:sp>
-      <p:sp>
-        <p:nvSpPr>
-          <p:cNvPr id="23" name="Oval 22">
-            <a:extLst>
-              <a:ext uri="{FF2B5EF4-FFF2-40B4-BE49-F238E27FC236}">
-                <a16:creationId xmlns:a16="http://schemas.microsoft.com/office/drawing/2014/main" id="{83A31B9F-58C9-8348-9A17-A43E06B9DDC2}"/>
+          <p:cNvPr id="7" name="Oval 6">
+            <a:extLst>
+              <a:ext uri="{FF2B5EF4-FFF2-40B4-BE49-F238E27FC236}">
+                <a16:creationId xmlns:a16="http://schemas.microsoft.com/office/drawing/2014/main" id="{89BB5B02-AF1B-D649-B786-7A82DA19E2FA}"/>
               </a:ext>
             </a:extLst>
           </p:cNvPr>
@@ -41069,15 +41197,12 @@
         </p:nvSpPr>
         <p:spPr>
           <a:xfrm>
-            <a:off x="4161447" y="4649935"/>
-            <a:ext cx="2428061" cy="836103"/>
+            <a:off x="4304669" y="3793723"/>
+            <a:ext cx="2144258" cy="692495"/>
           </a:xfrm>
           <a:prstGeom prst="ellipse">
             <a:avLst/>
           </a:prstGeom>
-          <a:solidFill>
-            <a:srgbClr val="C00000"/>
-          </a:solidFill>
           <a:ln w="38100">
             <a:solidFill>
               <a:schemeClr val="tx1"/>
@@ -41107,31 +41232,38 @@
             <a:pPr algn="ctr"/>
             <a:r>
               <a:rPr lang="en-US" dirty="0"/>
-              <a:t>High Cost for Each Business Unit</a:t>
+              <a:t>Chatbot</a:t>
+            </a:r>
+          </a:p>
+          <a:p>
+            <a:pPr algn="ctr"/>
+            <a:r>
+              <a:rPr lang="en-US" dirty="0"/>
+              <a:t>Answer</a:t>
             </a:r>
           </a:p>
         </p:txBody>
       </p:sp>
       <p:cxnSp>
         <p:nvCxnSpPr>
-          <p:cNvPr id="26" name="Curved Connector 25">
-            <a:extLst>
-              <a:ext uri="{FF2B5EF4-FFF2-40B4-BE49-F238E27FC236}">
-                <a16:creationId xmlns:a16="http://schemas.microsoft.com/office/drawing/2014/main" id="{B426D33E-7C9A-BA42-82E1-C08E906E67DE}"/>
+          <p:cNvPr id="8" name="Curved Connector 7">
+            <a:extLst>
+              <a:ext uri="{FF2B5EF4-FFF2-40B4-BE49-F238E27FC236}">
+                <a16:creationId xmlns:a16="http://schemas.microsoft.com/office/drawing/2014/main" id="{38E8AD81-D85C-DE45-9B0B-E894CFA7122E}"/>
               </a:ext>
             </a:extLst>
           </p:cNvPr>
           <p:cNvCxnSpPr>
             <a:cxnSpLocks/>
-            <a:stCxn id="29" idx="2"/>
-            <a:endCxn id="42" idx="0"/>
+            <a:stCxn id="6" idx="6"/>
+            <a:endCxn id="9" idx="1"/>
           </p:cNvCxnSpPr>
           <p:nvPr/>
         </p:nvCxnSpPr>
         <p:spPr>
-          <a:xfrm rot="10800000" flipV="1">
-            <a:off x="2799253" y="1704114"/>
-            <a:ext cx="1362194" cy="556023"/>
+          <a:xfrm>
+            <a:off x="6375419" y="2082771"/>
+            <a:ext cx="1462112" cy="848697"/>
           </a:xfrm>
           <a:prstGeom prst="curvedConnector2">
             <a:avLst/>
@@ -41160,10 +41292,10 @@
       </p:cxnSp>
       <p:sp>
         <p:nvSpPr>
-          <p:cNvPr id="27" name="Cross 26">
-            <a:extLst>
-              <a:ext uri="{FF2B5EF4-FFF2-40B4-BE49-F238E27FC236}">
-                <a16:creationId xmlns:a16="http://schemas.microsoft.com/office/drawing/2014/main" id="{7296F17A-6635-A64C-BD94-4ACE1F071B50}"/>
+          <p:cNvPr id="9" name="Oval 8">
+            <a:extLst>
+              <a:ext uri="{FF2B5EF4-FFF2-40B4-BE49-F238E27FC236}">
+                <a16:creationId xmlns:a16="http://schemas.microsoft.com/office/drawing/2014/main" id="{65EE52AE-6F4E-1E4C-84E1-8CE83CBCB787}"/>
               </a:ext>
             </a:extLst>
           </p:cNvPr>
@@ -41172,7 +41304,399 @@
         </p:nvSpPr>
         <p:spPr>
           <a:xfrm>
-            <a:off x="5323289" y="2311810"/>
+            <a:off x="7481950" y="2831035"/>
+            <a:ext cx="2428061" cy="685800"/>
+          </a:xfrm>
+          <a:prstGeom prst="ellipse">
+            <a:avLst/>
+          </a:prstGeom>
+          <a:ln w="38100">
+            <a:solidFill>
+              <a:schemeClr val="tx1"/>
+            </a:solidFill>
+          </a:ln>
+        </p:spPr>
+        <p:style>
+          <a:lnRef idx="2">
+            <a:schemeClr val="accent1">
+              <a:shade val="50000"/>
+            </a:schemeClr>
+          </a:lnRef>
+          <a:fillRef idx="1">
+            <a:schemeClr val="accent1"/>
+          </a:fillRef>
+          <a:effectRef idx="0">
+            <a:schemeClr val="accent1"/>
+          </a:effectRef>
+          <a:fontRef idx="minor">
+            <a:schemeClr val="lt1"/>
+          </a:fontRef>
+        </p:style>
+        <p:txBody>
+          <a:bodyPr rtlCol="0" anchor="ctr"/>
+          <a:lstStyle/>
+          <a:p>
+            <a:pPr algn="ctr"/>
+            <a:r>
+              <a:rPr lang="en-US" dirty="0"/>
+              <a:t>Machine Learning Model</a:t>
+            </a:r>
+          </a:p>
+        </p:txBody>
+      </p:sp>
+      <p:sp>
+        <p:nvSpPr>
+          <p:cNvPr id="10" name="Oval 9">
+            <a:extLst>
+              <a:ext uri="{FF2B5EF4-FFF2-40B4-BE49-F238E27FC236}">
+                <a16:creationId xmlns:a16="http://schemas.microsoft.com/office/drawing/2014/main" id="{8B0A0FCC-EC41-2046-9DAA-0EED03760FDE}"/>
+              </a:ext>
+            </a:extLst>
+          </p:cNvPr>
+          <p:cNvSpPr/>
+          <p:nvPr/>
+        </p:nvSpPr>
+        <p:spPr>
+          <a:xfrm>
+            <a:off x="1473631" y="2799536"/>
+            <a:ext cx="2428061" cy="692495"/>
+          </a:xfrm>
+          <a:prstGeom prst="ellipse">
+            <a:avLst/>
+          </a:prstGeom>
+          <a:ln w="38100">
+            <a:solidFill>
+              <a:schemeClr val="tx1"/>
+            </a:solidFill>
+          </a:ln>
+        </p:spPr>
+        <p:style>
+          <a:lnRef idx="2">
+            <a:schemeClr val="accent1">
+              <a:shade val="50000"/>
+            </a:schemeClr>
+          </a:lnRef>
+          <a:fillRef idx="1">
+            <a:schemeClr val="accent1"/>
+          </a:fillRef>
+          <a:effectRef idx="0">
+            <a:schemeClr val="accent1"/>
+          </a:effectRef>
+          <a:fontRef idx="minor">
+            <a:schemeClr val="lt1"/>
+          </a:fontRef>
+        </p:style>
+        <p:txBody>
+          <a:bodyPr rtlCol="0" anchor="ctr"/>
+          <a:lstStyle/>
+          <a:p>
+            <a:pPr algn="ctr"/>
+            <a:r>
+              <a:rPr lang="en-US" dirty="0"/>
+              <a:t>Feedback</a:t>
+            </a:r>
+          </a:p>
+        </p:txBody>
+      </p:sp>
+      <p:sp>
+        <p:nvSpPr>
+          <p:cNvPr id="11" name="TextBox 10">
+            <a:extLst>
+              <a:ext uri="{FF2B5EF4-FFF2-40B4-BE49-F238E27FC236}">
+                <a16:creationId xmlns:a16="http://schemas.microsoft.com/office/drawing/2014/main" id="{A979D8C8-64AF-CA4C-ABB5-885632734082}"/>
+              </a:ext>
+            </a:extLst>
+          </p:cNvPr>
+          <p:cNvSpPr txBox="1"/>
+          <p:nvPr/>
+        </p:nvSpPr>
+        <p:spPr>
+          <a:xfrm>
+            <a:off x="7106475" y="1805884"/>
+            <a:ext cx="3522246" cy="369332"/>
+          </a:xfrm>
+          <a:prstGeom prst="rect">
+            <a:avLst/>
+          </a:prstGeom>
+          <a:noFill/>
+        </p:spPr>
+        <p:txBody>
+          <a:bodyPr wrap="none" rtlCol="0">
+            <a:spAutoFit/>
+          </a:bodyPr>
+          <a:lstStyle/>
+          <a:p>
+            <a:r>
+              <a:rPr lang="en-US" dirty="0"/>
+              <a:t>Use to build intent detection model</a:t>
+            </a:r>
+          </a:p>
+        </p:txBody>
+      </p:sp>
+      <p:cxnSp>
+        <p:nvCxnSpPr>
+          <p:cNvPr id="12" name="Curved Connector 11">
+            <a:extLst>
+              <a:ext uri="{FF2B5EF4-FFF2-40B4-BE49-F238E27FC236}">
+                <a16:creationId xmlns:a16="http://schemas.microsoft.com/office/drawing/2014/main" id="{3BE639E0-B758-444D-8DF9-8387DA2AF153}"/>
+              </a:ext>
+            </a:extLst>
+          </p:cNvPr>
+          <p:cNvCxnSpPr>
+            <a:cxnSpLocks/>
+            <a:stCxn id="9" idx="3"/>
+            <a:endCxn id="7" idx="6"/>
+          </p:cNvCxnSpPr>
+          <p:nvPr/>
+        </p:nvCxnSpPr>
+        <p:spPr>
+          <a:xfrm rot="5400000">
+            <a:off x="6781445" y="3083884"/>
+            <a:ext cx="723569" cy="1388604"/>
+          </a:xfrm>
+          <a:prstGeom prst="curvedConnector2">
+            <a:avLst/>
+          </a:prstGeom>
+          <a:ln w="57150">
+            <a:solidFill>
+              <a:schemeClr val="tx1"/>
+            </a:solidFill>
+            <a:tailEnd type="triangle"/>
+          </a:ln>
+        </p:spPr>
+        <p:style>
+          <a:lnRef idx="1">
+            <a:schemeClr val="accent1"/>
+          </a:lnRef>
+          <a:fillRef idx="0">
+            <a:schemeClr val="accent1"/>
+          </a:fillRef>
+          <a:effectRef idx="0">
+            <a:schemeClr val="accent1"/>
+          </a:effectRef>
+          <a:fontRef idx="minor">
+            <a:schemeClr val="tx1"/>
+          </a:fontRef>
+        </p:style>
+      </p:cxnSp>
+      <p:sp>
+        <p:nvSpPr>
+          <p:cNvPr id="15" name="TextBox 14">
+            <a:extLst>
+              <a:ext uri="{FF2B5EF4-FFF2-40B4-BE49-F238E27FC236}">
+                <a16:creationId xmlns:a16="http://schemas.microsoft.com/office/drawing/2014/main" id="{E36E394E-0671-D848-9369-44119113F3B5}"/>
+              </a:ext>
+            </a:extLst>
+          </p:cNvPr>
+          <p:cNvSpPr txBox="1"/>
+          <p:nvPr/>
+        </p:nvSpPr>
+        <p:spPr>
+          <a:xfrm>
+            <a:off x="7257056" y="3959198"/>
+            <a:ext cx="2812180" cy="369332"/>
+          </a:xfrm>
+          <a:prstGeom prst="rect">
+            <a:avLst/>
+          </a:prstGeom>
+          <a:noFill/>
+        </p:spPr>
+        <p:txBody>
+          <a:bodyPr wrap="none" rtlCol="0">
+            <a:spAutoFit/>
+          </a:bodyPr>
+          <a:lstStyle/>
+          <a:p>
+            <a:r>
+              <a:rPr lang="en-US" dirty="0"/>
+              <a:t>Attempt to answer question</a:t>
+            </a:r>
+          </a:p>
+        </p:txBody>
+      </p:sp>
+      <p:cxnSp>
+        <p:nvCxnSpPr>
+          <p:cNvPr id="17" name="Curved Connector 16">
+            <a:extLst>
+              <a:ext uri="{FF2B5EF4-FFF2-40B4-BE49-F238E27FC236}">
+                <a16:creationId xmlns:a16="http://schemas.microsoft.com/office/drawing/2014/main" id="{4833B034-2943-914C-A660-F53B909B7371}"/>
+              </a:ext>
+            </a:extLst>
+          </p:cNvPr>
+          <p:cNvCxnSpPr>
+            <a:cxnSpLocks/>
+            <a:stCxn id="7" idx="2"/>
+            <a:endCxn id="10" idx="4"/>
+          </p:cNvCxnSpPr>
+          <p:nvPr/>
+        </p:nvCxnSpPr>
+        <p:spPr>
+          <a:xfrm rot="10800000">
+            <a:off x="2687663" y="3492031"/>
+            <a:ext cx="1617007" cy="647940"/>
+          </a:xfrm>
+          <a:prstGeom prst="curvedConnector2">
+            <a:avLst/>
+          </a:prstGeom>
+          <a:ln w="57150">
+            <a:solidFill>
+              <a:schemeClr val="tx1"/>
+            </a:solidFill>
+            <a:tailEnd type="triangle"/>
+          </a:ln>
+        </p:spPr>
+        <p:style>
+          <a:lnRef idx="1">
+            <a:schemeClr val="accent1"/>
+          </a:lnRef>
+          <a:fillRef idx="0">
+            <a:schemeClr val="accent1"/>
+          </a:fillRef>
+          <a:effectRef idx="0">
+            <a:schemeClr val="accent1"/>
+          </a:effectRef>
+          <a:fontRef idx="minor">
+            <a:schemeClr val="tx1"/>
+          </a:fontRef>
+        </p:style>
+      </p:cxnSp>
+      <p:sp>
+        <p:nvSpPr>
+          <p:cNvPr id="20" name="TextBox 19">
+            <a:extLst>
+              <a:ext uri="{FF2B5EF4-FFF2-40B4-BE49-F238E27FC236}">
+                <a16:creationId xmlns:a16="http://schemas.microsoft.com/office/drawing/2014/main" id="{7BA3D306-6365-FA43-A6D2-D7E2B4D4B37F}"/>
+              </a:ext>
+            </a:extLst>
+          </p:cNvPr>
+          <p:cNvSpPr txBox="1"/>
+          <p:nvPr/>
+        </p:nvSpPr>
+        <p:spPr>
+          <a:xfrm>
+            <a:off x="2366860" y="4158865"/>
+            <a:ext cx="1671740" cy="646331"/>
+          </a:xfrm>
+          <a:prstGeom prst="rect">
+            <a:avLst/>
+          </a:prstGeom>
+          <a:noFill/>
+        </p:spPr>
+        <p:txBody>
+          <a:bodyPr wrap="none" rtlCol="0">
+            <a:spAutoFit/>
+          </a:bodyPr>
+          <a:lstStyle/>
+          <a:p>
+            <a:r>
+              <a:rPr lang="en-US" dirty="0"/>
+              <a:t>Did that answer</a:t>
+            </a:r>
+          </a:p>
+          <a:p>
+            <a:r>
+              <a:rPr lang="en-US" dirty="0"/>
+              <a:t>your question?</a:t>
+            </a:r>
+          </a:p>
+        </p:txBody>
+      </p:sp>
+      <p:cxnSp>
+        <p:nvCxnSpPr>
+          <p:cNvPr id="22" name="Curved Connector 21">
+            <a:extLst>
+              <a:ext uri="{FF2B5EF4-FFF2-40B4-BE49-F238E27FC236}">
+                <a16:creationId xmlns:a16="http://schemas.microsoft.com/office/drawing/2014/main" id="{DD6E8E48-00B0-324E-B225-D77BEE27A1FE}"/>
+              </a:ext>
+            </a:extLst>
+          </p:cNvPr>
+          <p:cNvCxnSpPr>
+            <a:cxnSpLocks/>
+            <a:stCxn id="10" idx="0"/>
+            <a:endCxn id="6" idx="2"/>
+          </p:cNvCxnSpPr>
+          <p:nvPr/>
+        </p:nvCxnSpPr>
+        <p:spPr>
+          <a:xfrm rot="5400000" flipH="1" flipV="1">
+            <a:off x="3174537" y="1595897"/>
+            <a:ext cx="716765" cy="1690515"/>
+          </a:xfrm>
+          <a:prstGeom prst="curvedConnector2">
+            <a:avLst/>
+          </a:prstGeom>
+          <a:ln w="57150">
+            <a:solidFill>
+              <a:schemeClr val="tx1"/>
+            </a:solidFill>
+            <a:tailEnd type="triangle"/>
+          </a:ln>
+        </p:spPr>
+        <p:style>
+          <a:lnRef idx="1">
+            <a:schemeClr val="accent1"/>
+          </a:lnRef>
+          <a:fillRef idx="0">
+            <a:schemeClr val="accent1"/>
+          </a:fillRef>
+          <a:effectRef idx="0">
+            <a:schemeClr val="accent1"/>
+          </a:effectRef>
+          <a:fontRef idx="minor">
+            <a:schemeClr val="tx1"/>
+          </a:fontRef>
+        </p:style>
+      </p:cxnSp>
+      <p:sp>
+        <p:nvSpPr>
+          <p:cNvPr id="25" name="TextBox 24">
+            <a:extLst>
+              <a:ext uri="{FF2B5EF4-FFF2-40B4-BE49-F238E27FC236}">
+                <a16:creationId xmlns:a16="http://schemas.microsoft.com/office/drawing/2014/main" id="{3F99BB17-3EFB-6443-9A53-7E481A956CB2}"/>
+              </a:ext>
+            </a:extLst>
+          </p:cNvPr>
+          <p:cNvSpPr txBox="1"/>
+          <p:nvPr/>
+        </p:nvSpPr>
+        <p:spPr>
+          <a:xfrm>
+            <a:off x="2490787" y="1917628"/>
+            <a:ext cx="888769" cy="369332"/>
+          </a:xfrm>
+          <a:prstGeom prst="rect">
+            <a:avLst/>
+          </a:prstGeom>
+          <a:noFill/>
+        </p:spPr>
+        <p:txBody>
+          <a:bodyPr wrap="none" rtlCol="0">
+            <a:spAutoFit/>
+          </a:bodyPr>
+          <a:lstStyle/>
+          <a:p>
+            <a:r>
+              <a:rPr lang="en-US" dirty="0"/>
+              <a:t>Creates</a:t>
+            </a:r>
+          </a:p>
+        </p:txBody>
+      </p:sp>
+      <p:sp>
+        <p:nvSpPr>
+          <p:cNvPr id="35" name="Cross 34">
+            <a:extLst>
+              <a:ext uri="{FF2B5EF4-FFF2-40B4-BE49-F238E27FC236}">
+                <a16:creationId xmlns:a16="http://schemas.microsoft.com/office/drawing/2014/main" id="{C4ABCE87-186E-8E4D-ABA6-381376E14330}"/>
+              </a:ext>
+            </a:extLst>
+          </p:cNvPr>
+          <p:cNvSpPr/>
+          <p:nvPr/>
+        </p:nvSpPr>
+        <p:spPr>
+          <a:xfrm>
+            <a:off x="5154227" y="2879611"/>
             <a:ext cx="386356" cy="369332"/>
           </a:xfrm>
           <a:prstGeom prst="plus">
@@ -41209,782 +41733,10 @@
           </a:p>
         </p:txBody>
       </p:sp>
-      <p:sp>
-        <p:nvSpPr>
-          <p:cNvPr id="28" name="Oval 27">
-            <a:extLst>
-              <a:ext uri="{FF2B5EF4-FFF2-40B4-BE49-F238E27FC236}">
-                <a16:creationId xmlns:a16="http://schemas.microsoft.com/office/drawing/2014/main" id="{C8DE9E92-E5DF-1A4A-BC27-D142A66CD839}"/>
-              </a:ext>
-            </a:extLst>
-          </p:cNvPr>
-          <p:cNvSpPr/>
-          <p:nvPr/>
-        </p:nvSpPr>
-        <p:spPr>
-          <a:xfrm>
-            <a:off x="7266611" y="1563580"/>
-            <a:ext cx="2785026" cy="912736"/>
-          </a:xfrm>
-          <a:prstGeom prst="ellipse">
-            <a:avLst/>
-          </a:prstGeom>
-          <a:solidFill>
-            <a:srgbClr val="00B050"/>
-          </a:solidFill>
-          <a:ln w="38100">
-            <a:solidFill>
-              <a:schemeClr val="tx1"/>
-            </a:solidFill>
-          </a:ln>
-        </p:spPr>
-        <p:style>
-          <a:lnRef idx="2">
-            <a:schemeClr val="accent1">
-              <a:shade val="50000"/>
-            </a:schemeClr>
-          </a:lnRef>
-          <a:fillRef idx="1">
-            <a:schemeClr val="accent1"/>
-          </a:fillRef>
-          <a:effectRef idx="0">
-            <a:schemeClr val="accent1"/>
-          </a:effectRef>
-          <a:fontRef idx="minor">
-            <a:schemeClr val="lt1"/>
-          </a:fontRef>
-        </p:style>
-        <p:txBody>
-          <a:bodyPr rtlCol="0" anchor="ctr"/>
-          <a:lstStyle/>
-          <a:p>
-            <a:pPr algn="ctr"/>
-            <a:r>
-              <a:rPr lang="en-US" dirty="0"/>
-              <a:t>EKG Shared by Multiple Business Units</a:t>
-            </a:r>
-          </a:p>
-        </p:txBody>
-      </p:sp>
-      <p:sp>
-        <p:nvSpPr>
-          <p:cNvPr id="29" name="Oval 28">
-            <a:extLst>
-              <a:ext uri="{FF2B5EF4-FFF2-40B4-BE49-F238E27FC236}">
-                <a16:creationId xmlns:a16="http://schemas.microsoft.com/office/drawing/2014/main" id="{C56D6F67-21D9-C148-A65B-EE8FC30FD049}"/>
-              </a:ext>
-            </a:extLst>
-          </p:cNvPr>
-          <p:cNvSpPr/>
-          <p:nvPr/>
-        </p:nvSpPr>
-        <p:spPr>
-          <a:xfrm>
-            <a:off x="4161447" y="1361215"/>
-            <a:ext cx="2428061" cy="685800"/>
-          </a:xfrm>
-          <a:prstGeom prst="ellipse">
-            <a:avLst/>
-          </a:prstGeom>
-          <a:solidFill>
-            <a:srgbClr val="00B050"/>
-          </a:solidFill>
-          <a:ln w="38100">
-            <a:solidFill>
-              <a:schemeClr val="tx1"/>
-            </a:solidFill>
-          </a:ln>
-        </p:spPr>
-        <p:style>
-          <a:lnRef idx="2">
-            <a:schemeClr val="accent1">
-              <a:shade val="50000"/>
-            </a:schemeClr>
-          </a:lnRef>
-          <a:fillRef idx="1">
-            <a:schemeClr val="accent1"/>
-          </a:fillRef>
-          <a:effectRef idx="0">
-            <a:schemeClr val="accent1"/>
-          </a:effectRef>
-          <a:fontRef idx="minor">
-            <a:schemeClr val="lt1"/>
-          </a:fontRef>
-        </p:style>
-        <p:txBody>
-          <a:bodyPr rtlCol="0" anchor="ctr"/>
-          <a:lstStyle/>
-          <a:p>
-            <a:pPr algn="ctr"/>
-            <a:r>
-              <a:rPr lang="en-US" dirty="0"/>
-              <a:t>Lower Cost Per</a:t>
-            </a:r>
-          </a:p>
-          <a:p>
-            <a:pPr algn="ctr"/>
-            <a:r>
-              <a:rPr lang="en-US" dirty="0"/>
-              <a:t>Business Unit</a:t>
-            </a:r>
-          </a:p>
-        </p:txBody>
-      </p:sp>
-      <p:cxnSp>
-        <p:nvCxnSpPr>
-          <p:cNvPr id="30" name="Curved Connector 29">
-            <a:extLst>
-              <a:ext uri="{FF2B5EF4-FFF2-40B4-BE49-F238E27FC236}">
-                <a16:creationId xmlns:a16="http://schemas.microsoft.com/office/drawing/2014/main" id="{19F58C53-9118-714D-90DF-EDFF5055DD08}"/>
-              </a:ext>
-            </a:extLst>
-          </p:cNvPr>
-          <p:cNvCxnSpPr>
-            <a:cxnSpLocks/>
-            <a:stCxn id="19" idx="6"/>
-            <a:endCxn id="28" idx="4"/>
-          </p:cNvCxnSpPr>
-          <p:nvPr/>
-        </p:nvCxnSpPr>
-        <p:spPr>
-          <a:xfrm flipV="1">
-            <a:off x="6374099" y="2476316"/>
-            <a:ext cx="2285025" cy="860618"/>
-          </a:xfrm>
-          <a:prstGeom prst="curvedConnector2">
-            <a:avLst/>
-          </a:prstGeom>
-          <a:ln w="57150">
-            <a:solidFill>
-              <a:schemeClr val="tx1"/>
-            </a:solidFill>
-            <a:tailEnd type="triangle"/>
-          </a:ln>
-        </p:spPr>
-        <p:style>
-          <a:lnRef idx="1">
-            <a:schemeClr val="accent1"/>
-          </a:lnRef>
-          <a:fillRef idx="0">
-            <a:schemeClr val="accent1"/>
-          </a:fillRef>
-          <a:effectRef idx="0">
-            <a:schemeClr val="accent1"/>
-          </a:effectRef>
-          <a:fontRef idx="minor">
-            <a:schemeClr val="tx1"/>
-          </a:fontRef>
-        </p:style>
-      </p:cxnSp>
-      <p:cxnSp>
-        <p:nvCxnSpPr>
-          <p:cNvPr id="31" name="Curved Connector 30">
-            <a:extLst>
-              <a:ext uri="{FF2B5EF4-FFF2-40B4-BE49-F238E27FC236}">
-                <a16:creationId xmlns:a16="http://schemas.microsoft.com/office/drawing/2014/main" id="{B91C69D7-4245-224C-B804-448DEC48B510}"/>
-              </a:ext>
-            </a:extLst>
-          </p:cNvPr>
-          <p:cNvCxnSpPr>
-            <a:cxnSpLocks/>
-            <a:stCxn id="19" idx="6"/>
-            <a:endCxn id="33" idx="1"/>
-          </p:cNvCxnSpPr>
-          <p:nvPr/>
-        </p:nvCxnSpPr>
-        <p:spPr>
-          <a:xfrm>
-            <a:off x="6374099" y="3336934"/>
-            <a:ext cx="1494692" cy="774195"/>
-          </a:xfrm>
-          <a:prstGeom prst="curvedConnector2">
-            <a:avLst/>
-          </a:prstGeom>
-          <a:ln w="57150">
-            <a:solidFill>
-              <a:schemeClr val="tx1"/>
-            </a:solidFill>
-            <a:tailEnd type="triangle"/>
-          </a:ln>
-        </p:spPr>
-        <p:style>
-          <a:lnRef idx="1">
-            <a:schemeClr val="accent1"/>
-          </a:lnRef>
-          <a:fillRef idx="0">
-            <a:schemeClr val="accent1"/>
-          </a:fillRef>
-          <a:effectRef idx="0">
-            <a:schemeClr val="accent1"/>
-          </a:effectRef>
-          <a:fontRef idx="minor">
-            <a:schemeClr val="tx1"/>
-          </a:fontRef>
-        </p:style>
-      </p:cxnSp>
-      <p:cxnSp>
-        <p:nvCxnSpPr>
-          <p:cNvPr id="32" name="Curved Connector 31">
-            <a:extLst>
-              <a:ext uri="{FF2B5EF4-FFF2-40B4-BE49-F238E27FC236}">
-                <a16:creationId xmlns:a16="http://schemas.microsoft.com/office/drawing/2014/main" id="{A8F46795-BD46-4347-B383-77F9F9360829}"/>
-              </a:ext>
-            </a:extLst>
-          </p:cNvPr>
-          <p:cNvCxnSpPr>
-            <a:cxnSpLocks/>
-            <a:stCxn id="23" idx="2"/>
-            <a:endCxn id="48" idx="4"/>
-          </p:cNvCxnSpPr>
-          <p:nvPr/>
-        </p:nvCxnSpPr>
-        <p:spPr>
-          <a:xfrm rot="10800000">
-            <a:off x="2818255" y="4744235"/>
-            <a:ext cx="1343193" cy="323752"/>
-          </a:xfrm>
-          <a:prstGeom prst="curvedConnector2">
-            <a:avLst/>
-          </a:prstGeom>
-          <a:ln w="57150">
-            <a:solidFill>
-              <a:schemeClr val="tx1"/>
-            </a:solidFill>
-            <a:tailEnd type="triangle"/>
-          </a:ln>
-        </p:spPr>
-        <p:style>
-          <a:lnRef idx="1">
-            <a:schemeClr val="accent1"/>
-          </a:lnRef>
-          <a:fillRef idx="0">
-            <a:schemeClr val="accent1"/>
-          </a:fillRef>
-          <a:effectRef idx="0">
-            <a:schemeClr val="accent1"/>
-          </a:effectRef>
-          <a:fontRef idx="minor">
-            <a:schemeClr val="tx1"/>
-          </a:fontRef>
-        </p:style>
-      </p:cxnSp>
-      <p:sp>
-        <p:nvSpPr>
-          <p:cNvPr id="33" name="Oval 32">
-            <a:extLst>
-              <a:ext uri="{FF2B5EF4-FFF2-40B4-BE49-F238E27FC236}">
-                <a16:creationId xmlns:a16="http://schemas.microsoft.com/office/drawing/2014/main" id="{F10D73D8-A4F6-BD42-8A8B-25EAE00A7812}"/>
-              </a:ext>
-            </a:extLst>
-          </p:cNvPr>
-          <p:cNvSpPr/>
-          <p:nvPr/>
-        </p:nvSpPr>
-        <p:spPr>
-          <a:xfrm>
-            <a:off x="7513210" y="4010696"/>
-            <a:ext cx="2428061" cy="685800"/>
-          </a:xfrm>
-          <a:prstGeom prst="ellipse">
-            <a:avLst/>
-          </a:prstGeom>
-          <a:solidFill>
-            <a:srgbClr val="C00000"/>
-          </a:solidFill>
-          <a:ln w="38100">
-            <a:solidFill>
-              <a:schemeClr val="tx1"/>
-            </a:solidFill>
-          </a:ln>
-        </p:spPr>
-        <p:style>
-          <a:lnRef idx="2">
-            <a:schemeClr val="accent1">
-              <a:shade val="50000"/>
-            </a:schemeClr>
-          </a:lnRef>
-          <a:fillRef idx="1">
-            <a:schemeClr val="accent1"/>
-          </a:fillRef>
-          <a:effectRef idx="0">
-            <a:schemeClr val="accent1"/>
-          </a:effectRef>
-          <a:fontRef idx="minor">
-            <a:schemeClr val="lt1"/>
-          </a:fontRef>
-        </p:style>
-        <p:txBody>
-          <a:bodyPr rtlCol="0" anchor="ctr"/>
-          <a:lstStyle/>
-          <a:p>
-            <a:pPr algn="ctr"/>
-            <a:r>
-              <a:rPr lang="en-US" dirty="0"/>
-              <a:t>Users Fork Their Own Data Marts</a:t>
-            </a:r>
-          </a:p>
-        </p:txBody>
-      </p:sp>
-      <p:cxnSp>
-        <p:nvCxnSpPr>
-          <p:cNvPr id="34" name="Curved Connector 33">
-            <a:extLst>
-              <a:ext uri="{FF2B5EF4-FFF2-40B4-BE49-F238E27FC236}">
-                <a16:creationId xmlns:a16="http://schemas.microsoft.com/office/drawing/2014/main" id="{567ECB5C-64A0-B84A-9885-BDDB8E589728}"/>
-              </a:ext>
-            </a:extLst>
-          </p:cNvPr>
-          <p:cNvCxnSpPr>
-            <a:cxnSpLocks/>
-            <a:stCxn id="33" idx="3"/>
-            <a:endCxn id="23" idx="6"/>
-          </p:cNvCxnSpPr>
-          <p:nvPr/>
-        </p:nvCxnSpPr>
-        <p:spPr>
-          <a:xfrm rot="5400000">
-            <a:off x="6993188" y="4192384"/>
-            <a:ext cx="471924" cy="1279283"/>
-          </a:xfrm>
-          <a:prstGeom prst="curvedConnector2">
-            <a:avLst/>
-          </a:prstGeom>
-          <a:ln w="57150">
-            <a:solidFill>
-              <a:schemeClr val="tx1"/>
-            </a:solidFill>
-            <a:tailEnd type="triangle"/>
-          </a:ln>
-        </p:spPr>
-        <p:style>
-          <a:lnRef idx="1">
-            <a:schemeClr val="accent1"/>
-          </a:lnRef>
-          <a:fillRef idx="0">
-            <a:schemeClr val="accent1"/>
-          </a:fillRef>
-          <a:effectRef idx="0">
-            <a:schemeClr val="accent1"/>
-          </a:effectRef>
-          <a:fontRef idx="minor">
-            <a:schemeClr val="tx1"/>
-          </a:fontRef>
-        </p:style>
-      </p:cxnSp>
-      <p:sp>
-        <p:nvSpPr>
-          <p:cNvPr id="36" name="Rectangle 35">
-            <a:extLst>
-              <a:ext uri="{FF2B5EF4-FFF2-40B4-BE49-F238E27FC236}">
-                <a16:creationId xmlns:a16="http://schemas.microsoft.com/office/drawing/2014/main" id="{436C57A6-27D9-3B4D-BF83-0B9B5361EFF2}"/>
-              </a:ext>
-            </a:extLst>
-          </p:cNvPr>
-          <p:cNvSpPr/>
-          <p:nvPr/>
-        </p:nvSpPr>
-        <p:spPr>
-          <a:xfrm>
-            <a:off x="5516467" y="4111057"/>
-            <a:ext cx="386356" cy="118044"/>
-          </a:xfrm>
-          <a:prstGeom prst="rect">
-            <a:avLst/>
-          </a:prstGeom>
-          <a:solidFill>
-            <a:srgbClr val="C00000"/>
-          </a:solidFill>
-        </p:spPr>
-        <p:style>
-          <a:lnRef idx="2">
-            <a:schemeClr val="accent1">
-              <a:shade val="50000"/>
-            </a:schemeClr>
-          </a:lnRef>
-          <a:fillRef idx="1">
-            <a:schemeClr val="accent1"/>
-          </a:fillRef>
-          <a:effectRef idx="0">
-            <a:schemeClr val="accent1"/>
-          </a:effectRef>
-          <a:fontRef idx="minor">
-            <a:schemeClr val="lt1"/>
-          </a:fontRef>
-        </p:style>
-        <p:txBody>
-          <a:bodyPr rtlCol="0" anchor="ctr"/>
-          <a:lstStyle/>
-          <a:p>
-            <a:pPr algn="ctr"/>
-            <a:endParaRPr lang="en-US"/>
-          </a:p>
-        </p:txBody>
-      </p:sp>
-      <p:cxnSp>
-        <p:nvCxnSpPr>
-          <p:cNvPr id="37" name="Curved Connector 36">
-            <a:extLst>
-              <a:ext uri="{FF2B5EF4-FFF2-40B4-BE49-F238E27FC236}">
-                <a16:creationId xmlns:a16="http://schemas.microsoft.com/office/drawing/2014/main" id="{4EA9A8F5-0EC8-6F48-BC5C-A6CA86D43A1B}"/>
-              </a:ext>
-            </a:extLst>
-          </p:cNvPr>
-          <p:cNvCxnSpPr>
-            <a:cxnSpLocks/>
-            <a:stCxn id="28" idx="2"/>
-            <a:endCxn id="29" idx="6"/>
-          </p:cNvCxnSpPr>
-          <p:nvPr/>
-        </p:nvCxnSpPr>
-        <p:spPr>
-          <a:xfrm rot="10800000">
-            <a:off x="6589509" y="1704116"/>
-            <a:ext cx="677103" cy="315833"/>
-          </a:xfrm>
-          <a:prstGeom prst="curvedConnector3">
-            <a:avLst>
-              <a:gd name="adj1" fmla="val 50000"/>
-            </a:avLst>
-          </a:prstGeom>
-          <a:ln w="57150">
-            <a:solidFill>
-              <a:schemeClr val="tx1"/>
-            </a:solidFill>
-            <a:tailEnd type="triangle"/>
-          </a:ln>
-        </p:spPr>
-        <p:style>
-          <a:lnRef idx="1">
-            <a:schemeClr val="accent1"/>
-          </a:lnRef>
-          <a:fillRef idx="0">
-            <a:schemeClr val="accent1"/>
-          </a:fillRef>
-          <a:effectRef idx="0">
-            <a:schemeClr val="accent1"/>
-          </a:effectRef>
-          <a:fontRef idx="minor">
-            <a:schemeClr val="tx1"/>
-          </a:fontRef>
-        </p:style>
-      </p:cxnSp>
-      <p:sp>
-        <p:nvSpPr>
-          <p:cNvPr id="38" name="TextBox 37">
-            <a:extLst>
-              <a:ext uri="{FF2B5EF4-FFF2-40B4-BE49-F238E27FC236}">
-                <a16:creationId xmlns:a16="http://schemas.microsoft.com/office/drawing/2014/main" id="{37721E88-B393-FA49-9D1B-129852CFF1A6}"/>
-              </a:ext>
-            </a:extLst>
-          </p:cNvPr>
-          <p:cNvSpPr txBox="1"/>
-          <p:nvPr/>
-        </p:nvSpPr>
-        <p:spPr>
-          <a:xfrm>
-            <a:off x="7706526" y="3405724"/>
-            <a:ext cx="568489" cy="369332"/>
-          </a:xfrm>
-          <a:prstGeom prst="rect">
-            <a:avLst/>
-          </a:prstGeom>
-          <a:noFill/>
-        </p:spPr>
-        <p:txBody>
-          <a:bodyPr wrap="none" rtlCol="0">
-            <a:spAutoFit/>
-          </a:bodyPr>
-          <a:lstStyle/>
-          <a:p>
-            <a:r>
-              <a:rPr lang="en-US" dirty="0"/>
-              <a:t>Low</a:t>
-            </a:r>
-          </a:p>
-        </p:txBody>
-      </p:sp>
-      <p:sp>
-        <p:nvSpPr>
-          <p:cNvPr id="39" name="TextBox 38">
-            <a:extLst>
-              <a:ext uri="{FF2B5EF4-FFF2-40B4-BE49-F238E27FC236}">
-                <a16:creationId xmlns:a16="http://schemas.microsoft.com/office/drawing/2014/main" id="{43AC7746-06BA-3F4B-9C85-0164D6745486}"/>
-              </a:ext>
-            </a:extLst>
-          </p:cNvPr>
-          <p:cNvSpPr txBox="1"/>
-          <p:nvPr/>
-        </p:nvSpPr>
-        <p:spPr>
-          <a:xfrm>
-            <a:off x="7513210" y="2699996"/>
-            <a:ext cx="612668" cy="369332"/>
-          </a:xfrm>
-          <a:prstGeom prst="rect">
-            <a:avLst/>
-          </a:prstGeom>
-          <a:noFill/>
-        </p:spPr>
-        <p:txBody>
-          <a:bodyPr wrap="none" rtlCol="0">
-            <a:spAutoFit/>
-          </a:bodyPr>
-          <a:lstStyle/>
-          <a:p>
-            <a:r>
-              <a:rPr lang="en-US" dirty="0"/>
-              <a:t>High</a:t>
-            </a:r>
-          </a:p>
-        </p:txBody>
-      </p:sp>
-      <p:sp>
-        <p:nvSpPr>
-          <p:cNvPr id="42" name="Oval 41">
-            <a:extLst>
-              <a:ext uri="{FF2B5EF4-FFF2-40B4-BE49-F238E27FC236}">
-                <a16:creationId xmlns:a16="http://schemas.microsoft.com/office/drawing/2014/main" id="{9F59605B-51B2-D04B-8E57-B8B91E5EE89D}"/>
-              </a:ext>
-            </a:extLst>
-          </p:cNvPr>
-          <p:cNvSpPr/>
-          <p:nvPr/>
-        </p:nvSpPr>
-        <p:spPr>
-          <a:xfrm>
-            <a:off x="1585222" y="2260138"/>
-            <a:ext cx="2428061" cy="685800"/>
-          </a:xfrm>
-          <a:prstGeom prst="ellipse">
-            <a:avLst/>
-          </a:prstGeom>
-          <a:solidFill>
-            <a:srgbClr val="00B050"/>
-          </a:solidFill>
-          <a:ln w="38100">
-            <a:solidFill>
-              <a:schemeClr val="tx1"/>
-            </a:solidFill>
-          </a:ln>
-        </p:spPr>
-        <p:style>
-          <a:lnRef idx="2">
-            <a:schemeClr val="accent1">
-              <a:shade val="50000"/>
-            </a:schemeClr>
-          </a:lnRef>
-          <a:fillRef idx="1">
-            <a:schemeClr val="accent1"/>
-          </a:fillRef>
-          <a:effectRef idx="0">
-            <a:schemeClr val="accent1"/>
-          </a:effectRef>
-          <a:fontRef idx="minor">
-            <a:schemeClr val="lt1"/>
-          </a:fontRef>
-        </p:style>
-        <p:txBody>
-          <a:bodyPr rtlCol="0" anchor="ctr"/>
-          <a:lstStyle/>
-          <a:p>
-            <a:pPr algn="ctr"/>
-            <a:r>
-              <a:rPr lang="en-US" dirty="0"/>
-              <a:t>More Insights</a:t>
-            </a:r>
-          </a:p>
-        </p:txBody>
-      </p:sp>
-      <p:cxnSp>
-        <p:nvCxnSpPr>
-          <p:cNvPr id="45" name="Curved Connector 44">
-            <a:extLst>
-              <a:ext uri="{FF2B5EF4-FFF2-40B4-BE49-F238E27FC236}">
-                <a16:creationId xmlns:a16="http://schemas.microsoft.com/office/drawing/2014/main" id="{A2FD4DC8-94F4-244D-8C1B-F22A53F4C6A9}"/>
-              </a:ext>
-            </a:extLst>
-          </p:cNvPr>
-          <p:cNvCxnSpPr>
-            <a:cxnSpLocks/>
-            <a:stCxn id="42" idx="4"/>
-            <a:endCxn id="19" idx="2"/>
-          </p:cNvCxnSpPr>
-          <p:nvPr/>
-        </p:nvCxnSpPr>
-        <p:spPr>
-          <a:xfrm rot="16200000" flipH="1">
-            <a:off x="3392557" y="2352634"/>
-            <a:ext cx="390996" cy="1577604"/>
-          </a:xfrm>
-          <a:prstGeom prst="curvedConnector2">
-            <a:avLst/>
-          </a:prstGeom>
-          <a:ln w="57150">
-            <a:solidFill>
-              <a:schemeClr val="tx1"/>
-            </a:solidFill>
-            <a:tailEnd type="triangle"/>
-          </a:ln>
-        </p:spPr>
-        <p:style>
-          <a:lnRef idx="1">
-            <a:schemeClr val="accent1"/>
-          </a:lnRef>
-          <a:fillRef idx="0">
-            <a:schemeClr val="accent1"/>
-          </a:fillRef>
-          <a:effectRef idx="0">
-            <a:schemeClr val="accent1"/>
-          </a:effectRef>
-          <a:fontRef idx="minor">
-            <a:schemeClr val="tx1"/>
-          </a:fontRef>
-        </p:style>
-      </p:cxnSp>
-      <p:sp>
-        <p:nvSpPr>
-          <p:cNvPr id="48" name="Oval 47">
-            <a:extLst>
-              <a:ext uri="{FF2B5EF4-FFF2-40B4-BE49-F238E27FC236}">
-                <a16:creationId xmlns:a16="http://schemas.microsoft.com/office/drawing/2014/main" id="{4273E6B7-E295-7846-86AE-E5082548DDAA}"/>
-              </a:ext>
-            </a:extLst>
-          </p:cNvPr>
-          <p:cNvSpPr/>
-          <p:nvPr/>
-        </p:nvSpPr>
-        <p:spPr>
-          <a:xfrm>
-            <a:off x="1604223" y="4051740"/>
-            <a:ext cx="2428061" cy="692495"/>
-          </a:xfrm>
-          <a:prstGeom prst="ellipse">
-            <a:avLst/>
-          </a:prstGeom>
-          <a:solidFill>
-            <a:srgbClr val="C00000"/>
-          </a:solidFill>
-          <a:ln w="38100">
-            <a:solidFill>
-              <a:schemeClr val="tx1"/>
-            </a:solidFill>
-          </a:ln>
-        </p:spPr>
-        <p:style>
-          <a:lnRef idx="2">
-            <a:schemeClr val="accent1">
-              <a:shade val="50000"/>
-            </a:schemeClr>
-          </a:lnRef>
-          <a:fillRef idx="1">
-            <a:schemeClr val="accent1"/>
-          </a:fillRef>
-          <a:effectRef idx="0">
-            <a:schemeClr val="accent1"/>
-          </a:effectRef>
-          <a:fontRef idx="minor">
-            <a:schemeClr val="lt1"/>
-          </a:fontRef>
-        </p:style>
-        <p:txBody>
-          <a:bodyPr rtlCol="0" anchor="ctr"/>
-          <a:lstStyle/>
-          <a:p>
-            <a:pPr algn="ctr"/>
-            <a:r>
-              <a:rPr lang="en-US" dirty="0"/>
-              <a:t>Few Insights</a:t>
-            </a:r>
-          </a:p>
-        </p:txBody>
-      </p:sp>
-      <p:cxnSp>
-        <p:nvCxnSpPr>
-          <p:cNvPr id="58" name="Curved Connector 57">
-            <a:extLst>
-              <a:ext uri="{FF2B5EF4-FFF2-40B4-BE49-F238E27FC236}">
-                <a16:creationId xmlns:a16="http://schemas.microsoft.com/office/drawing/2014/main" id="{4C96BA28-4FBA-9447-9047-BE2403AB0E6C}"/>
-              </a:ext>
-            </a:extLst>
-          </p:cNvPr>
-          <p:cNvCxnSpPr>
-            <a:cxnSpLocks/>
-            <a:stCxn id="48" idx="0"/>
-            <a:endCxn id="19" idx="3"/>
-          </p:cNvCxnSpPr>
-          <p:nvPr/>
-        </p:nvCxnSpPr>
-        <p:spPr>
-          <a:xfrm rot="5400000" flipH="1" flipV="1">
-            <a:off x="3507631" y="2890025"/>
-            <a:ext cx="472339" cy="1851092"/>
-          </a:xfrm>
-          <a:prstGeom prst="curvedConnector3">
-            <a:avLst>
-              <a:gd name="adj1" fmla="val 50000"/>
-            </a:avLst>
-          </a:prstGeom>
-          <a:ln w="57150">
-            <a:solidFill>
-              <a:schemeClr val="tx1"/>
-            </a:solidFill>
-            <a:tailEnd type="triangle"/>
-          </a:ln>
-        </p:spPr>
-        <p:style>
-          <a:lnRef idx="1">
-            <a:schemeClr val="accent1"/>
-          </a:lnRef>
-          <a:fillRef idx="0">
-            <a:schemeClr val="accent1"/>
-          </a:fillRef>
-          <a:effectRef idx="0">
-            <a:schemeClr val="accent1"/>
-          </a:effectRef>
-          <a:fontRef idx="minor">
-            <a:schemeClr val="tx1"/>
-          </a:fontRef>
-        </p:style>
-      </p:cxnSp>
-      <p:sp>
-        <p:nvSpPr>
-          <p:cNvPr id="61" name="TextBox 60">
-            <a:extLst>
-              <a:ext uri="{FF2B5EF4-FFF2-40B4-BE49-F238E27FC236}">
-                <a16:creationId xmlns:a16="http://schemas.microsoft.com/office/drawing/2014/main" id="{97120CD5-5A6D-B147-9DF2-39B2081D3A57}"/>
-              </a:ext>
-            </a:extLst>
-          </p:cNvPr>
-          <p:cNvSpPr txBox="1"/>
-          <p:nvPr/>
-        </p:nvSpPr>
-        <p:spPr>
-          <a:xfrm>
-            <a:off x="1772704" y="3503021"/>
-            <a:ext cx="1576265" cy="369332"/>
-          </a:xfrm>
-          <a:prstGeom prst="rect">
-            <a:avLst/>
-          </a:prstGeom>
-          <a:noFill/>
-        </p:spPr>
-        <p:txBody>
-          <a:bodyPr wrap="none" rtlCol="0">
-            <a:spAutoFit/>
-          </a:bodyPr>
-          <a:lstStyle/>
-          <a:p>
-            <a:r>
-              <a:rPr lang="en-US" dirty="0"/>
-              <a:t>Decreased Use</a:t>
-            </a:r>
-          </a:p>
-        </p:txBody>
-      </p:sp>
     </p:spTree>
     <p:extLst>
       <p:ext uri="{BB962C8B-B14F-4D97-AF65-F5344CB8AC3E}">
-        <p14:creationId xmlns:p14="http://schemas.microsoft.com/office/powerpoint/2010/main" val="2418467834"/>
+        <p14:creationId xmlns:p14="http://schemas.microsoft.com/office/powerpoint/2010/main" val="4247215942"/>
       </p:ext>
     </p:extLst>
   </p:cSld>
@@ -42150,7 +41902,7 @@
         </p:nvSpPr>
         <p:spPr>
           <a:xfrm>
-            <a:off x="4444102" y="3067054"/>
+            <a:off x="4376857" y="2994034"/>
             <a:ext cx="1997242" cy="685800"/>
           </a:xfrm>
           <a:prstGeom prst="ellipse">
@@ -42192,7 +41944,42 @@
             <a:pPr algn="ctr"/>
             <a:r>
               <a:rPr lang="en-US" dirty="0"/>
-              <a:t>Training</a:t>
+              <a:t>Precision</a:t>
+            </a:r>
+          </a:p>
+        </p:txBody>
+      </p:sp>
+      <p:sp>
+        <p:nvSpPr>
+          <p:cNvPr id="21" name="TextBox 20">
+            <a:extLst>
+              <a:ext uri="{FF2B5EF4-FFF2-40B4-BE49-F238E27FC236}">
+                <a16:creationId xmlns:a16="http://schemas.microsoft.com/office/drawing/2014/main" id="{02AA1A63-A241-5841-BDD2-4C24412DD737}"/>
+              </a:ext>
+            </a:extLst>
+          </p:cNvPr>
+          <p:cNvSpPr txBox="1"/>
+          <p:nvPr/>
+        </p:nvSpPr>
+        <p:spPr>
+          <a:xfrm>
+            <a:off x="1891003" y="1474846"/>
+            <a:ext cx="1465658" cy="369332"/>
+          </a:xfrm>
+          <a:prstGeom prst="rect">
+            <a:avLst/>
+          </a:prstGeom>
+          <a:noFill/>
+        </p:spPr>
+        <p:txBody>
+          <a:bodyPr wrap="none" rtlCol="0">
+            <a:spAutoFit/>
+          </a:bodyPr>
+          <a:lstStyle/>
+          <a:p>
+            <a:r>
+              <a:rPr lang="en-US" dirty="0"/>
+              <a:t>Increases Use</a:t>
             </a:r>
           </a:p>
         </p:txBody>
@@ -42249,7 +42036,7 @@
             <a:pPr algn="ctr"/>
             <a:r>
               <a:rPr lang="en-US" dirty="0"/>
-              <a:t>Constant Rework</a:t>
+              <a:t>High Cost for Each Business Unit</a:t>
             </a:r>
           </a:p>
         </p:txBody>
@@ -42272,8 +42059,8 @@
         </p:nvCxnSpPr>
         <p:spPr>
           <a:xfrm rot="10800000" flipV="1">
-            <a:off x="2678885" y="1682265"/>
-            <a:ext cx="1334398" cy="470728"/>
+            <a:off x="2799253" y="1704114"/>
+            <a:ext cx="1362194" cy="556023"/>
           </a:xfrm>
           <a:prstGeom prst="curvedConnector2">
             <a:avLst/>
@@ -42403,7 +42190,7 @@
             <a:pPr algn="ctr"/>
             <a:r>
               <a:rPr lang="en-US" dirty="0"/>
-              <a:t>Precise Data Models</a:t>
+              <a:t>EKG Shared by Multiple Business Units</a:t>
             </a:r>
           </a:p>
         </p:txBody>
@@ -42422,7 +42209,7 @@
         </p:nvSpPr>
         <p:spPr>
           <a:xfrm>
-            <a:off x="4013283" y="1339365"/>
+            <a:off x="4161447" y="1361215"/>
             <a:ext cx="2428061" cy="685800"/>
           </a:xfrm>
           <a:prstGeom prst="ellipse">
@@ -42460,7 +42247,14 @@
             <a:pPr algn="ctr"/>
             <a:r>
               <a:rPr lang="en-US" dirty="0"/>
-              <a:t>Higher Sharing of EKG</a:t>
+              <a:t>Lower Cost Per</a:t>
+            </a:r>
+          </a:p>
+          <a:p>
+            <a:pPr algn="ctr"/>
+            <a:r>
+              <a:rPr lang="en-US" dirty="0"/>
+              <a:t>Business Unit</a:t>
             </a:r>
           </a:p>
         </p:txBody>
@@ -42483,8 +42277,8 @@
         </p:nvCxnSpPr>
         <p:spPr>
           <a:xfrm flipV="1">
-            <a:off x="6441344" y="2476316"/>
-            <a:ext cx="2217780" cy="933638"/>
+            <a:off x="6374099" y="2476316"/>
+            <a:ext cx="2285025" cy="860618"/>
           </a:xfrm>
           <a:prstGeom prst="curvedConnector2">
             <a:avLst/>
@@ -42529,8 +42323,8 @@
         </p:nvCxnSpPr>
         <p:spPr>
           <a:xfrm>
-            <a:off x="6441344" y="3409954"/>
-            <a:ext cx="1427447" cy="701175"/>
+            <a:off x="6374099" y="3336934"/>
+            <a:ext cx="1494692" cy="774195"/>
           </a:xfrm>
           <a:prstGeom prst="curvedConnector2">
             <a:avLst/>
@@ -42655,7 +42449,7 @@
             <a:pPr algn="ctr"/>
             <a:r>
               <a:rPr lang="en-US" dirty="0"/>
-              <a:t>Poor Data Models</a:t>
+              <a:t>Users Fork Their Own Data Marts</a:t>
             </a:r>
           </a:p>
         </p:txBody>
@@ -42720,7 +42514,7 @@
         </p:nvSpPr>
         <p:spPr>
           <a:xfrm>
-            <a:off x="5329344" y="4124519"/>
+            <a:off x="5516467" y="4111057"/>
             <a:ext cx="386356" cy="118044"/>
           </a:xfrm>
           <a:prstGeom prst="rect">
@@ -42773,8 +42567,8 @@
         </p:nvCxnSpPr>
         <p:spPr>
           <a:xfrm rot="10800000">
-            <a:off x="6441345" y="1682266"/>
-            <a:ext cx="825267" cy="337683"/>
+            <a:off x="6589509" y="1704116"/>
+            <a:ext cx="677103" cy="315833"/>
           </a:xfrm>
           <a:prstGeom prst="curvedConnector3">
             <a:avLst>
@@ -42817,8 +42611,8 @@
         </p:nvSpPr>
         <p:spPr>
           <a:xfrm>
-            <a:off x="7868791" y="3554213"/>
-            <a:ext cx="1296252" cy="369332"/>
+            <a:off x="7706526" y="3405724"/>
+            <a:ext cx="568489" cy="369332"/>
           </a:xfrm>
           <a:prstGeom prst="rect">
             <a:avLst/>
@@ -42833,7 +42627,7 @@
           <a:p>
             <a:r>
               <a:rPr lang="en-US" dirty="0"/>
-              <a:t>Low Quality</a:t>
+              <a:t>Low</a:t>
             </a:r>
           </a:p>
         </p:txBody>
@@ -42852,8 +42646,8 @@
         </p:nvSpPr>
         <p:spPr>
           <a:xfrm>
-            <a:off x="6874031" y="2676394"/>
-            <a:ext cx="1340432" cy="369332"/>
+            <a:off x="7513210" y="2699996"/>
+            <a:ext cx="612668" cy="369332"/>
           </a:xfrm>
           <a:prstGeom prst="rect">
             <a:avLst/>
@@ -42868,7 +42662,7 @@
           <a:p>
             <a:r>
               <a:rPr lang="en-US" dirty="0"/>
-              <a:t>High Quality</a:t>
+              <a:t>High</a:t>
             </a:r>
           </a:p>
         </p:txBody>
@@ -42887,7 +42681,7 @@
         </p:nvSpPr>
         <p:spPr>
           <a:xfrm>
-            <a:off x="1464854" y="2152993"/>
+            <a:off x="1585222" y="2260138"/>
             <a:ext cx="2428061" cy="685800"/>
           </a:xfrm>
           <a:prstGeom prst="ellipse">
@@ -42925,7 +42719,7 @@
             <a:pPr algn="ctr"/>
             <a:r>
               <a:rPr lang="en-US" dirty="0"/>
-              <a:t>Cost Savings</a:t>
+              <a:t>More Insights</a:t>
             </a:r>
           </a:p>
         </p:txBody>
@@ -42948,8 +42742,8 @@
         </p:nvCxnSpPr>
         <p:spPr>
           <a:xfrm rot="16200000" flipH="1">
-            <a:off x="3275913" y="2241764"/>
-            <a:ext cx="571161" cy="1765217"/>
+            <a:off x="3392557" y="2352634"/>
+            <a:ext cx="390996" cy="1577604"/>
           </a:xfrm>
           <a:prstGeom prst="curvedConnector2">
             <a:avLst/>
@@ -43028,7 +42822,7 @@
             <a:pPr algn="ctr"/>
             <a:r>
               <a:rPr lang="en-US" dirty="0"/>
-              <a:t>Higher Costs</a:t>
+              <a:t>Few Insights</a:t>
             </a:r>
           </a:p>
         </p:txBody>
@@ -43051,8 +42845,8 @@
         </p:nvCxnSpPr>
         <p:spPr>
           <a:xfrm rot="5400000" flipH="1" flipV="1">
-            <a:off x="3577763" y="2892913"/>
-            <a:ext cx="399319" cy="1918337"/>
+            <a:off x="3507631" y="2890025"/>
+            <a:ext cx="472339" cy="1851092"/>
           </a:xfrm>
           <a:prstGeom prst="curvedConnector3">
             <a:avLst>
@@ -43083,10 +42877,10 @@
       </p:cxnSp>
       <p:sp>
         <p:nvSpPr>
-          <p:cNvPr id="35" name="TextBox 34">
-            <a:extLst>
-              <a:ext uri="{FF2B5EF4-FFF2-40B4-BE49-F238E27FC236}">
-                <a16:creationId xmlns:a16="http://schemas.microsoft.com/office/drawing/2014/main" id="{7A3C0BC2-8231-9946-8D51-1AD38A3D2D90}"/>
+          <p:cNvPr id="61" name="TextBox 60">
+            <a:extLst>
+              <a:ext uri="{FF2B5EF4-FFF2-40B4-BE49-F238E27FC236}">
+                <a16:creationId xmlns:a16="http://schemas.microsoft.com/office/drawing/2014/main" id="{97120CD5-5A6D-B147-9DF2-39B2081D3A57}"/>
               </a:ext>
             </a:extLst>
           </p:cNvPr>
@@ -43095,8 +42889,8 @@
         </p:nvSpPr>
         <p:spPr>
           <a:xfrm>
-            <a:off x="7902706" y="4898252"/>
-            <a:ext cx="3667158" cy="369332"/>
+            <a:off x="1772704" y="3503021"/>
+            <a:ext cx="1576265" cy="369332"/>
           </a:xfrm>
           <a:prstGeom prst="rect">
             <a:avLst/>
@@ -43110,78 +42904,8 @@
           <a:lstStyle/>
           <a:p>
             <a:r>
-              <a:rPr lang="en-US" i="1" dirty="0"/>
-              <a:t>We just modeled this like our RDBMS</a:t>
-            </a:r>
-          </a:p>
-        </p:txBody>
-      </p:sp>
-      <p:sp>
-        <p:nvSpPr>
-          <p:cNvPr id="40" name="TextBox 39">
-            <a:extLst>
-              <a:ext uri="{FF2B5EF4-FFF2-40B4-BE49-F238E27FC236}">
-                <a16:creationId xmlns:a16="http://schemas.microsoft.com/office/drawing/2014/main" id="{351B449C-D30B-6349-91F5-48C9865889B3}"/>
-              </a:ext>
-            </a:extLst>
-          </p:cNvPr>
-          <p:cNvSpPr txBox="1"/>
-          <p:nvPr/>
-        </p:nvSpPr>
-        <p:spPr>
-          <a:xfrm>
-            <a:off x="3161075" y="2852471"/>
-            <a:ext cx="696216" cy="369332"/>
-          </a:xfrm>
-          <a:prstGeom prst="rect">
-            <a:avLst/>
-          </a:prstGeom>
-          <a:noFill/>
-        </p:spPr>
-        <p:txBody>
-          <a:bodyPr wrap="none" rtlCol="0">
-            <a:spAutoFit/>
-          </a:bodyPr>
-          <a:lstStyle/>
-          <a:p>
-            <a:r>
               <a:rPr lang="en-US" dirty="0"/>
-              <a:t>More</a:t>
-            </a:r>
-          </a:p>
-        </p:txBody>
-      </p:sp>
-      <p:sp>
-        <p:nvSpPr>
-          <p:cNvPr id="41" name="TextBox 40">
-            <a:extLst>
-              <a:ext uri="{FF2B5EF4-FFF2-40B4-BE49-F238E27FC236}">
-                <a16:creationId xmlns:a16="http://schemas.microsoft.com/office/drawing/2014/main" id="{8D77E980-F981-5149-94EE-6B8E47725C74}"/>
-              </a:ext>
-            </a:extLst>
-          </p:cNvPr>
-          <p:cNvSpPr txBox="1"/>
-          <p:nvPr/>
-        </p:nvSpPr>
-        <p:spPr>
-          <a:xfrm>
-            <a:off x="3130257" y="3473647"/>
-            <a:ext cx="577402" cy="369332"/>
-          </a:xfrm>
-          <a:prstGeom prst="rect">
-            <a:avLst/>
-          </a:prstGeom>
-          <a:noFill/>
-        </p:spPr>
-        <p:txBody>
-          <a:bodyPr wrap="none" rtlCol="0">
-            <a:spAutoFit/>
-          </a:bodyPr>
-          <a:lstStyle/>
-          <a:p>
-            <a:r>
-              <a:rPr lang="en-US" dirty="0"/>
-              <a:t>Less</a:t>
+              <a:t>Decreased Use</a:t>
             </a:r>
           </a:p>
         </p:txBody>
@@ -43189,7 +42913,7 @@
     </p:spTree>
     <p:extLst>
       <p:ext uri="{BB962C8B-B14F-4D97-AF65-F5344CB8AC3E}">
-        <p14:creationId xmlns:p14="http://schemas.microsoft.com/office/powerpoint/2010/main" val="2470032616"/>
+        <p14:creationId xmlns:p14="http://schemas.microsoft.com/office/powerpoint/2010/main" val="2418467834"/>
       </p:ext>
     </p:extLst>
   </p:cSld>
@@ -43221,7 +42945,7 @@
           <p:cNvPr id="2" name="Title 1">
             <a:extLst>
               <a:ext uri="{FF2B5EF4-FFF2-40B4-BE49-F238E27FC236}">
-                <a16:creationId xmlns:a16="http://schemas.microsoft.com/office/drawing/2014/main" id="{1A21E1C6-CC43-0C43-831B-02DD34BCD428}"/>
+                <a16:creationId xmlns:a16="http://schemas.microsoft.com/office/drawing/2014/main" id="{ED586A3E-9709-E947-9EF0-DBC0EB9E7060}"/>
               </a:ext>
             </a:extLst>
           </p:cNvPr>
@@ -43241,7 +42965,7 @@
           <a:p>
             <a:r>
               <a:rPr lang="en-US" dirty="0"/>
-              <a:t>Systems Thinking Terminology</a:t>
+              <a:t>Data Model Precision and Cost Sharing</a:t>
             </a:r>
           </a:p>
         </p:txBody>
@@ -43251,7 +42975,7 @@
           <p:cNvPr id="3" name="Content Placeholder 2">
             <a:extLst>
               <a:ext uri="{FF2B5EF4-FFF2-40B4-BE49-F238E27FC236}">
-                <a16:creationId xmlns:a16="http://schemas.microsoft.com/office/drawing/2014/main" id="{E4657934-20F4-524C-AEA4-B72DE053FDBE}"/>
+                <a16:creationId xmlns:a16="http://schemas.microsoft.com/office/drawing/2014/main" id="{CBF2A1C2-1E74-934B-81B3-2EE1251D0A86}"/>
               </a:ext>
             </a:extLst>
           </p:cNvPr>
@@ -43262,33 +42986,53 @@
             <p:ph idx="1"/>
           </p:nvPr>
         </p:nvSpPr>
-        <p:spPr/>
+        <p:spPr>
+          <a:xfrm>
+            <a:off x="531383" y="5617255"/>
+            <a:ext cx="10515600" cy="895100"/>
+          </a:xfrm>
+        </p:spPr>
         <p:txBody>
           <a:bodyPr/>
           <a:lstStyle/>
           <a:p>
             <a:r>
               <a:rPr lang="en-US" dirty="0"/>
-              <a:t>Unintended consequences</a:t>
-            </a:r>
-          </a:p>
-          <a:p>
-            <a:r>
-              <a:rPr lang="en-US" dirty="0"/>
-              <a:t>Local optimization</a:t>
-            </a:r>
-          </a:p>
-          <a:p>
-            <a:r>
-              <a:rPr lang="en-US" dirty="0"/>
-              <a:t>Optimization to early</a:t>
-            </a:r>
-          </a:p>
-          <a:p>
-            <a:r>
-              <a:rPr lang="en-US" dirty="0"/>
-              <a:t>Emergence</a:t>
-            </a:r>
+              <a:t>Precise data models allow multiple business units to share EKG infrastructure costs</a:t>
+            </a:r>
+          </a:p>
+        </p:txBody>
+      </p:sp>
+      <p:sp>
+        <p:nvSpPr>
+          <p:cNvPr id="4" name="Footer Placeholder 3">
+            <a:extLst>
+              <a:ext uri="{FF2B5EF4-FFF2-40B4-BE49-F238E27FC236}">
+                <a16:creationId xmlns:a16="http://schemas.microsoft.com/office/drawing/2014/main" id="{17BDAD18-178B-FA42-B621-8EEBD37C837C}"/>
+              </a:ext>
+            </a:extLst>
+          </p:cNvPr>
+          <p:cNvSpPr>
+            <a:spLocks noGrp="1"/>
+          </p:cNvSpPr>
+          <p:nvPr>
+            <p:ph type="ftr" sz="quarter" idx="4294967295"/>
+          </p:nvPr>
+        </p:nvSpPr>
+        <p:spPr>
+          <a:xfrm>
+            <a:off x="4038600" y="6356350"/>
+            <a:ext cx="4114800" cy="365125"/>
+          </a:xfrm>
+          <a:prstGeom prst="rect">
+            <a:avLst/>
+          </a:prstGeom>
+        </p:spPr>
+        <p:txBody>
+          <a:bodyPr/>
+          <a:lstStyle/>
+          <a:p>
+            <a:endParaRPr lang="en-US"/>
           </a:p>
         </p:txBody>
       </p:sp>
@@ -43297,7 +43041,7 @@
           <p:cNvPr id="5" name="Slide Number Placeholder 4">
             <a:extLst>
               <a:ext uri="{FF2B5EF4-FFF2-40B4-BE49-F238E27FC236}">
-                <a16:creationId xmlns:a16="http://schemas.microsoft.com/office/drawing/2014/main" id="{6598F8CA-524A-7347-A171-D07709E386A5}"/>
+                <a16:creationId xmlns:a16="http://schemas.microsoft.com/office/drawing/2014/main" id="{B88ADCFC-D406-7B4B-B823-88389AB81A99}"/>
               </a:ext>
             </a:extLst>
           </p:cNvPr>
@@ -43321,10 +43065,1060 @@
           </a:p>
         </p:txBody>
       </p:sp>
+      <p:sp>
+        <p:nvSpPr>
+          <p:cNvPr id="19" name="Oval 18">
+            <a:extLst>
+              <a:ext uri="{FF2B5EF4-FFF2-40B4-BE49-F238E27FC236}">
+                <a16:creationId xmlns:a16="http://schemas.microsoft.com/office/drawing/2014/main" id="{552A5DD3-0904-6247-8C74-280B20860B10}"/>
+              </a:ext>
+            </a:extLst>
+          </p:cNvPr>
+          <p:cNvSpPr/>
+          <p:nvPr/>
+        </p:nvSpPr>
+        <p:spPr>
+          <a:xfrm>
+            <a:off x="4444102" y="3067054"/>
+            <a:ext cx="1997242" cy="685800"/>
+          </a:xfrm>
+          <a:prstGeom prst="ellipse">
+            <a:avLst/>
+          </a:prstGeom>
+          <a:ln w="38100">
+            <a:solidFill>
+              <a:schemeClr val="tx1"/>
+            </a:solidFill>
+          </a:ln>
+        </p:spPr>
+        <p:style>
+          <a:lnRef idx="2">
+            <a:schemeClr val="accent1">
+              <a:shade val="50000"/>
+            </a:schemeClr>
+          </a:lnRef>
+          <a:fillRef idx="1">
+            <a:schemeClr val="accent1"/>
+          </a:fillRef>
+          <a:effectRef idx="0">
+            <a:schemeClr val="accent1"/>
+          </a:effectRef>
+          <a:fontRef idx="minor">
+            <a:schemeClr val="lt1"/>
+          </a:fontRef>
+        </p:style>
+        <p:txBody>
+          <a:bodyPr rtlCol="0" anchor="ctr"/>
+          <a:lstStyle/>
+          <a:p>
+            <a:pPr algn="ctr"/>
+            <a:r>
+              <a:rPr lang="en-US" dirty="0"/>
+              <a:t>Data Model</a:t>
+            </a:r>
+          </a:p>
+          <a:p>
+            <a:pPr algn="ctr"/>
+            <a:r>
+              <a:rPr lang="en-US" dirty="0"/>
+              <a:t>Training</a:t>
+            </a:r>
+          </a:p>
+        </p:txBody>
+      </p:sp>
+      <p:sp>
+        <p:nvSpPr>
+          <p:cNvPr id="23" name="Oval 22">
+            <a:extLst>
+              <a:ext uri="{FF2B5EF4-FFF2-40B4-BE49-F238E27FC236}">
+                <a16:creationId xmlns:a16="http://schemas.microsoft.com/office/drawing/2014/main" id="{83A31B9F-58C9-8348-9A17-A43E06B9DDC2}"/>
+              </a:ext>
+            </a:extLst>
+          </p:cNvPr>
+          <p:cNvSpPr/>
+          <p:nvPr/>
+        </p:nvSpPr>
+        <p:spPr>
+          <a:xfrm>
+            <a:off x="4161447" y="4649935"/>
+            <a:ext cx="2428061" cy="836103"/>
+          </a:xfrm>
+          <a:prstGeom prst="ellipse">
+            <a:avLst/>
+          </a:prstGeom>
+          <a:solidFill>
+            <a:srgbClr val="C00000"/>
+          </a:solidFill>
+          <a:ln w="38100">
+            <a:solidFill>
+              <a:schemeClr val="tx1"/>
+            </a:solidFill>
+          </a:ln>
+        </p:spPr>
+        <p:style>
+          <a:lnRef idx="2">
+            <a:schemeClr val="accent1">
+              <a:shade val="50000"/>
+            </a:schemeClr>
+          </a:lnRef>
+          <a:fillRef idx="1">
+            <a:schemeClr val="accent1"/>
+          </a:fillRef>
+          <a:effectRef idx="0">
+            <a:schemeClr val="accent1"/>
+          </a:effectRef>
+          <a:fontRef idx="minor">
+            <a:schemeClr val="lt1"/>
+          </a:fontRef>
+        </p:style>
+        <p:txBody>
+          <a:bodyPr rtlCol="0" anchor="ctr"/>
+          <a:lstStyle/>
+          <a:p>
+            <a:pPr algn="ctr"/>
+            <a:r>
+              <a:rPr lang="en-US" dirty="0"/>
+              <a:t>Constant Rework</a:t>
+            </a:r>
+          </a:p>
+        </p:txBody>
+      </p:sp>
+      <p:cxnSp>
+        <p:nvCxnSpPr>
+          <p:cNvPr id="26" name="Curved Connector 25">
+            <a:extLst>
+              <a:ext uri="{FF2B5EF4-FFF2-40B4-BE49-F238E27FC236}">
+                <a16:creationId xmlns:a16="http://schemas.microsoft.com/office/drawing/2014/main" id="{B426D33E-7C9A-BA42-82E1-C08E906E67DE}"/>
+              </a:ext>
+            </a:extLst>
+          </p:cNvPr>
+          <p:cNvCxnSpPr>
+            <a:cxnSpLocks/>
+            <a:stCxn id="29" idx="2"/>
+            <a:endCxn id="42" idx="0"/>
+          </p:cNvCxnSpPr>
+          <p:nvPr/>
+        </p:nvCxnSpPr>
+        <p:spPr>
+          <a:xfrm rot="10800000" flipV="1">
+            <a:off x="2678885" y="1682265"/>
+            <a:ext cx="1334398" cy="470728"/>
+          </a:xfrm>
+          <a:prstGeom prst="curvedConnector2">
+            <a:avLst/>
+          </a:prstGeom>
+          <a:ln w="57150">
+            <a:solidFill>
+              <a:schemeClr val="tx1"/>
+            </a:solidFill>
+            <a:tailEnd type="triangle"/>
+          </a:ln>
+        </p:spPr>
+        <p:style>
+          <a:lnRef idx="1">
+            <a:schemeClr val="accent1"/>
+          </a:lnRef>
+          <a:fillRef idx="0">
+            <a:schemeClr val="accent1"/>
+          </a:fillRef>
+          <a:effectRef idx="0">
+            <a:schemeClr val="accent1"/>
+          </a:effectRef>
+          <a:fontRef idx="minor">
+            <a:schemeClr val="tx1"/>
+          </a:fontRef>
+        </p:style>
+      </p:cxnSp>
+      <p:sp>
+        <p:nvSpPr>
+          <p:cNvPr id="27" name="Cross 26">
+            <a:extLst>
+              <a:ext uri="{FF2B5EF4-FFF2-40B4-BE49-F238E27FC236}">
+                <a16:creationId xmlns:a16="http://schemas.microsoft.com/office/drawing/2014/main" id="{7296F17A-6635-A64C-BD94-4ACE1F071B50}"/>
+              </a:ext>
+            </a:extLst>
+          </p:cNvPr>
+          <p:cNvSpPr/>
+          <p:nvPr/>
+        </p:nvSpPr>
+        <p:spPr>
+          <a:xfrm>
+            <a:off x="5323289" y="2311810"/>
+            <a:ext cx="386356" cy="369332"/>
+          </a:xfrm>
+          <a:prstGeom prst="plus">
+            <a:avLst>
+              <a:gd name="adj" fmla="val 34773"/>
+            </a:avLst>
+          </a:prstGeom>
+          <a:solidFill>
+            <a:srgbClr val="00B050"/>
+          </a:solidFill>
+        </p:spPr>
+        <p:style>
+          <a:lnRef idx="2">
+            <a:schemeClr val="accent1">
+              <a:shade val="50000"/>
+            </a:schemeClr>
+          </a:lnRef>
+          <a:fillRef idx="1">
+            <a:schemeClr val="accent1"/>
+          </a:fillRef>
+          <a:effectRef idx="0">
+            <a:schemeClr val="accent1"/>
+          </a:effectRef>
+          <a:fontRef idx="minor">
+            <a:schemeClr val="lt1"/>
+          </a:fontRef>
+        </p:style>
+        <p:txBody>
+          <a:bodyPr rtlCol="0" anchor="ctr"/>
+          <a:lstStyle/>
+          <a:p>
+            <a:pPr algn="ctr"/>
+            <a:endParaRPr lang="en-US"/>
+          </a:p>
+        </p:txBody>
+      </p:sp>
+      <p:sp>
+        <p:nvSpPr>
+          <p:cNvPr id="28" name="Oval 27">
+            <a:extLst>
+              <a:ext uri="{FF2B5EF4-FFF2-40B4-BE49-F238E27FC236}">
+                <a16:creationId xmlns:a16="http://schemas.microsoft.com/office/drawing/2014/main" id="{C8DE9E92-E5DF-1A4A-BC27-D142A66CD839}"/>
+              </a:ext>
+            </a:extLst>
+          </p:cNvPr>
+          <p:cNvSpPr/>
+          <p:nvPr/>
+        </p:nvSpPr>
+        <p:spPr>
+          <a:xfrm>
+            <a:off x="7266611" y="1563580"/>
+            <a:ext cx="2785026" cy="912736"/>
+          </a:xfrm>
+          <a:prstGeom prst="ellipse">
+            <a:avLst/>
+          </a:prstGeom>
+          <a:solidFill>
+            <a:srgbClr val="00B050"/>
+          </a:solidFill>
+          <a:ln w="38100">
+            <a:solidFill>
+              <a:schemeClr val="tx1"/>
+            </a:solidFill>
+          </a:ln>
+        </p:spPr>
+        <p:style>
+          <a:lnRef idx="2">
+            <a:schemeClr val="accent1">
+              <a:shade val="50000"/>
+            </a:schemeClr>
+          </a:lnRef>
+          <a:fillRef idx="1">
+            <a:schemeClr val="accent1"/>
+          </a:fillRef>
+          <a:effectRef idx="0">
+            <a:schemeClr val="accent1"/>
+          </a:effectRef>
+          <a:fontRef idx="minor">
+            <a:schemeClr val="lt1"/>
+          </a:fontRef>
+        </p:style>
+        <p:txBody>
+          <a:bodyPr rtlCol="0" anchor="ctr"/>
+          <a:lstStyle/>
+          <a:p>
+            <a:pPr algn="ctr"/>
+            <a:r>
+              <a:rPr lang="en-US" dirty="0"/>
+              <a:t>Precise Data Models</a:t>
+            </a:r>
+          </a:p>
+        </p:txBody>
+      </p:sp>
+      <p:sp>
+        <p:nvSpPr>
+          <p:cNvPr id="29" name="Oval 28">
+            <a:extLst>
+              <a:ext uri="{FF2B5EF4-FFF2-40B4-BE49-F238E27FC236}">
+                <a16:creationId xmlns:a16="http://schemas.microsoft.com/office/drawing/2014/main" id="{C56D6F67-21D9-C148-A65B-EE8FC30FD049}"/>
+              </a:ext>
+            </a:extLst>
+          </p:cNvPr>
+          <p:cNvSpPr/>
+          <p:nvPr/>
+        </p:nvSpPr>
+        <p:spPr>
+          <a:xfrm>
+            <a:off x="4013283" y="1339365"/>
+            <a:ext cx="2428061" cy="685800"/>
+          </a:xfrm>
+          <a:prstGeom prst="ellipse">
+            <a:avLst/>
+          </a:prstGeom>
+          <a:solidFill>
+            <a:srgbClr val="00B050"/>
+          </a:solidFill>
+          <a:ln w="38100">
+            <a:solidFill>
+              <a:schemeClr val="tx1"/>
+            </a:solidFill>
+          </a:ln>
+        </p:spPr>
+        <p:style>
+          <a:lnRef idx="2">
+            <a:schemeClr val="accent1">
+              <a:shade val="50000"/>
+            </a:schemeClr>
+          </a:lnRef>
+          <a:fillRef idx="1">
+            <a:schemeClr val="accent1"/>
+          </a:fillRef>
+          <a:effectRef idx="0">
+            <a:schemeClr val="accent1"/>
+          </a:effectRef>
+          <a:fontRef idx="minor">
+            <a:schemeClr val="lt1"/>
+          </a:fontRef>
+        </p:style>
+        <p:txBody>
+          <a:bodyPr rtlCol="0" anchor="ctr"/>
+          <a:lstStyle/>
+          <a:p>
+            <a:pPr algn="ctr"/>
+            <a:r>
+              <a:rPr lang="en-US" dirty="0"/>
+              <a:t>Higher Sharing of EKG</a:t>
+            </a:r>
+          </a:p>
+        </p:txBody>
+      </p:sp>
+      <p:cxnSp>
+        <p:nvCxnSpPr>
+          <p:cNvPr id="30" name="Curved Connector 29">
+            <a:extLst>
+              <a:ext uri="{FF2B5EF4-FFF2-40B4-BE49-F238E27FC236}">
+                <a16:creationId xmlns:a16="http://schemas.microsoft.com/office/drawing/2014/main" id="{19F58C53-9118-714D-90DF-EDFF5055DD08}"/>
+              </a:ext>
+            </a:extLst>
+          </p:cNvPr>
+          <p:cNvCxnSpPr>
+            <a:cxnSpLocks/>
+            <a:stCxn id="19" idx="6"/>
+            <a:endCxn id="28" idx="4"/>
+          </p:cNvCxnSpPr>
+          <p:nvPr/>
+        </p:nvCxnSpPr>
+        <p:spPr>
+          <a:xfrm flipV="1">
+            <a:off x="6441344" y="2476316"/>
+            <a:ext cx="2217780" cy="933638"/>
+          </a:xfrm>
+          <a:prstGeom prst="curvedConnector2">
+            <a:avLst/>
+          </a:prstGeom>
+          <a:ln w="57150">
+            <a:solidFill>
+              <a:schemeClr val="tx1"/>
+            </a:solidFill>
+            <a:tailEnd type="triangle"/>
+          </a:ln>
+        </p:spPr>
+        <p:style>
+          <a:lnRef idx="1">
+            <a:schemeClr val="accent1"/>
+          </a:lnRef>
+          <a:fillRef idx="0">
+            <a:schemeClr val="accent1"/>
+          </a:fillRef>
+          <a:effectRef idx="0">
+            <a:schemeClr val="accent1"/>
+          </a:effectRef>
+          <a:fontRef idx="minor">
+            <a:schemeClr val="tx1"/>
+          </a:fontRef>
+        </p:style>
+      </p:cxnSp>
+      <p:cxnSp>
+        <p:nvCxnSpPr>
+          <p:cNvPr id="31" name="Curved Connector 30">
+            <a:extLst>
+              <a:ext uri="{FF2B5EF4-FFF2-40B4-BE49-F238E27FC236}">
+                <a16:creationId xmlns:a16="http://schemas.microsoft.com/office/drawing/2014/main" id="{B91C69D7-4245-224C-B804-448DEC48B510}"/>
+              </a:ext>
+            </a:extLst>
+          </p:cNvPr>
+          <p:cNvCxnSpPr>
+            <a:cxnSpLocks/>
+            <a:stCxn id="19" idx="6"/>
+            <a:endCxn id="33" idx="1"/>
+          </p:cNvCxnSpPr>
+          <p:nvPr/>
+        </p:nvCxnSpPr>
+        <p:spPr>
+          <a:xfrm>
+            <a:off x="6441344" y="3409954"/>
+            <a:ext cx="1427447" cy="701175"/>
+          </a:xfrm>
+          <a:prstGeom prst="curvedConnector2">
+            <a:avLst/>
+          </a:prstGeom>
+          <a:ln w="57150">
+            <a:solidFill>
+              <a:schemeClr val="tx1"/>
+            </a:solidFill>
+            <a:tailEnd type="triangle"/>
+          </a:ln>
+        </p:spPr>
+        <p:style>
+          <a:lnRef idx="1">
+            <a:schemeClr val="accent1"/>
+          </a:lnRef>
+          <a:fillRef idx="0">
+            <a:schemeClr val="accent1"/>
+          </a:fillRef>
+          <a:effectRef idx="0">
+            <a:schemeClr val="accent1"/>
+          </a:effectRef>
+          <a:fontRef idx="minor">
+            <a:schemeClr val="tx1"/>
+          </a:fontRef>
+        </p:style>
+      </p:cxnSp>
+      <p:cxnSp>
+        <p:nvCxnSpPr>
+          <p:cNvPr id="32" name="Curved Connector 31">
+            <a:extLst>
+              <a:ext uri="{FF2B5EF4-FFF2-40B4-BE49-F238E27FC236}">
+                <a16:creationId xmlns:a16="http://schemas.microsoft.com/office/drawing/2014/main" id="{A8F46795-BD46-4347-B383-77F9F9360829}"/>
+              </a:ext>
+            </a:extLst>
+          </p:cNvPr>
+          <p:cNvCxnSpPr>
+            <a:cxnSpLocks/>
+            <a:stCxn id="23" idx="2"/>
+            <a:endCxn id="48" idx="4"/>
+          </p:cNvCxnSpPr>
+          <p:nvPr/>
+        </p:nvCxnSpPr>
+        <p:spPr>
+          <a:xfrm rot="10800000">
+            <a:off x="2818255" y="4744235"/>
+            <a:ext cx="1343193" cy="323752"/>
+          </a:xfrm>
+          <a:prstGeom prst="curvedConnector2">
+            <a:avLst/>
+          </a:prstGeom>
+          <a:ln w="57150">
+            <a:solidFill>
+              <a:schemeClr val="tx1"/>
+            </a:solidFill>
+            <a:tailEnd type="triangle"/>
+          </a:ln>
+        </p:spPr>
+        <p:style>
+          <a:lnRef idx="1">
+            <a:schemeClr val="accent1"/>
+          </a:lnRef>
+          <a:fillRef idx="0">
+            <a:schemeClr val="accent1"/>
+          </a:fillRef>
+          <a:effectRef idx="0">
+            <a:schemeClr val="accent1"/>
+          </a:effectRef>
+          <a:fontRef idx="minor">
+            <a:schemeClr val="tx1"/>
+          </a:fontRef>
+        </p:style>
+      </p:cxnSp>
+      <p:sp>
+        <p:nvSpPr>
+          <p:cNvPr id="33" name="Oval 32">
+            <a:extLst>
+              <a:ext uri="{FF2B5EF4-FFF2-40B4-BE49-F238E27FC236}">
+                <a16:creationId xmlns:a16="http://schemas.microsoft.com/office/drawing/2014/main" id="{F10D73D8-A4F6-BD42-8A8B-25EAE00A7812}"/>
+              </a:ext>
+            </a:extLst>
+          </p:cNvPr>
+          <p:cNvSpPr/>
+          <p:nvPr/>
+        </p:nvSpPr>
+        <p:spPr>
+          <a:xfrm>
+            <a:off x="7513210" y="4010696"/>
+            <a:ext cx="2428061" cy="685800"/>
+          </a:xfrm>
+          <a:prstGeom prst="ellipse">
+            <a:avLst/>
+          </a:prstGeom>
+          <a:solidFill>
+            <a:srgbClr val="C00000"/>
+          </a:solidFill>
+          <a:ln w="38100">
+            <a:solidFill>
+              <a:schemeClr val="tx1"/>
+            </a:solidFill>
+          </a:ln>
+        </p:spPr>
+        <p:style>
+          <a:lnRef idx="2">
+            <a:schemeClr val="accent1">
+              <a:shade val="50000"/>
+            </a:schemeClr>
+          </a:lnRef>
+          <a:fillRef idx="1">
+            <a:schemeClr val="accent1"/>
+          </a:fillRef>
+          <a:effectRef idx="0">
+            <a:schemeClr val="accent1"/>
+          </a:effectRef>
+          <a:fontRef idx="minor">
+            <a:schemeClr val="lt1"/>
+          </a:fontRef>
+        </p:style>
+        <p:txBody>
+          <a:bodyPr rtlCol="0" anchor="ctr"/>
+          <a:lstStyle/>
+          <a:p>
+            <a:pPr algn="ctr"/>
+            <a:r>
+              <a:rPr lang="en-US" dirty="0"/>
+              <a:t>Poor Data Models</a:t>
+            </a:r>
+          </a:p>
+        </p:txBody>
+      </p:sp>
+      <p:cxnSp>
+        <p:nvCxnSpPr>
+          <p:cNvPr id="34" name="Curved Connector 33">
+            <a:extLst>
+              <a:ext uri="{FF2B5EF4-FFF2-40B4-BE49-F238E27FC236}">
+                <a16:creationId xmlns:a16="http://schemas.microsoft.com/office/drawing/2014/main" id="{567ECB5C-64A0-B84A-9885-BDDB8E589728}"/>
+              </a:ext>
+            </a:extLst>
+          </p:cNvPr>
+          <p:cNvCxnSpPr>
+            <a:cxnSpLocks/>
+            <a:stCxn id="33" idx="3"/>
+            <a:endCxn id="23" idx="6"/>
+          </p:cNvCxnSpPr>
+          <p:nvPr/>
+        </p:nvCxnSpPr>
+        <p:spPr>
+          <a:xfrm rot="5400000">
+            <a:off x="6993188" y="4192384"/>
+            <a:ext cx="471924" cy="1279283"/>
+          </a:xfrm>
+          <a:prstGeom prst="curvedConnector2">
+            <a:avLst/>
+          </a:prstGeom>
+          <a:ln w="57150">
+            <a:solidFill>
+              <a:schemeClr val="tx1"/>
+            </a:solidFill>
+            <a:tailEnd type="triangle"/>
+          </a:ln>
+        </p:spPr>
+        <p:style>
+          <a:lnRef idx="1">
+            <a:schemeClr val="accent1"/>
+          </a:lnRef>
+          <a:fillRef idx="0">
+            <a:schemeClr val="accent1"/>
+          </a:fillRef>
+          <a:effectRef idx="0">
+            <a:schemeClr val="accent1"/>
+          </a:effectRef>
+          <a:fontRef idx="minor">
+            <a:schemeClr val="tx1"/>
+          </a:fontRef>
+        </p:style>
+      </p:cxnSp>
+      <p:sp>
+        <p:nvSpPr>
+          <p:cNvPr id="36" name="Rectangle 35">
+            <a:extLst>
+              <a:ext uri="{FF2B5EF4-FFF2-40B4-BE49-F238E27FC236}">
+                <a16:creationId xmlns:a16="http://schemas.microsoft.com/office/drawing/2014/main" id="{436C57A6-27D9-3B4D-BF83-0B9B5361EFF2}"/>
+              </a:ext>
+            </a:extLst>
+          </p:cNvPr>
+          <p:cNvSpPr/>
+          <p:nvPr/>
+        </p:nvSpPr>
+        <p:spPr>
+          <a:xfrm>
+            <a:off x="5329344" y="4124519"/>
+            <a:ext cx="386356" cy="118044"/>
+          </a:xfrm>
+          <a:prstGeom prst="rect">
+            <a:avLst/>
+          </a:prstGeom>
+          <a:solidFill>
+            <a:srgbClr val="C00000"/>
+          </a:solidFill>
+        </p:spPr>
+        <p:style>
+          <a:lnRef idx="2">
+            <a:schemeClr val="accent1">
+              <a:shade val="50000"/>
+            </a:schemeClr>
+          </a:lnRef>
+          <a:fillRef idx="1">
+            <a:schemeClr val="accent1"/>
+          </a:fillRef>
+          <a:effectRef idx="0">
+            <a:schemeClr val="accent1"/>
+          </a:effectRef>
+          <a:fontRef idx="minor">
+            <a:schemeClr val="lt1"/>
+          </a:fontRef>
+        </p:style>
+        <p:txBody>
+          <a:bodyPr rtlCol="0" anchor="ctr"/>
+          <a:lstStyle/>
+          <a:p>
+            <a:pPr algn="ctr"/>
+            <a:endParaRPr lang="en-US"/>
+          </a:p>
+        </p:txBody>
+      </p:sp>
+      <p:cxnSp>
+        <p:nvCxnSpPr>
+          <p:cNvPr id="37" name="Curved Connector 36">
+            <a:extLst>
+              <a:ext uri="{FF2B5EF4-FFF2-40B4-BE49-F238E27FC236}">
+                <a16:creationId xmlns:a16="http://schemas.microsoft.com/office/drawing/2014/main" id="{4EA9A8F5-0EC8-6F48-BC5C-A6CA86D43A1B}"/>
+              </a:ext>
+            </a:extLst>
+          </p:cNvPr>
+          <p:cNvCxnSpPr>
+            <a:cxnSpLocks/>
+            <a:stCxn id="28" idx="2"/>
+            <a:endCxn id="29" idx="6"/>
+          </p:cNvCxnSpPr>
+          <p:nvPr/>
+        </p:nvCxnSpPr>
+        <p:spPr>
+          <a:xfrm rot="10800000">
+            <a:off x="6441345" y="1682266"/>
+            <a:ext cx="825267" cy="337683"/>
+          </a:xfrm>
+          <a:prstGeom prst="curvedConnector3">
+            <a:avLst>
+              <a:gd name="adj1" fmla="val 50000"/>
+            </a:avLst>
+          </a:prstGeom>
+          <a:ln w="57150">
+            <a:solidFill>
+              <a:schemeClr val="tx1"/>
+            </a:solidFill>
+            <a:tailEnd type="triangle"/>
+          </a:ln>
+        </p:spPr>
+        <p:style>
+          <a:lnRef idx="1">
+            <a:schemeClr val="accent1"/>
+          </a:lnRef>
+          <a:fillRef idx="0">
+            <a:schemeClr val="accent1"/>
+          </a:fillRef>
+          <a:effectRef idx="0">
+            <a:schemeClr val="accent1"/>
+          </a:effectRef>
+          <a:fontRef idx="minor">
+            <a:schemeClr val="tx1"/>
+          </a:fontRef>
+        </p:style>
+      </p:cxnSp>
+      <p:sp>
+        <p:nvSpPr>
+          <p:cNvPr id="38" name="TextBox 37">
+            <a:extLst>
+              <a:ext uri="{FF2B5EF4-FFF2-40B4-BE49-F238E27FC236}">
+                <a16:creationId xmlns:a16="http://schemas.microsoft.com/office/drawing/2014/main" id="{37721E88-B393-FA49-9D1B-129852CFF1A6}"/>
+              </a:ext>
+            </a:extLst>
+          </p:cNvPr>
+          <p:cNvSpPr txBox="1"/>
+          <p:nvPr/>
+        </p:nvSpPr>
+        <p:spPr>
+          <a:xfrm>
+            <a:off x="7868791" y="3554213"/>
+            <a:ext cx="1296252" cy="369332"/>
+          </a:xfrm>
+          <a:prstGeom prst="rect">
+            <a:avLst/>
+          </a:prstGeom>
+          <a:noFill/>
+        </p:spPr>
+        <p:txBody>
+          <a:bodyPr wrap="none" rtlCol="0">
+            <a:spAutoFit/>
+          </a:bodyPr>
+          <a:lstStyle/>
+          <a:p>
+            <a:r>
+              <a:rPr lang="en-US" dirty="0"/>
+              <a:t>Low Quality</a:t>
+            </a:r>
+          </a:p>
+        </p:txBody>
+      </p:sp>
+      <p:sp>
+        <p:nvSpPr>
+          <p:cNvPr id="39" name="TextBox 38">
+            <a:extLst>
+              <a:ext uri="{FF2B5EF4-FFF2-40B4-BE49-F238E27FC236}">
+                <a16:creationId xmlns:a16="http://schemas.microsoft.com/office/drawing/2014/main" id="{43AC7746-06BA-3F4B-9C85-0164D6745486}"/>
+              </a:ext>
+            </a:extLst>
+          </p:cNvPr>
+          <p:cNvSpPr txBox="1"/>
+          <p:nvPr/>
+        </p:nvSpPr>
+        <p:spPr>
+          <a:xfrm>
+            <a:off x="6874031" y="2676394"/>
+            <a:ext cx="1340432" cy="369332"/>
+          </a:xfrm>
+          <a:prstGeom prst="rect">
+            <a:avLst/>
+          </a:prstGeom>
+          <a:noFill/>
+        </p:spPr>
+        <p:txBody>
+          <a:bodyPr wrap="none" rtlCol="0">
+            <a:spAutoFit/>
+          </a:bodyPr>
+          <a:lstStyle/>
+          <a:p>
+            <a:r>
+              <a:rPr lang="en-US" dirty="0"/>
+              <a:t>High Quality</a:t>
+            </a:r>
+          </a:p>
+        </p:txBody>
+      </p:sp>
+      <p:sp>
+        <p:nvSpPr>
+          <p:cNvPr id="42" name="Oval 41">
+            <a:extLst>
+              <a:ext uri="{FF2B5EF4-FFF2-40B4-BE49-F238E27FC236}">
+                <a16:creationId xmlns:a16="http://schemas.microsoft.com/office/drawing/2014/main" id="{9F59605B-51B2-D04B-8E57-B8B91E5EE89D}"/>
+              </a:ext>
+            </a:extLst>
+          </p:cNvPr>
+          <p:cNvSpPr/>
+          <p:nvPr/>
+        </p:nvSpPr>
+        <p:spPr>
+          <a:xfrm>
+            <a:off x="1464854" y="2152993"/>
+            <a:ext cx="2428061" cy="685800"/>
+          </a:xfrm>
+          <a:prstGeom prst="ellipse">
+            <a:avLst/>
+          </a:prstGeom>
+          <a:solidFill>
+            <a:srgbClr val="00B050"/>
+          </a:solidFill>
+          <a:ln w="38100">
+            <a:solidFill>
+              <a:schemeClr val="tx1"/>
+            </a:solidFill>
+          </a:ln>
+        </p:spPr>
+        <p:style>
+          <a:lnRef idx="2">
+            <a:schemeClr val="accent1">
+              <a:shade val="50000"/>
+            </a:schemeClr>
+          </a:lnRef>
+          <a:fillRef idx="1">
+            <a:schemeClr val="accent1"/>
+          </a:fillRef>
+          <a:effectRef idx="0">
+            <a:schemeClr val="accent1"/>
+          </a:effectRef>
+          <a:fontRef idx="minor">
+            <a:schemeClr val="lt1"/>
+          </a:fontRef>
+        </p:style>
+        <p:txBody>
+          <a:bodyPr rtlCol="0" anchor="ctr"/>
+          <a:lstStyle/>
+          <a:p>
+            <a:pPr algn="ctr"/>
+            <a:r>
+              <a:rPr lang="en-US" dirty="0"/>
+              <a:t>Cost Savings</a:t>
+            </a:r>
+          </a:p>
+        </p:txBody>
+      </p:sp>
+      <p:cxnSp>
+        <p:nvCxnSpPr>
+          <p:cNvPr id="45" name="Curved Connector 44">
+            <a:extLst>
+              <a:ext uri="{FF2B5EF4-FFF2-40B4-BE49-F238E27FC236}">
+                <a16:creationId xmlns:a16="http://schemas.microsoft.com/office/drawing/2014/main" id="{A2FD4DC8-94F4-244D-8C1B-F22A53F4C6A9}"/>
+              </a:ext>
+            </a:extLst>
+          </p:cNvPr>
+          <p:cNvCxnSpPr>
+            <a:cxnSpLocks/>
+            <a:stCxn id="42" idx="4"/>
+            <a:endCxn id="19" idx="2"/>
+          </p:cNvCxnSpPr>
+          <p:nvPr/>
+        </p:nvCxnSpPr>
+        <p:spPr>
+          <a:xfrm rot="16200000" flipH="1">
+            <a:off x="3275913" y="2241764"/>
+            <a:ext cx="571161" cy="1765217"/>
+          </a:xfrm>
+          <a:prstGeom prst="curvedConnector2">
+            <a:avLst/>
+          </a:prstGeom>
+          <a:ln w="57150">
+            <a:solidFill>
+              <a:schemeClr val="tx1"/>
+            </a:solidFill>
+            <a:tailEnd type="triangle"/>
+          </a:ln>
+        </p:spPr>
+        <p:style>
+          <a:lnRef idx="1">
+            <a:schemeClr val="accent1"/>
+          </a:lnRef>
+          <a:fillRef idx="0">
+            <a:schemeClr val="accent1"/>
+          </a:fillRef>
+          <a:effectRef idx="0">
+            <a:schemeClr val="accent1"/>
+          </a:effectRef>
+          <a:fontRef idx="minor">
+            <a:schemeClr val="tx1"/>
+          </a:fontRef>
+        </p:style>
+      </p:cxnSp>
+      <p:sp>
+        <p:nvSpPr>
+          <p:cNvPr id="48" name="Oval 47">
+            <a:extLst>
+              <a:ext uri="{FF2B5EF4-FFF2-40B4-BE49-F238E27FC236}">
+                <a16:creationId xmlns:a16="http://schemas.microsoft.com/office/drawing/2014/main" id="{4273E6B7-E295-7846-86AE-E5082548DDAA}"/>
+              </a:ext>
+            </a:extLst>
+          </p:cNvPr>
+          <p:cNvSpPr/>
+          <p:nvPr/>
+        </p:nvSpPr>
+        <p:spPr>
+          <a:xfrm>
+            <a:off x="1604223" y="4051740"/>
+            <a:ext cx="2428061" cy="692495"/>
+          </a:xfrm>
+          <a:prstGeom prst="ellipse">
+            <a:avLst/>
+          </a:prstGeom>
+          <a:solidFill>
+            <a:srgbClr val="C00000"/>
+          </a:solidFill>
+          <a:ln w="38100">
+            <a:solidFill>
+              <a:schemeClr val="tx1"/>
+            </a:solidFill>
+          </a:ln>
+        </p:spPr>
+        <p:style>
+          <a:lnRef idx="2">
+            <a:schemeClr val="accent1">
+              <a:shade val="50000"/>
+            </a:schemeClr>
+          </a:lnRef>
+          <a:fillRef idx="1">
+            <a:schemeClr val="accent1"/>
+          </a:fillRef>
+          <a:effectRef idx="0">
+            <a:schemeClr val="accent1"/>
+          </a:effectRef>
+          <a:fontRef idx="minor">
+            <a:schemeClr val="lt1"/>
+          </a:fontRef>
+        </p:style>
+        <p:txBody>
+          <a:bodyPr rtlCol="0" anchor="ctr"/>
+          <a:lstStyle/>
+          <a:p>
+            <a:pPr algn="ctr"/>
+            <a:r>
+              <a:rPr lang="en-US" dirty="0"/>
+              <a:t>Higher Costs</a:t>
+            </a:r>
+          </a:p>
+        </p:txBody>
+      </p:sp>
+      <p:cxnSp>
+        <p:nvCxnSpPr>
+          <p:cNvPr id="58" name="Curved Connector 57">
+            <a:extLst>
+              <a:ext uri="{FF2B5EF4-FFF2-40B4-BE49-F238E27FC236}">
+                <a16:creationId xmlns:a16="http://schemas.microsoft.com/office/drawing/2014/main" id="{4C96BA28-4FBA-9447-9047-BE2403AB0E6C}"/>
+              </a:ext>
+            </a:extLst>
+          </p:cNvPr>
+          <p:cNvCxnSpPr>
+            <a:cxnSpLocks/>
+            <a:stCxn id="48" idx="0"/>
+            <a:endCxn id="19" idx="3"/>
+          </p:cNvCxnSpPr>
+          <p:nvPr/>
+        </p:nvCxnSpPr>
+        <p:spPr>
+          <a:xfrm rot="5400000" flipH="1" flipV="1">
+            <a:off x="3577763" y="2892913"/>
+            <a:ext cx="399319" cy="1918337"/>
+          </a:xfrm>
+          <a:prstGeom prst="curvedConnector3">
+            <a:avLst>
+              <a:gd name="adj1" fmla="val 50000"/>
+            </a:avLst>
+          </a:prstGeom>
+          <a:ln w="57150">
+            <a:solidFill>
+              <a:schemeClr val="tx1"/>
+            </a:solidFill>
+            <a:tailEnd type="triangle"/>
+          </a:ln>
+        </p:spPr>
+        <p:style>
+          <a:lnRef idx="1">
+            <a:schemeClr val="accent1"/>
+          </a:lnRef>
+          <a:fillRef idx="0">
+            <a:schemeClr val="accent1"/>
+          </a:fillRef>
+          <a:effectRef idx="0">
+            <a:schemeClr val="accent1"/>
+          </a:effectRef>
+          <a:fontRef idx="minor">
+            <a:schemeClr val="tx1"/>
+          </a:fontRef>
+        </p:style>
+      </p:cxnSp>
+      <p:sp>
+        <p:nvSpPr>
+          <p:cNvPr id="35" name="TextBox 34">
+            <a:extLst>
+              <a:ext uri="{FF2B5EF4-FFF2-40B4-BE49-F238E27FC236}">
+                <a16:creationId xmlns:a16="http://schemas.microsoft.com/office/drawing/2014/main" id="{7A3C0BC2-8231-9946-8D51-1AD38A3D2D90}"/>
+              </a:ext>
+            </a:extLst>
+          </p:cNvPr>
+          <p:cNvSpPr txBox="1"/>
+          <p:nvPr/>
+        </p:nvSpPr>
+        <p:spPr>
+          <a:xfrm>
+            <a:off x="7902706" y="4898252"/>
+            <a:ext cx="3667158" cy="369332"/>
+          </a:xfrm>
+          <a:prstGeom prst="rect">
+            <a:avLst/>
+          </a:prstGeom>
+          <a:noFill/>
+        </p:spPr>
+        <p:txBody>
+          <a:bodyPr wrap="none" rtlCol="0">
+            <a:spAutoFit/>
+          </a:bodyPr>
+          <a:lstStyle/>
+          <a:p>
+            <a:r>
+              <a:rPr lang="en-US" i="1" dirty="0"/>
+              <a:t>We just modeled this like our RDBMS</a:t>
+            </a:r>
+          </a:p>
+        </p:txBody>
+      </p:sp>
+      <p:sp>
+        <p:nvSpPr>
+          <p:cNvPr id="40" name="TextBox 39">
+            <a:extLst>
+              <a:ext uri="{FF2B5EF4-FFF2-40B4-BE49-F238E27FC236}">
+                <a16:creationId xmlns:a16="http://schemas.microsoft.com/office/drawing/2014/main" id="{351B449C-D30B-6349-91F5-48C9865889B3}"/>
+              </a:ext>
+            </a:extLst>
+          </p:cNvPr>
+          <p:cNvSpPr txBox="1"/>
+          <p:nvPr/>
+        </p:nvSpPr>
+        <p:spPr>
+          <a:xfrm>
+            <a:off x="3161075" y="2852471"/>
+            <a:ext cx="696216" cy="369332"/>
+          </a:xfrm>
+          <a:prstGeom prst="rect">
+            <a:avLst/>
+          </a:prstGeom>
+          <a:noFill/>
+        </p:spPr>
+        <p:txBody>
+          <a:bodyPr wrap="none" rtlCol="0">
+            <a:spAutoFit/>
+          </a:bodyPr>
+          <a:lstStyle/>
+          <a:p>
+            <a:r>
+              <a:rPr lang="en-US" dirty="0"/>
+              <a:t>More</a:t>
+            </a:r>
+          </a:p>
+        </p:txBody>
+      </p:sp>
+      <p:sp>
+        <p:nvSpPr>
+          <p:cNvPr id="41" name="TextBox 40">
+            <a:extLst>
+              <a:ext uri="{FF2B5EF4-FFF2-40B4-BE49-F238E27FC236}">
+                <a16:creationId xmlns:a16="http://schemas.microsoft.com/office/drawing/2014/main" id="{8D77E980-F981-5149-94EE-6B8E47725C74}"/>
+              </a:ext>
+            </a:extLst>
+          </p:cNvPr>
+          <p:cNvSpPr txBox="1"/>
+          <p:nvPr/>
+        </p:nvSpPr>
+        <p:spPr>
+          <a:xfrm>
+            <a:off x="3130257" y="3473647"/>
+            <a:ext cx="577402" cy="369332"/>
+          </a:xfrm>
+          <a:prstGeom prst="rect">
+            <a:avLst/>
+          </a:prstGeom>
+          <a:noFill/>
+        </p:spPr>
+        <p:txBody>
+          <a:bodyPr wrap="none" rtlCol="0">
+            <a:spAutoFit/>
+          </a:bodyPr>
+          <a:lstStyle/>
+          <a:p>
+            <a:r>
+              <a:rPr lang="en-US" dirty="0"/>
+              <a:t>Less</a:t>
+            </a:r>
+          </a:p>
+        </p:txBody>
+      </p:sp>
     </p:spTree>
     <p:extLst>
       <p:ext uri="{BB962C8B-B14F-4D97-AF65-F5344CB8AC3E}">
-        <p14:creationId xmlns:p14="http://schemas.microsoft.com/office/powerpoint/2010/main" val="144799565"/>
+        <p14:creationId xmlns:p14="http://schemas.microsoft.com/office/powerpoint/2010/main" val="2470032616"/>
       </p:ext>
     </p:extLst>
   </p:cSld>
@@ -43356,6 +44150,141 @@
           <p:cNvPr id="2" name="Title 1">
             <a:extLst>
               <a:ext uri="{FF2B5EF4-FFF2-40B4-BE49-F238E27FC236}">
+                <a16:creationId xmlns:a16="http://schemas.microsoft.com/office/drawing/2014/main" id="{1A21E1C6-CC43-0C43-831B-02DD34BCD428}"/>
+              </a:ext>
+            </a:extLst>
+          </p:cNvPr>
+          <p:cNvSpPr>
+            <a:spLocks noGrp="1"/>
+          </p:cNvSpPr>
+          <p:nvPr>
+            <p:ph type="title"/>
+          </p:nvPr>
+        </p:nvSpPr>
+        <p:spPr/>
+        <p:txBody>
+          <a:bodyPr>
+            <a:normAutofit fontScale="90000"/>
+          </a:bodyPr>
+          <a:lstStyle/>
+          <a:p>
+            <a:r>
+              <a:rPr lang="en-US" dirty="0"/>
+              <a:t>Systems Thinking Terminology</a:t>
+            </a:r>
+          </a:p>
+        </p:txBody>
+      </p:sp>
+      <p:sp>
+        <p:nvSpPr>
+          <p:cNvPr id="3" name="Content Placeholder 2">
+            <a:extLst>
+              <a:ext uri="{FF2B5EF4-FFF2-40B4-BE49-F238E27FC236}">
+                <a16:creationId xmlns:a16="http://schemas.microsoft.com/office/drawing/2014/main" id="{E4657934-20F4-524C-AEA4-B72DE053FDBE}"/>
+              </a:ext>
+            </a:extLst>
+          </p:cNvPr>
+          <p:cNvSpPr>
+            <a:spLocks noGrp="1"/>
+          </p:cNvSpPr>
+          <p:nvPr>
+            <p:ph idx="1"/>
+          </p:nvPr>
+        </p:nvSpPr>
+        <p:spPr/>
+        <p:txBody>
+          <a:bodyPr/>
+          <a:lstStyle/>
+          <a:p>
+            <a:r>
+              <a:rPr lang="en-US" dirty="0"/>
+              <a:t>Unintended consequences</a:t>
+            </a:r>
+          </a:p>
+          <a:p>
+            <a:r>
+              <a:rPr lang="en-US" dirty="0"/>
+              <a:t>Local optimization</a:t>
+            </a:r>
+          </a:p>
+          <a:p>
+            <a:r>
+              <a:rPr lang="en-US" dirty="0"/>
+              <a:t>Optimization to early</a:t>
+            </a:r>
+          </a:p>
+          <a:p>
+            <a:r>
+              <a:rPr lang="en-US" dirty="0"/>
+              <a:t>Emergence</a:t>
+            </a:r>
+          </a:p>
+        </p:txBody>
+      </p:sp>
+      <p:sp>
+        <p:nvSpPr>
+          <p:cNvPr id="5" name="Slide Number Placeholder 4">
+            <a:extLst>
+              <a:ext uri="{FF2B5EF4-FFF2-40B4-BE49-F238E27FC236}">
+                <a16:creationId xmlns:a16="http://schemas.microsoft.com/office/drawing/2014/main" id="{6598F8CA-524A-7347-A171-D07709E386A5}"/>
+              </a:ext>
+            </a:extLst>
+          </p:cNvPr>
+          <p:cNvSpPr>
+            <a:spLocks noGrp="1"/>
+          </p:cNvSpPr>
+          <p:nvPr>
+            <p:ph type="sldNum" sz="quarter" idx="12"/>
+          </p:nvPr>
+        </p:nvSpPr>
+        <p:spPr/>
+        <p:txBody>
+          <a:bodyPr/>
+          <a:lstStyle/>
+          <a:p>
+            <a:fld id="{7269E411-7D29-FF41-8363-58C7F0B695CE}" type="slidenum">
+              <a:rPr lang="en-US" smtClean="0"/>
+              <a:t>44</a:t>
+            </a:fld>
+            <a:endParaRPr lang="en-US"/>
+          </a:p>
+        </p:txBody>
+      </p:sp>
+    </p:spTree>
+    <p:extLst>
+      <p:ext uri="{BB962C8B-B14F-4D97-AF65-F5344CB8AC3E}">
+        <p14:creationId xmlns:p14="http://schemas.microsoft.com/office/powerpoint/2010/main" val="144799565"/>
+      </p:ext>
+    </p:extLst>
+  </p:cSld>
+  <p:clrMapOvr>
+    <a:masterClrMapping/>
+  </p:clrMapOvr>
+</p:sld>
+</file>
+
+<file path=ppt/slides/slide45.xml><?xml version="1.0" encoding="utf-8"?>
+<p:sld xmlns:a="http://schemas.openxmlformats.org/drawingml/2006/main" xmlns:r="http://schemas.openxmlformats.org/officeDocument/2006/relationships" xmlns:p="http://schemas.openxmlformats.org/presentationml/2006/main">
+  <p:cSld>
+    <p:spTree>
+      <p:nvGrpSpPr>
+        <p:cNvPr id="1" name=""/>
+        <p:cNvGrpSpPr/>
+        <p:nvPr/>
+      </p:nvGrpSpPr>
+      <p:grpSpPr>
+        <a:xfrm>
+          <a:off x="0" y="0"/>
+          <a:ext cx="0" cy="0"/>
+          <a:chOff x="0" y="0"/>
+          <a:chExt cx="0" cy="0"/>
+        </a:xfrm>
+      </p:grpSpPr>
+      <p:sp>
+        <p:nvSpPr>
+          <p:cNvPr id="2" name="Title 1">
+            <a:extLst>
+              <a:ext uri="{FF2B5EF4-FFF2-40B4-BE49-F238E27FC236}">
                 <a16:creationId xmlns:a16="http://schemas.microsoft.com/office/drawing/2014/main" id="{2106324B-80C3-1344-9251-92AA644E66B5}"/>
               </a:ext>
             </a:extLst>
@@ -44329,7 +45258,7 @@
 </p:sld>
 </file>
 
-<file path=ppt/slides/slide45.xml><?xml version="1.0" encoding="utf-8"?>
+<file path=ppt/slides/slide46.xml><?xml version="1.0" encoding="utf-8"?>
 <p:sld xmlns:a="http://schemas.openxmlformats.org/drawingml/2006/main" xmlns:r="http://schemas.openxmlformats.org/officeDocument/2006/relationships" xmlns:p="http://schemas.openxmlformats.org/presentationml/2006/main">
   <p:cSld>
     <p:spTree>
@@ -44402,7 +45331,7 @@
           <a:p>
             <a:fld id="{3310D8EA-3107-4873-B9AB-DD7D3E79053A}" type="slidenum">
               <a:rPr lang="en-US" smtClean="0"/>
-              <a:t>45</a:t>
+              <a:t>46</a:t>
             </a:fld>
             <a:endParaRPr lang="en-US"/>
           </a:p>
@@ -45018,7 +45947,7 @@
 </p:sld>
 </file>
 
-<file path=ppt/slides/slide46.xml><?xml version="1.0" encoding="utf-8"?>
+<file path=ppt/slides/slide47.xml><?xml version="1.0" encoding="utf-8"?>
 <p:sld xmlns:a="http://schemas.openxmlformats.org/drawingml/2006/main" xmlns:r="http://schemas.openxmlformats.org/officeDocument/2006/relationships" xmlns:p="http://schemas.openxmlformats.org/presentationml/2006/main">
   <p:cSld>
     <p:spTree>
@@ -45121,7 +46050,7 @@
           <a:p>
             <a:fld id="{7269E411-7D29-FF41-8363-58C7F0B695CE}" type="slidenum">
               <a:rPr lang="en-US" smtClean="0"/>
-              <a:t>46</a:t>
+              <a:t>47</a:t>
             </a:fld>
             <a:endParaRPr lang="en-US"/>
           </a:p>
@@ -45185,169 +46114,6 @@
     <p:extLst>
       <p:ext uri="{BB962C8B-B14F-4D97-AF65-F5344CB8AC3E}">
         <p14:creationId xmlns:p14="http://schemas.microsoft.com/office/powerpoint/2010/main" val="3629220874"/>
-      </p:ext>
-    </p:extLst>
-  </p:cSld>
-  <p:clrMapOvr>
-    <a:masterClrMapping/>
-  </p:clrMapOvr>
-</p:sld>
-</file>
-
-<file path=ppt/slides/slide47.xml><?xml version="1.0" encoding="utf-8"?>
-<p:sld xmlns:a="http://schemas.openxmlformats.org/drawingml/2006/main" xmlns:r="http://schemas.openxmlformats.org/officeDocument/2006/relationships" xmlns:p="http://schemas.openxmlformats.org/presentationml/2006/main">
-  <p:cSld>
-    <p:spTree>
-      <p:nvGrpSpPr>
-        <p:cNvPr id="1" name=""/>
-        <p:cNvGrpSpPr/>
-        <p:nvPr/>
-      </p:nvGrpSpPr>
-      <p:grpSpPr>
-        <a:xfrm>
-          <a:off x="0" y="0"/>
-          <a:ext cx="0" cy="0"/>
-          <a:chOff x="0" y="0"/>
-          <a:chExt cx="0" cy="0"/>
-        </a:xfrm>
-      </p:grpSpPr>
-      <p:sp>
-        <p:nvSpPr>
-          <p:cNvPr id="2" name="Title 1">
-            <a:extLst>
-              <a:ext uri="{FF2B5EF4-FFF2-40B4-BE49-F238E27FC236}">
-                <a16:creationId xmlns:a16="http://schemas.microsoft.com/office/drawing/2014/main" id="{19E10311-25C6-B14C-95B2-E40D7FC1464C}"/>
-              </a:ext>
-            </a:extLst>
-          </p:cNvPr>
-          <p:cNvSpPr>
-            <a:spLocks noGrp="1"/>
-          </p:cNvSpPr>
-          <p:nvPr>
-            <p:ph type="title"/>
-          </p:nvPr>
-        </p:nvSpPr>
-        <p:spPr/>
-        <p:txBody>
-          <a:bodyPr>
-            <a:normAutofit fontScale="90000"/>
-          </a:bodyPr>
-          <a:lstStyle/>
-          <a:p>
-            <a:r>
-              <a:rPr lang="en-US" dirty="0"/>
-              <a:t>Modeling Precision</a:t>
-            </a:r>
-          </a:p>
-        </p:txBody>
-      </p:sp>
-      <p:sp>
-        <p:nvSpPr>
-          <p:cNvPr id="3" name="Content Placeholder 2">
-            <a:extLst>
-              <a:ext uri="{FF2B5EF4-FFF2-40B4-BE49-F238E27FC236}">
-                <a16:creationId xmlns:a16="http://schemas.microsoft.com/office/drawing/2014/main" id="{0FBED1EE-EFA6-E14E-8A5C-155140394839}"/>
-              </a:ext>
-            </a:extLst>
-          </p:cNvPr>
-          <p:cNvSpPr>
-            <a:spLocks noGrp="1"/>
-          </p:cNvSpPr>
-          <p:nvPr>
-            <p:ph idx="1"/>
-          </p:nvPr>
-        </p:nvSpPr>
-        <p:spPr>
-          <a:xfrm>
-            <a:off x="725557" y="2875547"/>
-            <a:ext cx="10628243" cy="3301416"/>
-          </a:xfrm>
-        </p:spPr>
-        <p:txBody>
-          <a:bodyPr/>
-          <a:lstStyle/>
-          <a:p>
-            <a:r>
-              <a:rPr lang="en-US" dirty="0"/>
-              <a:t>Graph data models are better at modeling the real world</a:t>
-            </a:r>
-          </a:p>
-          <a:p>
-            <a:r>
-              <a:rPr lang="en-US" dirty="0"/>
-              <a:t>Models that are correct are easily shared across business units</a:t>
-            </a:r>
-          </a:p>
-        </p:txBody>
-      </p:sp>
-      <p:sp>
-        <p:nvSpPr>
-          <p:cNvPr id="4" name="Slide Number Placeholder 3">
-            <a:extLst>
-              <a:ext uri="{FF2B5EF4-FFF2-40B4-BE49-F238E27FC236}">
-                <a16:creationId xmlns:a16="http://schemas.microsoft.com/office/drawing/2014/main" id="{08668DA0-9882-CE4B-B182-CA09EA8D8920}"/>
-              </a:ext>
-            </a:extLst>
-          </p:cNvPr>
-          <p:cNvSpPr>
-            <a:spLocks noGrp="1"/>
-          </p:cNvSpPr>
-          <p:nvPr>
-            <p:ph type="sldNum" sz="quarter" idx="12"/>
-          </p:nvPr>
-        </p:nvSpPr>
-        <p:spPr/>
-        <p:txBody>
-          <a:bodyPr/>
-          <a:lstStyle/>
-          <a:p>
-            <a:fld id="{7269E411-7D29-FF41-8363-58C7F0B695CE}" type="slidenum">
-              <a:rPr lang="en-US" smtClean="0"/>
-              <a:t>47</a:t>
-            </a:fld>
-            <a:endParaRPr lang="en-US"/>
-          </a:p>
-        </p:txBody>
-      </p:sp>
-      <p:sp>
-        <p:nvSpPr>
-          <p:cNvPr id="5" name="TextBox 4">
-            <a:extLst>
-              <a:ext uri="{FF2B5EF4-FFF2-40B4-BE49-F238E27FC236}">
-                <a16:creationId xmlns:a16="http://schemas.microsoft.com/office/drawing/2014/main" id="{08625689-FC80-2849-A0AE-398DA1128071}"/>
-              </a:ext>
-            </a:extLst>
-          </p:cNvPr>
-          <p:cNvSpPr txBox="1"/>
-          <p:nvPr/>
-        </p:nvSpPr>
-        <p:spPr>
-          <a:xfrm>
-            <a:off x="3658745" y="1601171"/>
-            <a:ext cx="7695055" cy="461665"/>
-          </a:xfrm>
-          <a:prstGeom prst="rect">
-            <a:avLst/>
-          </a:prstGeom>
-          <a:noFill/>
-        </p:spPr>
-        <p:txBody>
-          <a:bodyPr wrap="none" rtlCol="0">
-            <a:spAutoFit/>
-          </a:bodyPr>
-          <a:lstStyle/>
-          <a:p>
-            <a:r>
-              <a:rPr lang="en-US" sz="2400" dirty="0"/>
-              <a:t>All models are wrong. Some models are useful. - George Box</a:t>
-            </a:r>
-          </a:p>
-        </p:txBody>
-      </p:sp>
-    </p:spTree>
-    <p:extLst>
-      <p:ext uri="{BB962C8B-B14F-4D97-AF65-F5344CB8AC3E}">
-        <p14:creationId xmlns:p14="http://schemas.microsoft.com/office/powerpoint/2010/main" val="4147496757"/>
       </p:ext>
     </p:extLst>
   </p:cSld>
@@ -45379,7 +46145,7 @@
           <p:cNvPr id="2" name="Title 1">
             <a:extLst>
               <a:ext uri="{FF2B5EF4-FFF2-40B4-BE49-F238E27FC236}">
-                <a16:creationId xmlns:a16="http://schemas.microsoft.com/office/drawing/2014/main" id="{44770E27-30F6-6A4C-9439-E9EDE8AB382A}"/>
+                <a16:creationId xmlns:a16="http://schemas.microsoft.com/office/drawing/2014/main" id="{19E10311-25C6-B14C-95B2-E40D7FC1464C}"/>
               </a:ext>
             </a:extLst>
           </p:cNvPr>
@@ -45399,7 +46165,7 @@
           <a:p>
             <a:r>
               <a:rPr lang="en-US" dirty="0"/>
-              <a:t>Advanced Systems Theory</a:t>
+              <a:t>Modeling Precision</a:t>
             </a:r>
           </a:p>
         </p:txBody>
@@ -45409,7 +46175,7 @@
           <p:cNvPr id="3" name="Content Placeholder 2">
             <a:extLst>
               <a:ext uri="{FF2B5EF4-FFF2-40B4-BE49-F238E27FC236}">
-                <a16:creationId xmlns:a16="http://schemas.microsoft.com/office/drawing/2014/main" id="{C30608BE-CA09-334F-A2EB-368AF79BCC7D}"/>
+                <a16:creationId xmlns:a16="http://schemas.microsoft.com/office/drawing/2014/main" id="{0FBED1EE-EFA6-E14E-8A5C-155140394839}"/>
               </a:ext>
             </a:extLst>
           </p:cNvPr>
@@ -45422,8 +46188,8 @@
         </p:nvSpPr>
         <p:spPr>
           <a:xfrm>
-            <a:off x="725557" y="5484469"/>
-            <a:ext cx="10628243" cy="692494"/>
+            <a:off x="725557" y="2875547"/>
+            <a:ext cx="10628243" cy="3301416"/>
           </a:xfrm>
         </p:spPr>
         <p:txBody>
@@ -45432,7 +46198,13 @@
           <a:p>
             <a:r>
               <a:rPr lang="en-US" dirty="0"/>
-              <a:t>Fields of Study</a:t>
+              <a:t>Graph data models are better at modeling the real world</a:t>
+            </a:r>
+          </a:p>
+          <a:p>
+            <a:r>
+              <a:rPr lang="en-US" dirty="0"/>
+              <a:t>Models that are correct are easily shared across business units</a:t>
             </a:r>
           </a:p>
         </p:txBody>
@@ -45442,7 +46214,7 @@
           <p:cNvPr id="4" name="Slide Number Placeholder 3">
             <a:extLst>
               <a:ext uri="{FF2B5EF4-FFF2-40B4-BE49-F238E27FC236}">
-                <a16:creationId xmlns:a16="http://schemas.microsoft.com/office/drawing/2014/main" id="{9C4538C8-89B2-C143-8951-0264DCE3A32D}"/>
+                <a16:creationId xmlns:a16="http://schemas.microsoft.com/office/drawing/2014/main" id="{08668DA0-9882-CE4B-B182-CA09EA8D8920}"/>
               </a:ext>
             </a:extLst>
           </p:cNvPr>
@@ -45468,152 +46240,10 @@
       </p:sp>
       <p:sp>
         <p:nvSpPr>
-          <p:cNvPr id="5" name="Oval 4">
-            <a:extLst>
-              <a:ext uri="{FF2B5EF4-FFF2-40B4-BE49-F238E27FC236}">
-                <a16:creationId xmlns:a16="http://schemas.microsoft.com/office/drawing/2014/main" id="{9AE839C1-1A44-6D4B-8C87-D7B12C91D21E}"/>
-              </a:ext>
-            </a:extLst>
-          </p:cNvPr>
-          <p:cNvSpPr/>
-          <p:nvPr/>
-        </p:nvSpPr>
-        <p:spPr>
-          <a:xfrm>
-            <a:off x="4131103" y="1455820"/>
-            <a:ext cx="3489158" cy="1311442"/>
-          </a:xfrm>
-          <a:prstGeom prst="ellipse">
-            <a:avLst/>
-          </a:prstGeom>
-        </p:spPr>
-        <p:style>
-          <a:lnRef idx="2">
-            <a:schemeClr val="accent1">
-              <a:shade val="50000"/>
-            </a:schemeClr>
-          </a:lnRef>
-          <a:fillRef idx="1">
-            <a:schemeClr val="accent1"/>
-          </a:fillRef>
-          <a:effectRef idx="0">
-            <a:schemeClr val="accent1"/>
-          </a:effectRef>
-          <a:fontRef idx="minor">
-            <a:schemeClr val="lt1"/>
-          </a:fontRef>
-        </p:style>
-        <p:txBody>
-          <a:bodyPr rtlCol="0" anchor="ctr"/>
-          <a:lstStyle/>
-          <a:p>
-            <a:pPr algn="ctr"/>
-            <a:r>
-              <a:rPr lang="en-US" sz="2800" dirty="0"/>
-              <a:t>Dynamical Systems</a:t>
-            </a:r>
-          </a:p>
-        </p:txBody>
-      </p:sp>
-      <p:sp>
-        <p:nvSpPr>
-          <p:cNvPr id="6" name="Oval 5">
-            <a:extLst>
-              <a:ext uri="{FF2B5EF4-FFF2-40B4-BE49-F238E27FC236}">
-                <a16:creationId xmlns:a16="http://schemas.microsoft.com/office/drawing/2014/main" id="{2B16142D-E919-F942-8C58-67D63FEBE116}"/>
-              </a:ext>
-            </a:extLst>
-          </p:cNvPr>
-          <p:cNvSpPr/>
-          <p:nvPr/>
-        </p:nvSpPr>
-        <p:spPr>
-          <a:xfrm>
-            <a:off x="4006515" y="3610854"/>
-            <a:ext cx="3741822" cy="1311442"/>
-          </a:xfrm>
-          <a:prstGeom prst="ellipse">
-            <a:avLst/>
-          </a:prstGeom>
-        </p:spPr>
-        <p:style>
-          <a:lnRef idx="2">
-            <a:schemeClr val="accent1">
-              <a:shade val="50000"/>
-            </a:schemeClr>
-          </a:lnRef>
-          <a:fillRef idx="1">
-            <a:schemeClr val="accent1"/>
-          </a:fillRef>
-          <a:effectRef idx="0">
-            <a:schemeClr val="accent1"/>
-          </a:effectRef>
-          <a:fontRef idx="minor">
-            <a:schemeClr val="lt1"/>
-          </a:fontRef>
-        </p:style>
-        <p:txBody>
-          <a:bodyPr rtlCol="0" anchor="ctr"/>
-          <a:lstStyle/>
-          <a:p>
-            <a:pPr algn="ctr"/>
-            <a:r>
-              <a:rPr lang="en-US" sz="2800" dirty="0"/>
-              <a:t>Complex Adaptive System</a:t>
-            </a:r>
-          </a:p>
-        </p:txBody>
-      </p:sp>
-      <p:cxnSp>
-        <p:nvCxnSpPr>
-          <p:cNvPr id="8" name="Straight Connector 7">
-            <a:extLst>
-              <a:ext uri="{FF2B5EF4-FFF2-40B4-BE49-F238E27FC236}">
-                <a16:creationId xmlns:a16="http://schemas.microsoft.com/office/drawing/2014/main" id="{D66A7D5A-81F3-B74F-886C-D760BFBFFB21}"/>
-              </a:ext>
-            </a:extLst>
-          </p:cNvPr>
-          <p:cNvCxnSpPr>
-            <a:stCxn id="5" idx="4"/>
-            <a:endCxn id="6" idx="0"/>
-          </p:cNvCxnSpPr>
-          <p:nvPr/>
-        </p:nvCxnSpPr>
-        <p:spPr>
-          <a:xfrm>
-            <a:off x="5875682" y="2767262"/>
-            <a:ext cx="1744" cy="843592"/>
-          </a:xfrm>
-          <a:prstGeom prst="line">
-            <a:avLst/>
-          </a:prstGeom>
-          <a:ln w="57150">
-            <a:solidFill>
-              <a:schemeClr val="tx1"/>
-            </a:solidFill>
-          </a:ln>
-        </p:spPr>
-        <p:style>
-          <a:lnRef idx="1">
-            <a:schemeClr val="accent1"/>
-          </a:lnRef>
-          <a:fillRef idx="0">
-            <a:schemeClr val="accent1"/>
-          </a:fillRef>
-          <a:effectRef idx="0">
-            <a:schemeClr val="accent1"/>
-          </a:effectRef>
-          <a:fontRef idx="minor">
-            <a:schemeClr val="tx1"/>
-          </a:fontRef>
-        </p:style>
-      </p:cxnSp>
-      <p:sp>
-        <p:nvSpPr>
-          <p:cNvPr id="9" name="TextBox 8">
-            <a:extLst>
-              <a:ext uri="{FF2B5EF4-FFF2-40B4-BE49-F238E27FC236}">
-                <a16:creationId xmlns:a16="http://schemas.microsoft.com/office/drawing/2014/main" id="{DE99C145-96E0-F641-A862-8294E538E0C8}"/>
+          <p:cNvPr id="5" name="TextBox 4">
+            <a:extLst>
+              <a:ext uri="{FF2B5EF4-FFF2-40B4-BE49-F238E27FC236}">
+                <a16:creationId xmlns:a16="http://schemas.microsoft.com/office/drawing/2014/main" id="{08625689-FC80-2849-A0AE-398DA1128071}"/>
               </a:ext>
             </a:extLst>
           </p:cNvPr>
@@ -45622,8 +46252,8 @@
         </p:nvSpPr>
         <p:spPr>
           <a:xfrm>
-            <a:off x="6219275" y="2980796"/>
-            <a:ext cx="1059136" cy="369332"/>
+            <a:off x="3658745" y="1601171"/>
+            <a:ext cx="7695055" cy="461665"/>
           </a:xfrm>
           <a:prstGeom prst="rect">
             <a:avLst/>
@@ -45637,8 +46267,8 @@
           <a:lstStyle/>
           <a:p>
             <a:r>
-              <a:rPr lang="en-US" dirty="0"/>
-              <a:t>Subset of</a:t>
+              <a:rPr lang="en-US" sz="2400" dirty="0"/>
+              <a:t>All models are wrong. Some models are useful. - George Box</a:t>
             </a:r>
           </a:p>
         </p:txBody>
@@ -45646,7 +46276,7 @@
     </p:spTree>
     <p:extLst>
       <p:ext uri="{BB962C8B-B14F-4D97-AF65-F5344CB8AC3E}">
-        <p14:creationId xmlns:p14="http://schemas.microsoft.com/office/powerpoint/2010/main" val="3234718713"/>
+        <p14:creationId xmlns:p14="http://schemas.microsoft.com/office/powerpoint/2010/main" val="4147496757"/>
       </p:ext>
     </p:extLst>
   </p:cSld>
@@ -45678,7 +46308,7 @@
           <p:cNvPr id="2" name="Title 1">
             <a:extLst>
               <a:ext uri="{FF2B5EF4-FFF2-40B4-BE49-F238E27FC236}">
-                <a16:creationId xmlns:a16="http://schemas.microsoft.com/office/drawing/2014/main" id="{A681943F-949A-204D-A73A-575794D6DEDC}"/>
+                <a16:creationId xmlns:a16="http://schemas.microsoft.com/office/drawing/2014/main" id="{44770E27-30F6-6A4C-9439-E9EDE8AB382A}"/>
               </a:ext>
             </a:extLst>
           </p:cNvPr>
@@ -45698,7 +46328,7 @@
           <a:p>
             <a:r>
               <a:rPr lang="en-US" dirty="0"/>
-              <a:t>Complex Adaptive System As Rules</a:t>
+              <a:t>Advanced Systems Theory</a:t>
             </a:r>
           </a:p>
         </p:txBody>
@@ -45708,7 +46338,7 @@
           <p:cNvPr id="3" name="Content Placeholder 2">
             <a:extLst>
               <a:ext uri="{FF2B5EF4-FFF2-40B4-BE49-F238E27FC236}">
-                <a16:creationId xmlns:a16="http://schemas.microsoft.com/office/drawing/2014/main" id="{60CBFBFD-127B-1B49-8B63-F33FAFB665E5}"/>
+                <a16:creationId xmlns:a16="http://schemas.microsoft.com/office/drawing/2014/main" id="{C30608BE-CA09-334F-A2EB-368AF79BCC7D}"/>
               </a:ext>
             </a:extLst>
           </p:cNvPr>
@@ -45721,86 +46351,18 @@
         </p:nvSpPr>
         <p:spPr>
           <a:xfrm>
-            <a:off x="3368233" y="6020942"/>
-            <a:ext cx="7985567" cy="365126"/>
+            <a:off x="725557" y="5484469"/>
+            <a:ext cx="10628243" cy="692494"/>
           </a:xfrm>
         </p:spPr>
         <p:txBody>
-          <a:bodyPr>
-            <a:normAutofit fontScale="85000" lnSpcReduction="20000"/>
-          </a:bodyPr>
+          <a:bodyPr/>
           <a:lstStyle/>
           <a:p>
-            <a:pPr marL="0" indent="0">
-              <a:buNone/>
-            </a:pPr>
-            <a:r>
-              <a:rPr lang="en-US" dirty="0">
-                <a:solidFill>
-                  <a:schemeClr val="bg1">
-                    <a:lumMod val="75000"/>
-                  </a:schemeClr>
-                </a:solidFill>
-              </a:rPr>
-              <a:t>Inspired by http://</a:t>
-            </a:r>
-            <a:r>
-              <a:rPr lang="en-US" dirty="0" err="1">
-                <a:solidFill>
-                  <a:schemeClr val="bg1">
-                    <a:lumMod val="75000"/>
-                  </a:schemeClr>
-                </a:solidFill>
-              </a:rPr>
-              <a:t>www.calresco.org</a:t>
-            </a:r>
-            <a:r>
-              <a:rPr lang="en-US" dirty="0">
-                <a:solidFill>
-                  <a:schemeClr val="bg1">
-                    <a:lumMod val="75000"/>
-                  </a:schemeClr>
-                </a:solidFill>
-              </a:rPr>
-              <a:t>/</a:t>
-            </a:r>
-            <a:r>
-              <a:rPr lang="en-US" dirty="0" err="1">
-                <a:solidFill>
-                  <a:schemeClr val="bg1">
-                    <a:lumMod val="75000"/>
-                  </a:schemeClr>
-                </a:solidFill>
-              </a:rPr>
-              <a:t>lucas</a:t>
-            </a:r>
-            <a:r>
-              <a:rPr lang="en-US" dirty="0">
-                <a:solidFill>
-                  <a:schemeClr val="bg1">
-                    <a:lumMod val="75000"/>
-                  </a:schemeClr>
-                </a:solidFill>
-              </a:rPr>
-              <a:t>/</a:t>
-            </a:r>
-            <a:r>
-              <a:rPr lang="en-US" dirty="0" err="1">
-                <a:solidFill>
-                  <a:schemeClr val="bg1">
-                    <a:lumMod val="75000"/>
-                  </a:schemeClr>
-                </a:solidFill>
-              </a:rPr>
-              <a:t>cas.htm</a:t>
-            </a:r>
-            <a:endParaRPr lang="en-US" dirty="0">
-              <a:solidFill>
-                <a:schemeClr val="bg1">
-                  <a:lumMod val="75000"/>
-                </a:schemeClr>
-              </a:solidFill>
-            </a:endParaRPr>
+            <a:r>
+              <a:rPr lang="en-US" dirty="0"/>
+              <a:t>Fields of Study</a:t>
+            </a:r>
           </a:p>
         </p:txBody>
       </p:sp>
@@ -45809,7 +46371,7 @@
           <p:cNvPr id="4" name="Slide Number Placeholder 3">
             <a:extLst>
               <a:ext uri="{FF2B5EF4-FFF2-40B4-BE49-F238E27FC236}">
-                <a16:creationId xmlns:a16="http://schemas.microsoft.com/office/drawing/2014/main" id="{2C0C7C99-D1C7-BD4D-B9BD-014B37683FDB}"/>
+                <a16:creationId xmlns:a16="http://schemas.microsoft.com/office/drawing/2014/main" id="{9C4538C8-89B2-C143-8951-0264DCE3A32D}"/>
               </a:ext>
             </a:extLst>
           </p:cNvPr>
@@ -45833,57 +46395,12 @@
           </a:p>
         </p:txBody>
       </p:sp>
-      <p:pic>
-        <p:nvPicPr>
-          <p:cNvPr id="1026" name="Picture 2" descr="CAS Structure">
-            <a:extLst>
-              <a:ext uri="{FF2B5EF4-FFF2-40B4-BE49-F238E27FC236}">
-                <a16:creationId xmlns:a16="http://schemas.microsoft.com/office/drawing/2014/main" id="{707CAA6B-EC3D-C540-8F29-82297D4D61FC}"/>
-              </a:ext>
-            </a:extLst>
-          </p:cNvPr>
-          <p:cNvPicPr>
-            <a:picLocks noChangeAspect="1" noChangeArrowheads="1"/>
-          </p:cNvPicPr>
-          <p:nvPr/>
-        </p:nvPicPr>
-        <p:blipFill rotWithShape="1">
-          <a:blip r:embed="rId2" cstate="screen">
-            <a:extLst>
-              <a:ext uri="{28A0092B-C50C-407E-A947-70E740481C1C}">
-                <a14:useLocalDpi xmlns:a14="http://schemas.microsoft.com/office/drawing/2010/main"/>
-              </a:ext>
-            </a:extLst>
-          </a:blip>
-          <a:srcRect t="4947"/>
-          <a:stretch/>
-        </p:blipFill>
-        <p:spPr bwMode="auto">
-          <a:xfrm>
-            <a:off x="2495633" y="1359081"/>
-            <a:ext cx="6667500" cy="4333732"/>
-          </a:xfrm>
-          <a:prstGeom prst="rect">
-            <a:avLst/>
-          </a:prstGeom>
-          <a:noFill/>
-          <a:extLst>
-            <a:ext uri="{909E8E84-426E-40DD-AFC4-6F175D3DCCD1}">
-              <a14:hiddenFill xmlns:a14="http://schemas.microsoft.com/office/drawing/2010/main">
-                <a:solidFill>
-                  <a:srgbClr val="FFFFFF"/>
-                </a:solidFill>
-              </a14:hiddenFill>
-            </a:ext>
-          </a:extLst>
-        </p:spPr>
-      </p:pic>
       <p:sp>
         <p:nvSpPr>
           <p:cNvPr id="5" name="Oval 4">
             <a:extLst>
               <a:ext uri="{FF2B5EF4-FFF2-40B4-BE49-F238E27FC236}">
-                <a16:creationId xmlns:a16="http://schemas.microsoft.com/office/drawing/2014/main" id="{469BE896-E6F0-6943-AB03-B4D95ACFC271}"/>
+                <a16:creationId xmlns:a16="http://schemas.microsoft.com/office/drawing/2014/main" id="{9AE839C1-1A44-6D4B-8C87-D7B12C91D21E}"/>
               </a:ext>
             </a:extLst>
           </p:cNvPr>
@@ -45892,16 +46409,12 @@
         </p:nvSpPr>
         <p:spPr>
           <a:xfrm>
-            <a:off x="1701478" y="2627453"/>
-            <a:ext cx="1990848" cy="561529"/>
+            <a:off x="4131103" y="1455820"/>
+            <a:ext cx="3489158" cy="1311442"/>
           </a:xfrm>
           <a:prstGeom prst="ellipse">
             <a:avLst/>
           </a:prstGeom>
-          <a:solidFill>
-            <a:schemeClr val="bg1"/>
-          </a:solidFill>
-          <a:ln w="28575"/>
         </p:spPr>
         <p:style>
           <a:lnRef idx="2">
@@ -45925,22 +46438,18 @@
           <a:p>
             <a:pPr algn="ctr"/>
             <a:r>
-              <a:rPr lang="en-US" dirty="0">
-                <a:solidFill>
-                  <a:schemeClr val="accent2"/>
-                </a:solidFill>
-              </a:rPr>
-              <a:t>Customers</a:t>
+              <a:rPr lang="en-US" sz="2800" dirty="0"/>
+              <a:t>Dynamical Systems</a:t>
             </a:r>
           </a:p>
         </p:txBody>
       </p:sp>
       <p:sp>
         <p:nvSpPr>
-          <p:cNvPr id="7" name="Oval 6">
-            <a:extLst>
-              <a:ext uri="{FF2B5EF4-FFF2-40B4-BE49-F238E27FC236}">
-                <a16:creationId xmlns:a16="http://schemas.microsoft.com/office/drawing/2014/main" id="{4E6D0873-B981-0442-B80E-5EFD2112D668}"/>
+          <p:cNvPr id="6" name="Oval 5">
+            <a:extLst>
+              <a:ext uri="{FF2B5EF4-FFF2-40B4-BE49-F238E27FC236}">
+                <a16:creationId xmlns:a16="http://schemas.microsoft.com/office/drawing/2014/main" id="{2B16142D-E919-F942-8C58-67D63FEBE116}"/>
               </a:ext>
             </a:extLst>
           </p:cNvPr>
@@ -45949,16 +46458,12 @@
         </p:nvSpPr>
         <p:spPr>
           <a:xfrm>
-            <a:off x="1516284" y="3843314"/>
-            <a:ext cx="2083444" cy="462988"/>
+            <a:off x="4006515" y="3610854"/>
+            <a:ext cx="3741822" cy="1311442"/>
           </a:xfrm>
           <a:prstGeom prst="ellipse">
             <a:avLst/>
           </a:prstGeom>
-          <a:solidFill>
-            <a:schemeClr val="bg1"/>
-          </a:solidFill>
-          <a:ln w="28575"/>
         </p:spPr>
         <p:style>
           <a:lnRef idx="2">
@@ -45982,69 +46487,87 @@
           <a:p>
             <a:pPr algn="ctr"/>
             <a:r>
-              <a:rPr lang="en-US" dirty="0">
-                <a:solidFill>
-                  <a:schemeClr val="accent2"/>
-                </a:solidFill>
-              </a:rPr>
-              <a:t>Competitors</a:t>
+              <a:rPr lang="en-US" sz="2800" dirty="0"/>
+              <a:t>Complex Adaptive System</a:t>
             </a:r>
           </a:p>
         </p:txBody>
       </p:sp>
+      <p:cxnSp>
+        <p:nvCxnSpPr>
+          <p:cNvPr id="8" name="Straight Connector 7">
+            <a:extLst>
+              <a:ext uri="{FF2B5EF4-FFF2-40B4-BE49-F238E27FC236}">
+                <a16:creationId xmlns:a16="http://schemas.microsoft.com/office/drawing/2014/main" id="{D66A7D5A-81F3-B74F-886C-D760BFBFFB21}"/>
+              </a:ext>
+            </a:extLst>
+          </p:cNvPr>
+          <p:cNvCxnSpPr>
+            <a:stCxn id="5" idx="4"/>
+            <a:endCxn id="6" idx="0"/>
+          </p:cNvCxnSpPr>
+          <p:nvPr/>
+        </p:nvCxnSpPr>
+        <p:spPr>
+          <a:xfrm>
+            <a:off x="5875682" y="2767262"/>
+            <a:ext cx="1744" cy="843592"/>
+          </a:xfrm>
+          <a:prstGeom prst="line">
+            <a:avLst/>
+          </a:prstGeom>
+          <a:ln w="57150">
+            <a:solidFill>
+              <a:schemeClr val="tx1"/>
+            </a:solidFill>
+          </a:ln>
+        </p:spPr>
+        <p:style>
+          <a:lnRef idx="1">
+            <a:schemeClr val="accent1"/>
+          </a:lnRef>
+          <a:fillRef idx="0">
+            <a:schemeClr val="accent1"/>
+          </a:fillRef>
+          <a:effectRef idx="0">
+            <a:schemeClr val="accent1"/>
+          </a:effectRef>
+          <a:fontRef idx="minor">
+            <a:schemeClr val="tx1"/>
+          </a:fontRef>
+        </p:style>
+      </p:cxnSp>
       <p:sp>
         <p:nvSpPr>
-          <p:cNvPr id="8" name="Oval 7">
-            <a:extLst>
-              <a:ext uri="{FF2B5EF4-FFF2-40B4-BE49-F238E27FC236}">
-                <a16:creationId xmlns:a16="http://schemas.microsoft.com/office/drawing/2014/main" id="{D49CCDE0-E3BB-5847-8462-8B8C6F6AB6AB}"/>
-              </a:ext>
-            </a:extLst>
-          </p:cNvPr>
-          <p:cNvSpPr/>
+          <p:cNvPr id="9" name="TextBox 8">
+            <a:extLst>
+              <a:ext uri="{FF2B5EF4-FFF2-40B4-BE49-F238E27FC236}">
+                <a16:creationId xmlns:a16="http://schemas.microsoft.com/office/drawing/2014/main" id="{DE99C145-96E0-F641-A862-8294E538E0C8}"/>
+              </a:ext>
+            </a:extLst>
+          </p:cNvPr>
+          <p:cNvSpPr txBox="1"/>
           <p:nvPr/>
         </p:nvSpPr>
         <p:spPr>
           <a:xfrm>
-            <a:off x="1516284" y="3296073"/>
-            <a:ext cx="2083444" cy="462988"/>
+            <a:off x="6219275" y="2980796"/>
+            <a:ext cx="1059136" cy="369332"/>
           </a:xfrm>
-          <a:prstGeom prst="ellipse">
+          <a:prstGeom prst="rect">
             <a:avLst/>
           </a:prstGeom>
-          <a:solidFill>
-            <a:schemeClr val="bg1"/>
-          </a:solidFill>
-          <a:ln w="28575"/>
+          <a:noFill/>
         </p:spPr>
-        <p:style>
-          <a:lnRef idx="2">
-            <a:schemeClr val="accent1">
-              <a:shade val="50000"/>
-            </a:schemeClr>
-          </a:lnRef>
-          <a:fillRef idx="1">
-            <a:schemeClr val="accent1"/>
-          </a:fillRef>
-          <a:effectRef idx="0">
-            <a:schemeClr val="accent1"/>
-          </a:effectRef>
-          <a:fontRef idx="minor">
-            <a:schemeClr val="lt1"/>
-          </a:fontRef>
-        </p:style>
         <p:txBody>
-          <a:bodyPr rtlCol="0" anchor="ctr"/>
+          <a:bodyPr wrap="none" rtlCol="0">
+            <a:spAutoFit/>
+          </a:bodyPr>
           <a:lstStyle/>
           <a:p>
-            <a:pPr algn="ctr"/>
-            <a:r>
-              <a:rPr lang="en-US" dirty="0">
-                <a:solidFill>
-                  <a:schemeClr val="accent2"/>
-                </a:solidFill>
-              </a:rPr>
-              <a:t>Products</a:t>
+            <a:r>
+              <a:rPr lang="en-US" dirty="0"/>
+              <a:t>Subset of</a:t>
             </a:r>
           </a:p>
         </p:txBody>
@@ -46052,7 +46575,7 @@
     </p:spTree>
     <p:extLst>
       <p:ext uri="{BB962C8B-B14F-4D97-AF65-F5344CB8AC3E}">
-        <p14:creationId xmlns:p14="http://schemas.microsoft.com/office/powerpoint/2010/main" val="1361218304"/>
+        <p14:creationId xmlns:p14="http://schemas.microsoft.com/office/powerpoint/2010/main" val="3234718713"/>
       </p:ext>
     </p:extLst>
   </p:cSld>
@@ -46949,6 +47472,412 @@
 </file>
 
 <file path=ppt/slides/slide50.xml><?xml version="1.0" encoding="utf-8"?>
+<p:sld xmlns:a="http://schemas.openxmlformats.org/drawingml/2006/main" xmlns:r="http://schemas.openxmlformats.org/officeDocument/2006/relationships" xmlns:p="http://schemas.openxmlformats.org/presentationml/2006/main">
+  <p:cSld>
+    <p:spTree>
+      <p:nvGrpSpPr>
+        <p:cNvPr id="1" name=""/>
+        <p:cNvGrpSpPr/>
+        <p:nvPr/>
+      </p:nvGrpSpPr>
+      <p:grpSpPr>
+        <a:xfrm>
+          <a:off x="0" y="0"/>
+          <a:ext cx="0" cy="0"/>
+          <a:chOff x="0" y="0"/>
+          <a:chExt cx="0" cy="0"/>
+        </a:xfrm>
+      </p:grpSpPr>
+      <p:sp>
+        <p:nvSpPr>
+          <p:cNvPr id="2" name="Title 1">
+            <a:extLst>
+              <a:ext uri="{FF2B5EF4-FFF2-40B4-BE49-F238E27FC236}">
+                <a16:creationId xmlns:a16="http://schemas.microsoft.com/office/drawing/2014/main" id="{A681943F-949A-204D-A73A-575794D6DEDC}"/>
+              </a:ext>
+            </a:extLst>
+          </p:cNvPr>
+          <p:cNvSpPr>
+            <a:spLocks noGrp="1"/>
+          </p:cNvSpPr>
+          <p:nvPr>
+            <p:ph type="title"/>
+          </p:nvPr>
+        </p:nvSpPr>
+        <p:spPr/>
+        <p:txBody>
+          <a:bodyPr>
+            <a:normAutofit fontScale="90000"/>
+          </a:bodyPr>
+          <a:lstStyle/>
+          <a:p>
+            <a:r>
+              <a:rPr lang="en-US" dirty="0"/>
+              <a:t>Complex Adaptive System As Rules</a:t>
+            </a:r>
+          </a:p>
+        </p:txBody>
+      </p:sp>
+      <p:sp>
+        <p:nvSpPr>
+          <p:cNvPr id="3" name="Content Placeholder 2">
+            <a:extLst>
+              <a:ext uri="{FF2B5EF4-FFF2-40B4-BE49-F238E27FC236}">
+                <a16:creationId xmlns:a16="http://schemas.microsoft.com/office/drawing/2014/main" id="{60CBFBFD-127B-1B49-8B63-F33FAFB665E5}"/>
+              </a:ext>
+            </a:extLst>
+          </p:cNvPr>
+          <p:cNvSpPr>
+            <a:spLocks noGrp="1"/>
+          </p:cNvSpPr>
+          <p:nvPr>
+            <p:ph idx="1"/>
+          </p:nvPr>
+        </p:nvSpPr>
+        <p:spPr>
+          <a:xfrm>
+            <a:off x="3368233" y="6020942"/>
+            <a:ext cx="7985567" cy="365126"/>
+          </a:xfrm>
+        </p:spPr>
+        <p:txBody>
+          <a:bodyPr>
+            <a:normAutofit fontScale="85000" lnSpcReduction="20000"/>
+          </a:bodyPr>
+          <a:lstStyle/>
+          <a:p>
+            <a:pPr marL="0" indent="0">
+              <a:buNone/>
+            </a:pPr>
+            <a:r>
+              <a:rPr lang="en-US" dirty="0">
+                <a:solidFill>
+                  <a:schemeClr val="bg1">
+                    <a:lumMod val="75000"/>
+                  </a:schemeClr>
+                </a:solidFill>
+              </a:rPr>
+              <a:t>Inspired by http://</a:t>
+            </a:r>
+            <a:r>
+              <a:rPr lang="en-US" dirty="0" err="1">
+                <a:solidFill>
+                  <a:schemeClr val="bg1">
+                    <a:lumMod val="75000"/>
+                  </a:schemeClr>
+                </a:solidFill>
+              </a:rPr>
+              <a:t>www.calresco.org</a:t>
+            </a:r>
+            <a:r>
+              <a:rPr lang="en-US" dirty="0">
+                <a:solidFill>
+                  <a:schemeClr val="bg1">
+                    <a:lumMod val="75000"/>
+                  </a:schemeClr>
+                </a:solidFill>
+              </a:rPr>
+              <a:t>/</a:t>
+            </a:r>
+            <a:r>
+              <a:rPr lang="en-US" dirty="0" err="1">
+                <a:solidFill>
+                  <a:schemeClr val="bg1">
+                    <a:lumMod val="75000"/>
+                  </a:schemeClr>
+                </a:solidFill>
+              </a:rPr>
+              <a:t>lucas</a:t>
+            </a:r>
+            <a:r>
+              <a:rPr lang="en-US" dirty="0">
+                <a:solidFill>
+                  <a:schemeClr val="bg1">
+                    <a:lumMod val="75000"/>
+                  </a:schemeClr>
+                </a:solidFill>
+              </a:rPr>
+              <a:t>/</a:t>
+            </a:r>
+            <a:r>
+              <a:rPr lang="en-US" dirty="0" err="1">
+                <a:solidFill>
+                  <a:schemeClr val="bg1">
+                    <a:lumMod val="75000"/>
+                  </a:schemeClr>
+                </a:solidFill>
+              </a:rPr>
+              <a:t>cas.htm</a:t>
+            </a:r>
+            <a:endParaRPr lang="en-US" dirty="0">
+              <a:solidFill>
+                <a:schemeClr val="bg1">
+                  <a:lumMod val="75000"/>
+                </a:schemeClr>
+              </a:solidFill>
+            </a:endParaRPr>
+          </a:p>
+        </p:txBody>
+      </p:sp>
+      <p:sp>
+        <p:nvSpPr>
+          <p:cNvPr id="4" name="Slide Number Placeholder 3">
+            <a:extLst>
+              <a:ext uri="{FF2B5EF4-FFF2-40B4-BE49-F238E27FC236}">
+                <a16:creationId xmlns:a16="http://schemas.microsoft.com/office/drawing/2014/main" id="{2C0C7C99-D1C7-BD4D-B9BD-014B37683FDB}"/>
+              </a:ext>
+            </a:extLst>
+          </p:cNvPr>
+          <p:cNvSpPr>
+            <a:spLocks noGrp="1"/>
+          </p:cNvSpPr>
+          <p:nvPr>
+            <p:ph type="sldNum" sz="quarter" idx="12"/>
+          </p:nvPr>
+        </p:nvSpPr>
+        <p:spPr/>
+        <p:txBody>
+          <a:bodyPr/>
+          <a:lstStyle/>
+          <a:p>
+            <a:fld id="{7269E411-7D29-FF41-8363-58C7F0B695CE}" type="slidenum">
+              <a:rPr lang="en-US" smtClean="0"/>
+              <a:t>50</a:t>
+            </a:fld>
+            <a:endParaRPr lang="en-US"/>
+          </a:p>
+        </p:txBody>
+      </p:sp>
+      <p:pic>
+        <p:nvPicPr>
+          <p:cNvPr id="1026" name="Picture 2" descr="CAS Structure">
+            <a:extLst>
+              <a:ext uri="{FF2B5EF4-FFF2-40B4-BE49-F238E27FC236}">
+                <a16:creationId xmlns:a16="http://schemas.microsoft.com/office/drawing/2014/main" id="{707CAA6B-EC3D-C540-8F29-82297D4D61FC}"/>
+              </a:ext>
+            </a:extLst>
+          </p:cNvPr>
+          <p:cNvPicPr>
+            <a:picLocks noChangeAspect="1" noChangeArrowheads="1"/>
+          </p:cNvPicPr>
+          <p:nvPr/>
+        </p:nvPicPr>
+        <p:blipFill rotWithShape="1">
+          <a:blip r:embed="rId2" cstate="screen">
+            <a:extLst>
+              <a:ext uri="{28A0092B-C50C-407E-A947-70E740481C1C}">
+                <a14:useLocalDpi xmlns:a14="http://schemas.microsoft.com/office/drawing/2010/main"/>
+              </a:ext>
+            </a:extLst>
+          </a:blip>
+          <a:srcRect t="4947"/>
+          <a:stretch/>
+        </p:blipFill>
+        <p:spPr bwMode="auto">
+          <a:xfrm>
+            <a:off x="2495633" y="1359081"/>
+            <a:ext cx="6667500" cy="4333732"/>
+          </a:xfrm>
+          <a:prstGeom prst="rect">
+            <a:avLst/>
+          </a:prstGeom>
+          <a:noFill/>
+          <a:extLst>
+            <a:ext uri="{909E8E84-426E-40DD-AFC4-6F175D3DCCD1}">
+              <a14:hiddenFill xmlns:a14="http://schemas.microsoft.com/office/drawing/2010/main">
+                <a:solidFill>
+                  <a:srgbClr val="FFFFFF"/>
+                </a:solidFill>
+              </a14:hiddenFill>
+            </a:ext>
+          </a:extLst>
+        </p:spPr>
+      </p:pic>
+      <p:sp>
+        <p:nvSpPr>
+          <p:cNvPr id="5" name="Oval 4">
+            <a:extLst>
+              <a:ext uri="{FF2B5EF4-FFF2-40B4-BE49-F238E27FC236}">
+                <a16:creationId xmlns:a16="http://schemas.microsoft.com/office/drawing/2014/main" id="{469BE896-E6F0-6943-AB03-B4D95ACFC271}"/>
+              </a:ext>
+            </a:extLst>
+          </p:cNvPr>
+          <p:cNvSpPr/>
+          <p:nvPr/>
+        </p:nvSpPr>
+        <p:spPr>
+          <a:xfrm>
+            <a:off x="1701478" y="2627453"/>
+            <a:ext cx="1990848" cy="561529"/>
+          </a:xfrm>
+          <a:prstGeom prst="ellipse">
+            <a:avLst/>
+          </a:prstGeom>
+          <a:solidFill>
+            <a:schemeClr val="bg1"/>
+          </a:solidFill>
+          <a:ln w="28575"/>
+        </p:spPr>
+        <p:style>
+          <a:lnRef idx="2">
+            <a:schemeClr val="accent1">
+              <a:shade val="50000"/>
+            </a:schemeClr>
+          </a:lnRef>
+          <a:fillRef idx="1">
+            <a:schemeClr val="accent1"/>
+          </a:fillRef>
+          <a:effectRef idx="0">
+            <a:schemeClr val="accent1"/>
+          </a:effectRef>
+          <a:fontRef idx="minor">
+            <a:schemeClr val="lt1"/>
+          </a:fontRef>
+        </p:style>
+        <p:txBody>
+          <a:bodyPr rtlCol="0" anchor="ctr"/>
+          <a:lstStyle/>
+          <a:p>
+            <a:pPr algn="ctr"/>
+            <a:r>
+              <a:rPr lang="en-US" dirty="0">
+                <a:solidFill>
+                  <a:schemeClr val="accent2"/>
+                </a:solidFill>
+              </a:rPr>
+              <a:t>Customers</a:t>
+            </a:r>
+          </a:p>
+        </p:txBody>
+      </p:sp>
+      <p:sp>
+        <p:nvSpPr>
+          <p:cNvPr id="7" name="Oval 6">
+            <a:extLst>
+              <a:ext uri="{FF2B5EF4-FFF2-40B4-BE49-F238E27FC236}">
+                <a16:creationId xmlns:a16="http://schemas.microsoft.com/office/drawing/2014/main" id="{4E6D0873-B981-0442-B80E-5EFD2112D668}"/>
+              </a:ext>
+            </a:extLst>
+          </p:cNvPr>
+          <p:cNvSpPr/>
+          <p:nvPr/>
+        </p:nvSpPr>
+        <p:spPr>
+          <a:xfrm>
+            <a:off x="1516284" y="3843314"/>
+            <a:ext cx="2083444" cy="462988"/>
+          </a:xfrm>
+          <a:prstGeom prst="ellipse">
+            <a:avLst/>
+          </a:prstGeom>
+          <a:solidFill>
+            <a:schemeClr val="bg1"/>
+          </a:solidFill>
+          <a:ln w="28575"/>
+        </p:spPr>
+        <p:style>
+          <a:lnRef idx="2">
+            <a:schemeClr val="accent1">
+              <a:shade val="50000"/>
+            </a:schemeClr>
+          </a:lnRef>
+          <a:fillRef idx="1">
+            <a:schemeClr val="accent1"/>
+          </a:fillRef>
+          <a:effectRef idx="0">
+            <a:schemeClr val="accent1"/>
+          </a:effectRef>
+          <a:fontRef idx="minor">
+            <a:schemeClr val="lt1"/>
+          </a:fontRef>
+        </p:style>
+        <p:txBody>
+          <a:bodyPr rtlCol="0" anchor="ctr"/>
+          <a:lstStyle/>
+          <a:p>
+            <a:pPr algn="ctr"/>
+            <a:r>
+              <a:rPr lang="en-US" dirty="0">
+                <a:solidFill>
+                  <a:schemeClr val="accent2"/>
+                </a:solidFill>
+              </a:rPr>
+              <a:t>Competitors</a:t>
+            </a:r>
+          </a:p>
+        </p:txBody>
+      </p:sp>
+      <p:sp>
+        <p:nvSpPr>
+          <p:cNvPr id="8" name="Oval 7">
+            <a:extLst>
+              <a:ext uri="{FF2B5EF4-FFF2-40B4-BE49-F238E27FC236}">
+                <a16:creationId xmlns:a16="http://schemas.microsoft.com/office/drawing/2014/main" id="{D49CCDE0-E3BB-5847-8462-8B8C6F6AB6AB}"/>
+              </a:ext>
+            </a:extLst>
+          </p:cNvPr>
+          <p:cNvSpPr/>
+          <p:nvPr/>
+        </p:nvSpPr>
+        <p:spPr>
+          <a:xfrm>
+            <a:off x="1516284" y="3296073"/>
+            <a:ext cx="2083444" cy="462988"/>
+          </a:xfrm>
+          <a:prstGeom prst="ellipse">
+            <a:avLst/>
+          </a:prstGeom>
+          <a:solidFill>
+            <a:schemeClr val="bg1"/>
+          </a:solidFill>
+          <a:ln w="28575"/>
+        </p:spPr>
+        <p:style>
+          <a:lnRef idx="2">
+            <a:schemeClr val="accent1">
+              <a:shade val="50000"/>
+            </a:schemeClr>
+          </a:lnRef>
+          <a:fillRef idx="1">
+            <a:schemeClr val="accent1"/>
+          </a:fillRef>
+          <a:effectRef idx="0">
+            <a:schemeClr val="accent1"/>
+          </a:effectRef>
+          <a:fontRef idx="minor">
+            <a:schemeClr val="lt1"/>
+          </a:fontRef>
+        </p:style>
+        <p:txBody>
+          <a:bodyPr rtlCol="0" anchor="ctr"/>
+          <a:lstStyle/>
+          <a:p>
+            <a:pPr algn="ctr"/>
+            <a:r>
+              <a:rPr lang="en-US" dirty="0">
+                <a:solidFill>
+                  <a:schemeClr val="accent2"/>
+                </a:solidFill>
+              </a:rPr>
+              <a:t>Products</a:t>
+            </a:r>
+          </a:p>
+        </p:txBody>
+      </p:sp>
+    </p:spTree>
+    <p:extLst>
+      <p:ext uri="{BB962C8B-B14F-4D97-AF65-F5344CB8AC3E}">
+        <p14:creationId xmlns:p14="http://schemas.microsoft.com/office/powerpoint/2010/main" val="1361218304"/>
+      </p:ext>
+    </p:extLst>
+  </p:cSld>
+  <p:clrMapOvr>
+    <a:masterClrMapping/>
+  </p:clrMapOvr>
+</p:sld>
+</file>
+
+<file path=ppt/slides/slide51.xml><?xml version="1.0" encoding="utf-8"?>
 <p:sld xmlns:a="http://schemas.openxmlformats.org/drawingml/2006/main" xmlns:r="http://schemas.openxmlformats.org/officeDocument/2006/relationships" xmlns:p="http://schemas.openxmlformats.org/presentationml/2006/main">
   <p:cSld>
     <p:spTree>
